--- a/LinqQueries.pptx
+++ b/LinqQueries.pptx
@@ -5,7 +5,7 @@
     <p:sldMasterId id="2147483676" r:id="rId1"/>
   </p:sldMasterIdLst>
   <p:notesMasterIdLst>
-    <p:notesMasterId r:id="rId37"/>
+    <p:notesMasterId r:id="rId35"/>
   </p:notesMasterIdLst>
   <p:sldIdLst>
     <p:sldId id="323" r:id="rId2"/>
@@ -27,44 +27,42 @@
     <p:sldId id="332" r:id="rId18"/>
     <p:sldId id="334" r:id="rId19"/>
     <p:sldId id="333" r:id="rId20"/>
-    <p:sldId id="328" r:id="rId21"/>
-    <p:sldId id="340" r:id="rId22"/>
-    <p:sldId id="339" r:id="rId23"/>
-    <p:sldId id="337" r:id="rId24"/>
-    <p:sldId id="382" r:id="rId25"/>
-    <p:sldId id="342" r:id="rId26"/>
-    <p:sldId id="338" r:id="rId27"/>
-    <p:sldId id="336" r:id="rId28"/>
-    <p:sldId id="384" r:id="rId29"/>
-    <p:sldId id="346" r:id="rId30"/>
-    <p:sldId id="383" r:id="rId31"/>
-    <p:sldId id="302" r:id="rId32"/>
-    <p:sldId id="303" r:id="rId33"/>
-    <p:sldId id="304" r:id="rId34"/>
-    <p:sldId id="305" r:id="rId35"/>
-    <p:sldId id="306" r:id="rId36"/>
+    <p:sldId id="339" r:id="rId21"/>
+    <p:sldId id="337" r:id="rId22"/>
+    <p:sldId id="382" r:id="rId23"/>
+    <p:sldId id="342" r:id="rId24"/>
+    <p:sldId id="338" r:id="rId25"/>
+    <p:sldId id="336" r:id="rId26"/>
+    <p:sldId id="384" r:id="rId27"/>
+    <p:sldId id="346" r:id="rId28"/>
+    <p:sldId id="383" r:id="rId29"/>
+    <p:sldId id="302" r:id="rId30"/>
+    <p:sldId id="303" r:id="rId31"/>
+    <p:sldId id="304" r:id="rId32"/>
+    <p:sldId id="305" r:id="rId33"/>
+    <p:sldId id="306" r:id="rId34"/>
   </p:sldIdLst>
   <p:sldSz cx="9144000" cy="5143500" type="screen16x9"/>
   <p:notesSz cx="6858000" cy="9144000"/>
   <p:embeddedFontLst>
     <p:embeddedFont>
-      <p:font typeface="Cascadia Mono" panose="020B0609020000020004" pitchFamily="49" charset="0"/>
-      <p:regular r:id="rId38"/>
-      <p:bold r:id="rId39"/>
+      <p:font typeface="Roboto" charset="0"/>
+      <p:regular r:id="rId36"/>
+      <p:bold r:id="rId37"/>
+      <p:italic r:id="rId38"/>
+      <p:boldItalic r:id="rId39"/>
     </p:embeddedFont>
     <p:embeddedFont>
-      <p:font typeface="Roboto" panose="020B0604020202020204" charset="0"/>
+      <p:font typeface="Cascadia Mono" pitchFamily="49" charset="0"/>
       <p:regular r:id="rId40"/>
       <p:bold r:id="rId41"/>
-      <p:italic r:id="rId42"/>
-      <p:boldItalic r:id="rId43"/>
     </p:embeddedFont>
     <p:embeddedFont>
-      <p:font typeface="Calibri" panose="020F0502020204030204" pitchFamily="34" charset="0"/>
-      <p:regular r:id="rId44"/>
-      <p:bold r:id="rId45"/>
-      <p:italic r:id="rId46"/>
-      <p:boldItalic r:id="rId47"/>
+      <p:font typeface="Calibri" pitchFamily="34" charset="0"/>
+      <p:regular r:id="rId42"/>
+      <p:bold r:id="rId43"/>
+      <p:italic r:id="rId44"/>
+      <p:boldItalic r:id="rId45"/>
     </p:embeddedFont>
   </p:embeddedFontLst>
   <p:defaultTextStyle>
@@ -298,7 +296,7 @@
   </p:defaultTextStyle>
   <p:extLst>
     <p:ext uri="{EFAFB233-063F-42B5-8137-9DF3F51BA10A}">
-      <p15:sldGuideLst xmlns:p15="http://schemas.microsoft.com/office/powerpoint/2012/main">
+      <p15:sldGuideLst xmlns:p15="http://schemas.microsoft.com/office/powerpoint/2012/main" xmlns="">
         <p15:guide id="1" orient="horz" pos="1620">
           <p15:clr>
             <a:srgbClr val="A4A3A4"/>
@@ -855,7 +853,7 @@
     </p:spTree>
     <p:extLst>
       <p:ext uri="{BB962C8B-B14F-4D97-AF65-F5344CB8AC3E}">
-        <p14:creationId xmlns:p14="http://schemas.microsoft.com/office/powerpoint/2010/main" val="1559280179"/>
+        <p14:creationId xmlns:p14="http://schemas.microsoft.com/office/powerpoint/2010/main" xmlns="" val="1559280179"/>
       </p:ext>
     </p:extLst>
   </p:cSld>
@@ -964,7 +962,7 @@
     </p:spTree>
     <p:extLst>
       <p:ext uri="{BB962C8B-B14F-4D97-AF65-F5344CB8AC3E}">
-        <p14:creationId xmlns:p14="http://schemas.microsoft.com/office/powerpoint/2010/main" val="2321919239"/>
+        <p14:creationId xmlns:p14="http://schemas.microsoft.com/office/powerpoint/2010/main" xmlns="" val="2321919239"/>
       </p:ext>
     </p:extLst>
   </p:cSld>
@@ -1073,7 +1071,7 @@
     </p:spTree>
     <p:extLst>
       <p:ext uri="{BB962C8B-B14F-4D97-AF65-F5344CB8AC3E}">
-        <p14:creationId xmlns:p14="http://schemas.microsoft.com/office/powerpoint/2010/main" val="1888565219"/>
+        <p14:creationId xmlns:p14="http://schemas.microsoft.com/office/powerpoint/2010/main" xmlns="" val="1888565219"/>
       </p:ext>
     </p:extLst>
   </p:cSld>
@@ -1182,7 +1180,7 @@
     </p:spTree>
     <p:extLst>
       <p:ext uri="{BB962C8B-B14F-4D97-AF65-F5344CB8AC3E}">
-        <p14:creationId xmlns:p14="http://schemas.microsoft.com/office/powerpoint/2010/main" val="2023148401"/>
+        <p14:creationId xmlns:p14="http://schemas.microsoft.com/office/powerpoint/2010/main" xmlns="" val="2023148401"/>
       </p:ext>
     </p:extLst>
   </p:cSld>
@@ -1291,7 +1289,7 @@
     </p:spTree>
     <p:extLst>
       <p:ext uri="{BB962C8B-B14F-4D97-AF65-F5344CB8AC3E}">
-        <p14:creationId xmlns:p14="http://schemas.microsoft.com/office/powerpoint/2010/main" val="2023148401"/>
+        <p14:creationId xmlns:p14="http://schemas.microsoft.com/office/powerpoint/2010/main" xmlns="" val="2023148401"/>
       </p:ext>
     </p:extLst>
   </p:cSld>
@@ -1400,7 +1398,7 @@
     </p:spTree>
     <p:extLst>
       <p:ext uri="{BB962C8B-B14F-4D97-AF65-F5344CB8AC3E}">
-        <p14:creationId xmlns:p14="http://schemas.microsoft.com/office/powerpoint/2010/main" val="2576159966"/>
+        <p14:creationId xmlns:p14="http://schemas.microsoft.com/office/powerpoint/2010/main" xmlns="" val="2576159966"/>
       </p:ext>
     </p:extLst>
   </p:cSld>
@@ -1509,7 +1507,7 @@
     </p:spTree>
     <p:extLst>
       <p:ext uri="{BB962C8B-B14F-4D97-AF65-F5344CB8AC3E}">
-        <p14:creationId xmlns:p14="http://schemas.microsoft.com/office/powerpoint/2010/main" val="19043452"/>
+        <p14:creationId xmlns:p14="http://schemas.microsoft.com/office/powerpoint/2010/main" xmlns="" val="19043452"/>
       </p:ext>
     </p:extLst>
   </p:cSld>
@@ -1618,7 +1616,7 @@
     </p:spTree>
     <p:extLst>
       <p:ext uri="{BB962C8B-B14F-4D97-AF65-F5344CB8AC3E}">
-        <p14:creationId xmlns:p14="http://schemas.microsoft.com/office/powerpoint/2010/main" val="725907786"/>
+        <p14:creationId xmlns:p14="http://schemas.microsoft.com/office/powerpoint/2010/main" xmlns="" val="725907786"/>
       </p:ext>
     </p:extLst>
   </p:cSld>
@@ -1727,7 +1725,7 @@
     </p:spTree>
     <p:extLst>
       <p:ext uri="{BB962C8B-B14F-4D97-AF65-F5344CB8AC3E}">
-        <p14:creationId xmlns:p14="http://schemas.microsoft.com/office/powerpoint/2010/main" val="1195792751"/>
+        <p14:creationId xmlns:p14="http://schemas.microsoft.com/office/powerpoint/2010/main" xmlns="" val="1195792751"/>
       </p:ext>
     </p:extLst>
   </p:cSld>
@@ -1836,7 +1834,7 @@
     </p:spTree>
     <p:extLst>
       <p:ext uri="{BB962C8B-B14F-4D97-AF65-F5344CB8AC3E}">
-        <p14:creationId xmlns:p14="http://schemas.microsoft.com/office/powerpoint/2010/main" val="3440309463"/>
+        <p14:creationId xmlns:p14="http://schemas.microsoft.com/office/powerpoint/2010/main" xmlns="" val="3440309463"/>
       </p:ext>
     </p:extLst>
   </p:cSld>
@@ -1945,7 +1943,7 @@
     </p:spTree>
     <p:extLst>
       <p:ext uri="{BB962C8B-B14F-4D97-AF65-F5344CB8AC3E}">
-        <p14:creationId xmlns:p14="http://schemas.microsoft.com/office/powerpoint/2010/main" val="1189310321"/>
+        <p14:creationId xmlns:p14="http://schemas.microsoft.com/office/powerpoint/2010/main" xmlns="" val="1189310321"/>
       </p:ext>
     </p:extLst>
   </p:cSld>
@@ -2158,7 +2156,7 @@
     </p:spTree>
     <p:extLst>
       <p:ext uri="{BB962C8B-B14F-4D97-AF65-F5344CB8AC3E}">
-        <p14:creationId xmlns:p14="http://schemas.microsoft.com/office/powerpoint/2010/main" val="3488297178"/>
+        <p14:creationId xmlns:p14="http://schemas.microsoft.com/office/powerpoint/2010/main" xmlns="" val="2015466976"/>
       </p:ext>
     </p:extLst>
   </p:cSld>
@@ -2267,7 +2265,7 @@
     </p:spTree>
     <p:extLst>
       <p:ext uri="{BB962C8B-B14F-4D97-AF65-F5344CB8AC3E}">
-        <p14:creationId xmlns:p14="http://schemas.microsoft.com/office/powerpoint/2010/main" val="3698287836"/>
+        <p14:creationId xmlns:p14="http://schemas.microsoft.com/office/powerpoint/2010/main" xmlns="" val="1668808346"/>
       </p:ext>
     </p:extLst>
   </p:cSld>
@@ -2282,7 +2280,7 @@
   <p:cSld>
     <p:spTree>
       <p:nvGrpSpPr>
-        <p:cNvPr id="1" name="Shape 244"/>
+        <p:cNvPr id="1" name="Shape 249"/>
         <p:cNvGrpSpPr/>
         <p:nvPr/>
       </p:nvGrpSpPr>
@@ -2296,7 +2294,7 @@
       </p:grpSpPr>
       <p:sp>
         <p:nvSpPr>
-          <p:cNvPr id="245" name="Google Shape;245;gdeaee39f1e_0_2:notes"/>
+          <p:cNvPr id="250" name="Google Shape;250;gdf29b9fb24_0_69:notes"/>
           <p:cNvSpPr>
             <a:spLocks noGrp="1" noRot="1" noChangeAspect="1"/>
           </p:cNvSpPr>
@@ -2337,7 +2335,7 @@
       </p:sp>
       <p:sp>
         <p:nvSpPr>
-          <p:cNvPr id="246" name="Google Shape;246;gdeaee39f1e_0_2:notes"/>
+          <p:cNvPr id="251" name="Google Shape;251;gdf29b9fb24_0_69:notes"/>
           <p:cNvSpPr txBox="1">
             <a:spLocks noGrp="1"/>
           </p:cNvSpPr>
@@ -2376,7 +2374,7 @@
     </p:spTree>
     <p:extLst>
       <p:ext uri="{BB962C8B-B14F-4D97-AF65-F5344CB8AC3E}">
-        <p14:creationId xmlns:p14="http://schemas.microsoft.com/office/powerpoint/2010/main" val="2015466976"/>
+        <p14:creationId xmlns:p14="http://schemas.microsoft.com/office/powerpoint/2010/main" xmlns="" val="759760207"/>
       </p:ext>
     </p:extLst>
   </p:cSld>
@@ -2485,7 +2483,7 @@
     </p:spTree>
     <p:extLst>
       <p:ext uri="{BB962C8B-B14F-4D97-AF65-F5344CB8AC3E}">
-        <p14:creationId xmlns:p14="http://schemas.microsoft.com/office/powerpoint/2010/main" val="1668808346"/>
+        <p14:creationId xmlns:p14="http://schemas.microsoft.com/office/powerpoint/2010/main" xmlns="" val="2121668500"/>
       </p:ext>
     </p:extLst>
   </p:cSld>
@@ -2594,7 +2592,7 @@
     </p:spTree>
     <p:extLst>
       <p:ext uri="{BB962C8B-B14F-4D97-AF65-F5344CB8AC3E}">
-        <p14:creationId xmlns:p14="http://schemas.microsoft.com/office/powerpoint/2010/main" val="759760207"/>
+        <p14:creationId xmlns:p14="http://schemas.microsoft.com/office/powerpoint/2010/main" xmlns="" val="1283641166"/>
       </p:ext>
     </p:extLst>
   </p:cSld>
@@ -2609,7 +2607,7 @@
   <p:cSld>
     <p:spTree>
       <p:nvGrpSpPr>
-        <p:cNvPr id="1" name="Shape 249"/>
+        <p:cNvPr id="1" name="Shape 244"/>
         <p:cNvGrpSpPr/>
         <p:nvPr/>
       </p:nvGrpSpPr>
@@ -2623,7 +2621,7 @@
       </p:grpSpPr>
       <p:sp>
         <p:nvSpPr>
-          <p:cNvPr id="250" name="Google Shape;250;gdf29b9fb24_0_69:notes"/>
+          <p:cNvPr id="245" name="Google Shape;245;gdeaee39f1e_0_2:notes"/>
           <p:cNvSpPr>
             <a:spLocks noGrp="1" noRot="1" noChangeAspect="1"/>
           </p:cNvSpPr>
@@ -2664,7 +2662,7 @@
       </p:sp>
       <p:sp>
         <p:nvSpPr>
-          <p:cNvPr id="251" name="Google Shape;251;gdf29b9fb24_0_69:notes"/>
+          <p:cNvPr id="246" name="Google Shape;246;gdeaee39f1e_0_2:notes"/>
           <p:cNvSpPr txBox="1">
             <a:spLocks noGrp="1"/>
           </p:cNvSpPr>
@@ -2703,7 +2701,7 @@
     </p:spTree>
     <p:extLst>
       <p:ext uri="{BB962C8B-B14F-4D97-AF65-F5344CB8AC3E}">
-        <p14:creationId xmlns:p14="http://schemas.microsoft.com/office/powerpoint/2010/main" val="2121668500"/>
+        <p14:creationId xmlns:p14="http://schemas.microsoft.com/office/powerpoint/2010/main" xmlns="" val="3151514446"/>
       </p:ext>
     </p:extLst>
   </p:cSld>
@@ -2812,7 +2810,7 @@
     </p:spTree>
     <p:extLst>
       <p:ext uri="{BB962C8B-B14F-4D97-AF65-F5344CB8AC3E}">
-        <p14:creationId xmlns:p14="http://schemas.microsoft.com/office/powerpoint/2010/main" val="1283641166"/>
+        <p14:creationId xmlns:p14="http://schemas.microsoft.com/office/powerpoint/2010/main" xmlns="" val="3666188274"/>
       </p:ext>
     </p:extLst>
   </p:cSld>
@@ -2827,7 +2825,7 @@
   <p:cSld>
     <p:spTree>
       <p:nvGrpSpPr>
-        <p:cNvPr id="1" name="Shape 244"/>
+        <p:cNvPr id="1" name="Shape 249"/>
         <p:cNvGrpSpPr/>
         <p:nvPr/>
       </p:nvGrpSpPr>
@@ -2841,7 +2839,7 @@
       </p:grpSpPr>
       <p:sp>
         <p:nvSpPr>
-          <p:cNvPr id="245" name="Google Shape;245;gdeaee39f1e_0_2:notes"/>
+          <p:cNvPr id="250" name="Google Shape;250;gdf29b9fb24_0_69:notes"/>
           <p:cNvSpPr>
             <a:spLocks noGrp="1" noRot="1" noChangeAspect="1"/>
           </p:cNvSpPr>
@@ -2882,7 +2880,7 @@
       </p:sp>
       <p:sp>
         <p:nvSpPr>
-          <p:cNvPr id="246" name="Google Shape;246;gdeaee39f1e_0_2:notes"/>
+          <p:cNvPr id="251" name="Google Shape;251;gdf29b9fb24_0_69:notes"/>
           <p:cNvSpPr txBox="1">
             <a:spLocks noGrp="1"/>
           </p:cNvSpPr>
@@ -2921,7 +2919,7 @@
     </p:spTree>
     <p:extLst>
       <p:ext uri="{BB962C8B-B14F-4D97-AF65-F5344CB8AC3E}">
-        <p14:creationId xmlns:p14="http://schemas.microsoft.com/office/powerpoint/2010/main" val="3151514446"/>
+        <p14:creationId xmlns:p14="http://schemas.microsoft.com/office/powerpoint/2010/main" xmlns="" val="3343632370"/>
       </p:ext>
     </p:extLst>
   </p:cSld>
@@ -3030,7 +3028,7 @@
     </p:spTree>
     <p:extLst>
       <p:ext uri="{BB962C8B-B14F-4D97-AF65-F5344CB8AC3E}">
-        <p14:creationId xmlns:p14="http://schemas.microsoft.com/office/powerpoint/2010/main" val="3666188274"/>
+        <p14:creationId xmlns:p14="http://schemas.microsoft.com/office/powerpoint/2010/main" xmlns="" val="3343632370"/>
       </p:ext>
     </p:extLst>
   </p:cSld>
@@ -3045,7 +3043,7 @@
   <p:cSld>
     <p:spTree>
       <p:nvGrpSpPr>
-        <p:cNvPr id="1" name="Shape 249"/>
+        <p:cNvPr id="1" name="Shape 450"/>
         <p:cNvGrpSpPr/>
         <p:nvPr/>
       </p:nvGrpSpPr>
@@ -3059,7 +3057,7 @@
       </p:grpSpPr>
       <p:sp>
         <p:nvSpPr>
-          <p:cNvPr id="250" name="Google Shape;250;gdf29b9fb24_0_69:notes"/>
+          <p:cNvPr id="451" name="Google Shape;451;g2f62e005416_0_73:notes"/>
           <p:cNvSpPr>
             <a:spLocks noGrp="1" noRot="1" noChangeAspect="1"/>
           </p:cNvSpPr>
@@ -3100,7 +3098,7 @@
       </p:sp>
       <p:sp>
         <p:nvSpPr>
-          <p:cNvPr id="251" name="Google Shape;251;gdf29b9fb24_0_69:notes"/>
+          <p:cNvPr id="452" name="Google Shape;452;g2f62e005416_0_73:notes"/>
           <p:cNvSpPr txBox="1">
             <a:spLocks noGrp="1"/>
           </p:cNvSpPr>
@@ -3137,11 +3135,6 @@
         </p:txBody>
       </p:sp>
     </p:spTree>
-    <p:extLst>
-      <p:ext uri="{BB962C8B-B14F-4D97-AF65-F5344CB8AC3E}">
-        <p14:creationId xmlns:p14="http://schemas.microsoft.com/office/powerpoint/2010/main" val="3343632370"/>
-      </p:ext>
-    </p:extLst>
   </p:cSld>
   <p:clrMapOvr>
     <a:masterClrMapping/>
@@ -3248,7 +3241,7 @@
     </p:spTree>
     <p:extLst>
       <p:ext uri="{BB962C8B-B14F-4D97-AF65-F5344CB8AC3E}">
-        <p14:creationId xmlns:p14="http://schemas.microsoft.com/office/powerpoint/2010/main" val="3548652113"/>
+        <p14:creationId xmlns:p14="http://schemas.microsoft.com/office/powerpoint/2010/main" xmlns="" val="3548652113"/>
       </p:ext>
     </p:extLst>
   </p:cSld>
@@ -3259,219 +3252,6 @@
 </file>
 
 <file path=ppt/notesSlides/notesSlide30.xml><?xml version="1.0" encoding="utf-8"?>
-<p:notes xmlns:a="http://schemas.openxmlformats.org/drawingml/2006/main" xmlns:r="http://schemas.openxmlformats.org/officeDocument/2006/relationships" xmlns:p="http://schemas.openxmlformats.org/presentationml/2006/main" showMasterSp="0" showMasterPhAnim="0">
-  <p:cSld>
-    <p:spTree>
-      <p:nvGrpSpPr>
-        <p:cNvPr id="1" name="Shape 249"/>
-        <p:cNvGrpSpPr/>
-        <p:nvPr/>
-      </p:nvGrpSpPr>
-      <p:grpSpPr>
-        <a:xfrm>
-          <a:off x="0" y="0"/>
-          <a:ext cx="0" cy="0"/>
-          <a:chOff x="0" y="0"/>
-          <a:chExt cx="0" cy="0"/>
-        </a:xfrm>
-      </p:grpSpPr>
-      <p:sp>
-        <p:nvSpPr>
-          <p:cNvPr id="250" name="Google Shape;250;gdf29b9fb24_0_69:notes"/>
-          <p:cNvSpPr>
-            <a:spLocks noGrp="1" noRot="1" noChangeAspect="1"/>
-          </p:cNvSpPr>
-          <p:nvPr>
-            <p:ph type="sldImg" idx="2"/>
-          </p:nvPr>
-        </p:nvSpPr>
-        <p:spPr>
-          <a:xfrm>
-            <a:off x="381000" y="685800"/>
-            <a:ext cx="6096000" cy="3429000"/>
-          </a:xfrm>
-          <a:custGeom>
-            <a:avLst/>
-            <a:gdLst/>
-            <a:ahLst/>
-            <a:cxnLst/>
-            <a:rect l="l" t="t" r="r" b="b"/>
-            <a:pathLst>
-              <a:path w="120000" h="120000" extrusionOk="0">
-                <a:moveTo>
-                  <a:pt x="0" y="0"/>
-                </a:moveTo>
-                <a:lnTo>
-                  <a:pt x="120000" y="0"/>
-                </a:lnTo>
-                <a:lnTo>
-                  <a:pt x="120000" y="120000"/>
-                </a:lnTo>
-                <a:lnTo>
-                  <a:pt x="0" y="120000"/>
-                </a:lnTo>
-                <a:close/>
-              </a:path>
-            </a:pathLst>
-          </a:custGeom>
-        </p:spPr>
-      </p:sp>
-      <p:sp>
-        <p:nvSpPr>
-          <p:cNvPr id="251" name="Google Shape;251;gdf29b9fb24_0_69:notes"/>
-          <p:cNvSpPr txBox="1">
-            <a:spLocks noGrp="1"/>
-          </p:cNvSpPr>
-          <p:nvPr>
-            <p:ph type="body" idx="1"/>
-          </p:nvPr>
-        </p:nvSpPr>
-        <p:spPr>
-          <a:xfrm>
-            <a:off x="685800" y="4343400"/>
-            <a:ext cx="5486400" cy="4114800"/>
-          </a:xfrm>
-          <a:prstGeom prst="rect">
-            <a:avLst/>
-          </a:prstGeom>
-        </p:spPr>
-        <p:txBody>
-          <a:bodyPr spcFirstLastPara="1" wrap="square" lIns="91425" tIns="91425" rIns="91425" bIns="91425" anchor="t" anchorCtr="0">
-            <a:noAutofit/>
-          </a:bodyPr>
-          <a:lstStyle/>
-          <a:p>
-            <a:pPr marL="0" lvl="0" indent="0" algn="l" rtl="0">
-              <a:spcBef>
-                <a:spcPts val="0"/>
-              </a:spcBef>
-              <a:spcAft>
-                <a:spcPts val="0"/>
-              </a:spcAft>
-              <a:buNone/>
-            </a:pPr>
-            <a:endParaRPr/>
-          </a:p>
-        </p:txBody>
-      </p:sp>
-    </p:spTree>
-    <p:extLst>
-      <p:ext uri="{BB962C8B-B14F-4D97-AF65-F5344CB8AC3E}">
-        <p14:creationId xmlns:p14="http://schemas.microsoft.com/office/powerpoint/2010/main" val="3343632370"/>
-      </p:ext>
-    </p:extLst>
-  </p:cSld>
-  <p:clrMapOvr>
-    <a:masterClrMapping/>
-  </p:clrMapOvr>
-</p:notes>
-</file>
-
-<file path=ppt/notesSlides/notesSlide31.xml><?xml version="1.0" encoding="utf-8"?>
-<p:notes xmlns:a="http://schemas.openxmlformats.org/drawingml/2006/main" xmlns:r="http://schemas.openxmlformats.org/officeDocument/2006/relationships" xmlns:p="http://schemas.openxmlformats.org/presentationml/2006/main" showMasterSp="0" showMasterPhAnim="0">
-  <p:cSld>
-    <p:spTree>
-      <p:nvGrpSpPr>
-        <p:cNvPr id="1" name="Shape 450"/>
-        <p:cNvGrpSpPr/>
-        <p:nvPr/>
-      </p:nvGrpSpPr>
-      <p:grpSpPr>
-        <a:xfrm>
-          <a:off x="0" y="0"/>
-          <a:ext cx="0" cy="0"/>
-          <a:chOff x="0" y="0"/>
-          <a:chExt cx="0" cy="0"/>
-        </a:xfrm>
-      </p:grpSpPr>
-      <p:sp>
-        <p:nvSpPr>
-          <p:cNvPr id="451" name="Google Shape;451;g2f62e005416_0_73:notes"/>
-          <p:cNvSpPr>
-            <a:spLocks noGrp="1" noRot="1" noChangeAspect="1"/>
-          </p:cNvSpPr>
-          <p:nvPr>
-            <p:ph type="sldImg" idx="2"/>
-          </p:nvPr>
-        </p:nvSpPr>
-        <p:spPr>
-          <a:xfrm>
-            <a:off x="381000" y="685800"/>
-            <a:ext cx="6096000" cy="3429000"/>
-          </a:xfrm>
-          <a:custGeom>
-            <a:avLst/>
-            <a:gdLst/>
-            <a:ahLst/>
-            <a:cxnLst/>
-            <a:rect l="l" t="t" r="r" b="b"/>
-            <a:pathLst>
-              <a:path w="120000" h="120000" extrusionOk="0">
-                <a:moveTo>
-                  <a:pt x="0" y="0"/>
-                </a:moveTo>
-                <a:lnTo>
-                  <a:pt x="120000" y="0"/>
-                </a:lnTo>
-                <a:lnTo>
-                  <a:pt x="120000" y="120000"/>
-                </a:lnTo>
-                <a:lnTo>
-                  <a:pt x="0" y="120000"/>
-                </a:lnTo>
-                <a:close/>
-              </a:path>
-            </a:pathLst>
-          </a:custGeom>
-        </p:spPr>
-      </p:sp>
-      <p:sp>
-        <p:nvSpPr>
-          <p:cNvPr id="452" name="Google Shape;452;g2f62e005416_0_73:notes"/>
-          <p:cNvSpPr txBox="1">
-            <a:spLocks noGrp="1"/>
-          </p:cNvSpPr>
-          <p:nvPr>
-            <p:ph type="body" idx="1"/>
-          </p:nvPr>
-        </p:nvSpPr>
-        <p:spPr>
-          <a:xfrm>
-            <a:off x="685800" y="4343400"/>
-            <a:ext cx="5486400" cy="4114800"/>
-          </a:xfrm>
-          <a:prstGeom prst="rect">
-            <a:avLst/>
-          </a:prstGeom>
-        </p:spPr>
-        <p:txBody>
-          <a:bodyPr spcFirstLastPara="1" wrap="square" lIns="91425" tIns="91425" rIns="91425" bIns="91425" anchor="t" anchorCtr="0">
-            <a:noAutofit/>
-          </a:bodyPr>
-          <a:lstStyle/>
-          <a:p>
-            <a:pPr marL="0" lvl="0" indent="0" algn="l" rtl="0">
-              <a:spcBef>
-                <a:spcPts val="0"/>
-              </a:spcBef>
-              <a:spcAft>
-                <a:spcPts val="0"/>
-              </a:spcAft>
-              <a:buNone/>
-            </a:pPr>
-            <a:endParaRPr/>
-          </a:p>
-        </p:txBody>
-      </p:sp>
-    </p:spTree>
-  </p:cSld>
-  <p:clrMapOvr>
-    <a:masterClrMapping/>
-  </p:clrMapOvr>
-</p:notes>
-</file>
-
-<file path=ppt/notesSlides/notesSlide32.xml><?xml version="1.0" encoding="utf-8"?>
 <p:notes xmlns:a="http://schemas.openxmlformats.org/drawingml/2006/main" xmlns:r="http://schemas.openxmlformats.org/officeDocument/2006/relationships" xmlns:p="http://schemas.openxmlformats.org/presentationml/2006/main" showMasterSp="0" showMasterPhAnim="0">
   <p:cSld>
     <p:spTree>
@@ -3575,7 +3355,7 @@
 </p:notes>
 </file>
 
-<file path=ppt/notesSlides/notesSlide33.xml><?xml version="1.0" encoding="utf-8"?>
+<file path=ppt/notesSlides/notesSlide31.xml><?xml version="1.0" encoding="utf-8"?>
 <p:notes xmlns:a="http://schemas.openxmlformats.org/drawingml/2006/main" xmlns:r="http://schemas.openxmlformats.org/officeDocument/2006/relationships" xmlns:p="http://schemas.openxmlformats.org/presentationml/2006/main" showMasterSp="0" showMasterPhAnim="0">
   <p:cSld>
     <p:spTree>
@@ -3679,7 +3459,7 @@
 </p:notes>
 </file>
 
-<file path=ppt/notesSlides/notesSlide34.xml><?xml version="1.0" encoding="utf-8"?>
+<file path=ppt/notesSlides/notesSlide32.xml><?xml version="1.0" encoding="utf-8"?>
 <p:notes xmlns:a="http://schemas.openxmlformats.org/drawingml/2006/main" xmlns:r="http://schemas.openxmlformats.org/officeDocument/2006/relationships" xmlns:p="http://schemas.openxmlformats.org/presentationml/2006/main" showMasterSp="0" showMasterPhAnim="0">
   <p:cSld>
     <p:spTree>
@@ -3783,7 +3563,7 @@
 </p:notes>
 </file>
 
-<file path=ppt/notesSlides/notesSlide35.xml><?xml version="1.0" encoding="utf-8"?>
+<file path=ppt/notesSlides/notesSlide33.xml><?xml version="1.0" encoding="utf-8"?>
 <p:notes xmlns:a="http://schemas.openxmlformats.org/drawingml/2006/main" xmlns:r="http://schemas.openxmlformats.org/officeDocument/2006/relationships" xmlns:p="http://schemas.openxmlformats.org/presentationml/2006/main" showMasterSp="0" showMasterPhAnim="0">
   <p:cSld>
     <p:spTree>
@@ -4506,7 +4286,7 @@
     </p:spTree>
     <p:extLst>
       <p:ext uri="{BB962C8B-B14F-4D97-AF65-F5344CB8AC3E}">
-        <p14:creationId xmlns:p14="http://schemas.microsoft.com/office/powerpoint/2010/main" val="229109771"/>
+        <p14:creationId xmlns:p14="http://schemas.microsoft.com/office/powerpoint/2010/main" xmlns="" val="229109771"/>
       </p:ext>
     </p:extLst>
   </p:cSld>
@@ -8519,7 +8299,7 @@
   </p:clrMapOvr>
   <p:extLst>
     <p:ext uri="{DCECCB84-F9BA-43D5-87BE-67443E8EF086}">
-      <p15:sldGuideLst xmlns:p15="http://schemas.microsoft.com/office/powerpoint/2012/main">
+      <p15:sldGuideLst xmlns:p15="http://schemas.microsoft.com/office/powerpoint/2012/main" xmlns="">
         <p15:guide id="1" pos="397">
           <p15:clr>
             <a:srgbClr val="FA7B17"/>
@@ -11717,7 +11497,7 @@
     </p:spTree>
     <p:extLst>
       <p:ext uri="{BB962C8B-B14F-4D97-AF65-F5344CB8AC3E}">
-        <p14:creationId xmlns:p14="http://schemas.microsoft.com/office/powerpoint/2010/main" val="4136653412"/>
+        <p14:creationId xmlns:p14="http://schemas.microsoft.com/office/powerpoint/2010/main" xmlns="" val="4136653412"/>
       </p:ext>
     </p:extLst>
   </p:cSld>
@@ -11924,7 +11704,7 @@
     </p:spTree>
     <p:extLst>
       <p:ext uri="{BB962C8B-B14F-4D97-AF65-F5344CB8AC3E}">
-        <p14:creationId xmlns:p14="http://schemas.microsoft.com/office/powerpoint/2010/main" val="3202757603"/>
+        <p14:creationId xmlns:p14="http://schemas.microsoft.com/office/powerpoint/2010/main" xmlns="" val="3202757603"/>
       </p:ext>
     </p:extLst>
   </p:cSld>
@@ -12015,7 +11795,7 @@
     </p:spTree>
     <p:extLst>
       <p:ext uri="{BB962C8B-B14F-4D97-AF65-F5344CB8AC3E}">
-        <p14:creationId xmlns:p14="http://schemas.microsoft.com/office/powerpoint/2010/main" val="189444067"/>
+        <p14:creationId xmlns:p14="http://schemas.microsoft.com/office/powerpoint/2010/main" xmlns="" val="189444067"/>
       </p:ext>
     </p:extLst>
   </p:cSld>
@@ -12302,7 +12082,7 @@
     </p:spTree>
     <p:extLst>
       <p:ext uri="{BB962C8B-B14F-4D97-AF65-F5344CB8AC3E}">
-        <p14:creationId xmlns:p14="http://schemas.microsoft.com/office/powerpoint/2010/main" val="3031471623"/>
+        <p14:creationId xmlns:p14="http://schemas.microsoft.com/office/powerpoint/2010/main" xmlns="" val="3031471623"/>
       </p:ext>
     </p:extLst>
   </p:cSld>
@@ -12537,7 +12317,7 @@
     </p:spTree>
     <p:extLst>
       <p:ext uri="{BB962C8B-B14F-4D97-AF65-F5344CB8AC3E}">
-        <p14:creationId xmlns:p14="http://schemas.microsoft.com/office/powerpoint/2010/main" val="3031471623"/>
+        <p14:creationId xmlns:p14="http://schemas.microsoft.com/office/powerpoint/2010/main" xmlns="" val="3031471623"/>
       </p:ext>
     </p:extLst>
   </p:cSld>
@@ -12816,7 +12596,7 @@
     </p:spTree>
     <p:extLst>
       <p:ext uri="{BB962C8B-B14F-4D97-AF65-F5344CB8AC3E}">
-        <p14:creationId xmlns:p14="http://schemas.microsoft.com/office/powerpoint/2010/main" val="2681438897"/>
+        <p14:creationId xmlns:p14="http://schemas.microsoft.com/office/powerpoint/2010/main" xmlns="" val="2681438897"/>
       </p:ext>
     </p:extLst>
   </p:cSld>
@@ -13013,7 +12793,7 @@
     </p:spTree>
     <p:extLst>
       <p:ext uri="{BB962C8B-B14F-4D97-AF65-F5344CB8AC3E}">
-        <p14:creationId xmlns:p14="http://schemas.microsoft.com/office/powerpoint/2010/main" val="1833493414"/>
+        <p14:creationId xmlns:p14="http://schemas.microsoft.com/office/powerpoint/2010/main" xmlns="" val="1833493414"/>
       </p:ext>
     </p:extLst>
   </p:cSld>
@@ -13405,7 +13185,7 @@
     </p:spTree>
     <p:extLst>
       <p:ext uri="{BB962C8B-B14F-4D97-AF65-F5344CB8AC3E}">
-        <p14:creationId xmlns:p14="http://schemas.microsoft.com/office/powerpoint/2010/main" val="248511585"/>
+        <p14:creationId xmlns:p14="http://schemas.microsoft.com/office/powerpoint/2010/main" xmlns="" val="248511585"/>
       </p:ext>
     </p:extLst>
   </p:cSld>
@@ -14247,7 +14027,7 @@
     </p:spTree>
     <p:extLst>
       <p:ext uri="{BB962C8B-B14F-4D97-AF65-F5344CB8AC3E}">
-        <p14:creationId xmlns:p14="http://schemas.microsoft.com/office/powerpoint/2010/main" val="644465044"/>
+        <p14:creationId xmlns:p14="http://schemas.microsoft.com/office/powerpoint/2010/main" xmlns="" val="644465044"/>
       </p:ext>
     </p:extLst>
   </p:cSld>
@@ -14895,10 +14675,10 @@
             </a:pPr>
             <a:r>
               <a:rPr lang="ru-RU" dirty="0" smtClean="0"/>
-              <a:t>Отсутствует операция </a:t>
-            </a:r>
-            <a:r>
-              <a:rPr lang="ru-RU" dirty="0"/>
+              <a:t>Методы </a:t>
+            </a:r>
+            <a:r>
+              <a:rPr lang="ru-RU" dirty="0" smtClean="0"/>
               <a:t>группового </a:t>
             </a:r>
             <a:r>
@@ -15032,7 +14812,7 @@
     </p:spTree>
     <p:extLst>
       <p:ext uri="{BB962C8B-B14F-4D97-AF65-F5344CB8AC3E}">
-        <p14:creationId xmlns:p14="http://schemas.microsoft.com/office/powerpoint/2010/main" val="156626269"/>
+        <p14:creationId xmlns:p14="http://schemas.microsoft.com/office/powerpoint/2010/main" xmlns="" val="156626269"/>
       </p:ext>
     </p:extLst>
   </p:cSld>
@@ -15220,7 +15000,7 @@
     </p:spTree>
     <p:extLst>
       <p:ext uri="{BB962C8B-B14F-4D97-AF65-F5344CB8AC3E}">
-        <p14:creationId xmlns:p14="http://schemas.microsoft.com/office/powerpoint/2010/main" val="2913875090"/>
+        <p14:creationId xmlns:p14="http://schemas.microsoft.com/office/powerpoint/2010/main" xmlns="" val="2913875090"/>
       </p:ext>
     </p:extLst>
   </p:cSld>
@@ -15570,7 +15350,7 @@
             </a:pPr>
             <a:r>
               <a:rPr lang="ru-RU" dirty="0" smtClean="0"/>
-              <a:t>Категории запросов</a:t>
+              <a:t>Декларативный синтаксис</a:t>
             </a:r>
             <a:endParaRPr dirty="0"/>
           </a:p>
@@ -15579,7 +15359,7 @@
     </p:spTree>
     <p:extLst>
       <p:ext uri="{BB962C8B-B14F-4D97-AF65-F5344CB8AC3E}">
-        <p14:creationId xmlns:p14="http://schemas.microsoft.com/office/powerpoint/2010/main" val="4032434902"/>
+        <p14:creationId xmlns:p14="http://schemas.microsoft.com/office/powerpoint/2010/main" xmlns="" val="1278776193"/>
       </p:ext>
     </p:extLst>
   </p:cSld>
@@ -15626,7 +15406,7 @@
         <p:spPr>
           <a:xfrm>
             <a:off x="500550" y="330736"/>
-            <a:ext cx="8520600" cy="979800"/>
+            <a:ext cx="8520600" cy="791482"/>
           </a:xfrm>
           <a:prstGeom prst="rect">
             <a:avLst/>
@@ -15649,7 +15429,7 @@
             </a:pPr>
             <a:r>
               <a:rPr lang="ru-RU" dirty="0" smtClean="0"/>
-              <a:t>Категории запросов</a:t>
+              <a:t>Ключевые слова</a:t>
             </a:r>
             <a:endParaRPr dirty="0"/>
           </a:p>
@@ -15667,8 +15447,8 @@
         </p:nvSpPr>
         <p:spPr>
           <a:xfrm>
-            <a:off x="500550" y="1059872"/>
-            <a:ext cx="7947711" cy="3551885"/>
+            <a:off x="500550" y="1073427"/>
+            <a:ext cx="7947711" cy="3425686"/>
           </a:xfrm>
           <a:prstGeom prst="rect">
             <a:avLst/>
@@ -15676,7 +15456,7 @@
         </p:spPr>
         <p:txBody>
           <a:bodyPr spcFirstLastPara="1" wrap="square" lIns="91425" tIns="91425" rIns="91425" bIns="91425" anchor="t" anchorCtr="0">
-            <a:normAutofit/>
+            <a:normAutofit fontScale="92500" lnSpcReduction="20000"/>
           </a:bodyPr>
           <a:lstStyle/>
           <a:p>
@@ -15684,63 +15464,12 @@
               <a:buNone/>
             </a:pPr>
             <a:r>
+              <a:rPr lang="ru-RU" dirty="0"/>
+              <a:t>При использовании декларативного </a:t>
+            </a:r>
+            <a:r>
               <a:rPr lang="ru-RU" dirty="0" smtClean="0"/>
-              <a:t>Категории запросов делятся на 3 большие группы:</a:t>
-            </a:r>
-          </a:p>
-          <a:p>
-            <a:pPr marL="463550" lvl="0" indent="-342900">
-              <a:buFont typeface="+mj-lt"/>
-              <a:buAutoNum type="arabicPeriod"/>
-            </a:pPr>
-            <a:r>
-              <a:rPr lang="ru-RU" dirty="0"/>
-              <a:t>Выборка данных без изменения элементов (</a:t>
-            </a:r>
-            <a:r>
-              <a:rPr lang="ru-RU" dirty="0" smtClean="0"/>
-              <a:t>сортировка или фильтрация).</a:t>
-            </a:r>
-            <a:endParaRPr lang="ru-RU" dirty="0"/>
-          </a:p>
-          <a:p>
-            <a:pPr marL="463550" lvl="0" indent="-342900">
-              <a:buFont typeface="+mj-lt"/>
-              <a:buAutoNum type="arabicPeriod"/>
-            </a:pPr>
-            <a:r>
-              <a:rPr lang="ru-RU" dirty="0"/>
-              <a:t>Выборка данных с </a:t>
-            </a:r>
-            <a:r>
-              <a:rPr lang="ru-RU" dirty="0" smtClean="0"/>
-              <a:t>трансформацией, либо выводом нового типа</a:t>
-            </a:r>
-            <a:r>
-              <a:rPr lang="en-US" dirty="0" smtClean="0"/>
-              <a:t> (</a:t>
-            </a:r>
-            <a:r>
-              <a:rPr lang="ru-RU" dirty="0" smtClean="0"/>
-              <a:t>выборка или группировка с новым возвращаемым типом</a:t>
-            </a:r>
-            <a:r>
-              <a:rPr lang="en-US" dirty="0" smtClean="0"/>
-              <a:t>)</a:t>
-            </a:r>
-            <a:r>
-              <a:rPr lang="ru-RU" dirty="0" smtClean="0"/>
-              <a:t>. </a:t>
-            </a:r>
-          </a:p>
-          <a:p>
-            <a:pPr marL="463550" indent="-342900">
-              <a:buFont typeface="+mj-lt"/>
-              <a:buAutoNum type="arabicPeriod"/>
-            </a:pPr>
-            <a:r>
-              <a:rPr lang="ru-RU" dirty="0" smtClean="0"/>
-              <a:t>Извлечение информации о последовательности (агрегатные функции).</a:t>
+              <a:t>синтаксиса</a:t>
             </a:r>
             <a:r>
               <a:rPr lang="en-US" dirty="0" smtClean="0"/>
@@ -15748,15 +15477,279 @@
             </a:r>
             <a:r>
               <a:rPr lang="ru-RU" dirty="0" smtClean="0"/>
-              <a:t>Недоступно при использовании декларативного синтаксиса.</a:t>
-            </a:r>
+              <a:t>используются следующие </a:t>
+            </a:r>
+            <a:r>
+              <a:rPr lang="ru-RU" dirty="0" smtClean="0">
+                <a:hlinkClick r:id="rId3"/>
+              </a:rPr>
+              <a:t>ключевые слова</a:t>
+            </a:r>
+            <a:r>
+              <a:rPr lang="ru-RU" dirty="0" smtClean="0"/>
+              <a:t>:</a:t>
+            </a:r>
+            <a:endParaRPr lang="ru-RU" dirty="0"/>
+          </a:p>
+          <a:p>
+            <a:r>
+              <a:rPr lang="en-US" u="sng" dirty="0" smtClean="0">
+                <a:hlinkClick r:id="rId4"/>
+              </a:rPr>
+              <a:t>from</a:t>
+            </a:r>
+            <a:r>
+              <a:rPr lang="ru-RU" dirty="0" smtClean="0"/>
+              <a:t> </a:t>
+            </a:r>
+            <a:r>
+              <a:rPr lang="ru-RU" dirty="0"/>
+              <a:t>– где </a:t>
+            </a:r>
+            <a:r>
+              <a:rPr lang="ru-RU" dirty="0" smtClean="0"/>
+              <a:t>указывается</a:t>
+            </a:r>
+            <a:r>
+              <a:rPr lang="en-US" dirty="0" smtClean="0"/>
+              <a:t> </a:t>
+            </a:r>
+            <a:r>
+              <a:rPr lang="ru-RU" dirty="0" smtClean="0"/>
+              <a:t>элемент последовательности(обязателен)</a:t>
+            </a:r>
+            <a:r>
+              <a:rPr lang="en-US" dirty="0" smtClean="0"/>
+              <a:t>; </a:t>
+            </a:r>
+            <a:r>
+              <a:rPr lang="ru-RU" dirty="0" smtClean="0"/>
+              <a:t>Используется с </a:t>
+            </a:r>
+            <a:r>
+              <a:rPr lang="en-US" dirty="0" smtClean="0">
+                <a:hlinkClick r:id="rId5"/>
+              </a:rPr>
+              <a:t>in</a:t>
+            </a:r>
+            <a:r>
+              <a:rPr lang="en-US" dirty="0" smtClean="0">
+                <a:solidFill>
+                  <a:schemeClr val="accent2"/>
+                </a:solidFill>
+              </a:rPr>
+              <a:t>;</a:t>
+            </a:r>
+          </a:p>
+          <a:p>
+            <a:r>
+              <a:rPr lang="en-US" dirty="0" smtClean="0">
+                <a:hlinkClick r:id="rId5"/>
+              </a:rPr>
+              <a:t>in</a:t>
+            </a:r>
+            <a:r>
+              <a:rPr lang="en-US" dirty="0" smtClean="0">
+                <a:solidFill>
+                  <a:schemeClr val="accent1">
+                    <a:lumMod val="75000"/>
+                  </a:schemeClr>
+                </a:solidFill>
+              </a:rPr>
+              <a:t> </a:t>
+            </a:r>
+            <a:r>
+              <a:rPr lang="ru-RU" dirty="0" smtClean="0"/>
+              <a:t>- источник данных(обязателен);</a:t>
+            </a:r>
+            <a:endParaRPr lang="ru-RU" dirty="0"/>
+          </a:p>
+          <a:p>
+            <a:r>
+              <a:rPr lang="en-US" dirty="0" smtClean="0">
+                <a:hlinkClick r:id="rId6"/>
+              </a:rPr>
+              <a:t>where</a:t>
+            </a:r>
+            <a:r>
+              <a:rPr lang="en-US" dirty="0" smtClean="0"/>
+              <a:t> </a:t>
+            </a:r>
+            <a:r>
+              <a:rPr lang="ru-RU" dirty="0" smtClean="0"/>
+              <a:t>– задает фильтрацию элементов последовательности(опционально);</a:t>
+            </a:r>
+            <a:endParaRPr lang="ru-RU" dirty="0"/>
+          </a:p>
+          <a:p>
+            <a:r>
+              <a:rPr lang="en-US" dirty="0" smtClean="0">
+                <a:hlinkClick r:id="rId7"/>
+              </a:rPr>
+              <a:t>select</a:t>
+            </a:r>
+            <a:r>
+              <a:rPr lang="ru-RU" dirty="0" smtClean="0"/>
+              <a:t> </a:t>
+            </a:r>
+            <a:r>
+              <a:rPr lang="ru-RU" dirty="0"/>
+              <a:t>– </a:t>
+            </a:r>
+            <a:r>
+              <a:rPr lang="ru-RU" dirty="0" smtClean="0"/>
+              <a:t>возвращает проекцию данных(обязательно, либо </a:t>
+            </a:r>
+            <a:r>
+              <a:rPr lang="en-US" dirty="0" smtClean="0">
+                <a:hlinkClick r:id="rId8"/>
+              </a:rPr>
+              <a:t>group</a:t>
+            </a:r>
+            <a:r>
+              <a:rPr lang="ru-RU" dirty="0" smtClean="0"/>
+              <a:t>)</a:t>
+            </a:r>
+            <a:r>
+              <a:rPr lang="en-US" dirty="0" smtClean="0"/>
+              <a:t>;</a:t>
+            </a:r>
+          </a:p>
+          <a:p>
+            <a:r>
+              <a:rPr lang="en-US" dirty="0" smtClean="0">
+                <a:hlinkClick r:id="rId8"/>
+              </a:rPr>
+              <a:t>group</a:t>
+            </a:r>
+            <a:r>
+              <a:rPr lang="en-US" dirty="0" smtClean="0"/>
+              <a:t> – </a:t>
+            </a:r>
+            <a:r>
+              <a:rPr lang="ru-RU" dirty="0" smtClean="0"/>
+              <a:t>возвращает объекты  типа</a:t>
+            </a:r>
+            <a:r>
+              <a:rPr lang="en-US" dirty="0"/>
+              <a:t> </a:t>
+            </a:r>
+            <a:r>
+              <a:rPr lang="en-US" dirty="0" err="1" smtClean="0">
+                <a:hlinkClick r:id="rId9"/>
+              </a:rPr>
+              <a:t>IGrouping</a:t>
+            </a:r>
+            <a:r>
+              <a:rPr lang="en-US" dirty="0" smtClean="0">
+                <a:hlinkClick r:id="rId9"/>
+              </a:rPr>
+              <a:t>&lt;</a:t>
+            </a:r>
+            <a:r>
+              <a:rPr lang="en-US" dirty="0" err="1" smtClean="0">
+                <a:hlinkClick r:id="rId9"/>
+              </a:rPr>
+              <a:t>TKey,TElement</a:t>
+            </a:r>
+            <a:r>
+              <a:rPr lang="en-US" dirty="0" smtClean="0">
+                <a:hlinkClick r:id="rId9"/>
+              </a:rPr>
+              <a:t>&gt;</a:t>
+            </a:r>
+            <a:r>
+              <a:rPr lang="en-US" dirty="0" smtClean="0"/>
+              <a:t>; </a:t>
+            </a:r>
+            <a:r>
+              <a:rPr lang="ru-RU" dirty="0" smtClean="0"/>
+              <a:t>используется с </a:t>
+            </a:r>
+            <a:r>
+              <a:rPr lang="en-US" dirty="0" smtClean="0">
+                <a:hlinkClick r:id="rId10"/>
+              </a:rPr>
+              <a:t>by</a:t>
+            </a:r>
+            <a:r>
+              <a:rPr lang="en-US" dirty="0" smtClean="0">
+                <a:solidFill>
+                  <a:schemeClr val="accent2"/>
+                </a:solidFill>
+              </a:rPr>
+              <a:t>;</a:t>
+            </a:r>
+            <a:r>
+              <a:rPr lang="ru-RU" dirty="0" smtClean="0">
+                <a:solidFill>
+                  <a:schemeClr val="accent2"/>
+                </a:solidFill>
+              </a:rPr>
+              <a:t> (</a:t>
+            </a:r>
+            <a:r>
+              <a:rPr lang="ru-RU" dirty="0"/>
+              <a:t>обязательно, </a:t>
+            </a:r>
+            <a:r>
+              <a:rPr lang="ru-RU" dirty="0" smtClean="0"/>
+              <a:t>либо </a:t>
+            </a:r>
+            <a:r>
+              <a:rPr lang="en-US" dirty="0" smtClean="0">
+                <a:hlinkClick r:id="rId7"/>
+              </a:rPr>
+              <a:t>select</a:t>
+            </a:r>
+            <a:r>
+              <a:rPr lang="ru-RU" dirty="0" smtClean="0">
+                <a:solidFill>
+                  <a:schemeClr val="accent2"/>
+                </a:solidFill>
+              </a:rPr>
+              <a:t>)</a:t>
+            </a:r>
+            <a:r>
+              <a:rPr lang="en-US" dirty="0" smtClean="0">
+                <a:solidFill>
+                  <a:schemeClr val="accent2"/>
+                </a:solidFill>
+              </a:rPr>
+              <a:t>;</a:t>
+            </a:r>
+          </a:p>
+          <a:p>
+            <a:r>
+              <a:rPr lang="en-US" dirty="0" smtClean="0">
+                <a:hlinkClick r:id="rId10"/>
+              </a:rPr>
+              <a:t>by</a:t>
+            </a:r>
+            <a:r>
+              <a:rPr lang="en-US" dirty="0" smtClean="0"/>
+              <a:t> </a:t>
+            </a:r>
+            <a:r>
+              <a:rPr lang="en-US" dirty="0"/>
+              <a:t>– </a:t>
+            </a:r>
+            <a:r>
+              <a:rPr lang="ru-RU" dirty="0" smtClean="0"/>
+              <a:t>указывает параметр, по которому необходимо сгруппировать члены последовательности</a:t>
+            </a:r>
+            <a:r>
+              <a:rPr lang="en-US" dirty="0" smtClean="0"/>
+              <a:t>;</a:t>
+            </a:r>
+            <a:endParaRPr lang="en-US" dirty="0"/>
           </a:p>
         </p:txBody>
       </p:sp>
     </p:spTree>
     <p:extLst>
       <p:ext uri="{BB962C8B-B14F-4D97-AF65-F5344CB8AC3E}">
-        <p14:creationId xmlns:p14="http://schemas.microsoft.com/office/powerpoint/2010/main" val="527839848"/>
+        <p14:creationId xmlns:p14="http://schemas.microsoft.com/office/powerpoint/2010/main" xmlns="" val="3181728970"/>
       </p:ext>
     </p:extLst>
   </p:cSld>
@@ -15778,7 +15771,7 @@
   <p:cSld>
     <p:spTree>
       <p:nvGrpSpPr>
-        <p:cNvPr id="1" name="Shape 247"/>
+        <p:cNvPr id="1" name="Shape 252"/>
         <p:cNvGrpSpPr/>
         <p:nvPr/>
       </p:nvGrpSpPr>
@@ -15792,7 +15785,7 @@
       </p:grpSpPr>
       <p:sp>
         <p:nvSpPr>
-          <p:cNvPr id="248" name="Google Shape;248;p44"/>
+          <p:cNvPr id="253" name="Google Shape;253;p45"/>
           <p:cNvSpPr txBox="1">
             <a:spLocks noGrp="1"/>
           </p:cNvSpPr>
@@ -15802,15 +15795,15 @@
         </p:nvSpPr>
         <p:spPr>
           <a:xfrm>
-            <a:off x="956224" y="396400"/>
-            <a:ext cx="7730575" cy="4090800"/>
+            <a:off x="500550" y="330736"/>
+            <a:ext cx="8520600" cy="791482"/>
           </a:xfrm>
           <a:prstGeom prst="rect">
             <a:avLst/>
           </a:prstGeom>
         </p:spPr>
         <p:txBody>
-          <a:bodyPr spcFirstLastPara="1" wrap="square" lIns="91425" tIns="91425" rIns="91425" bIns="91425" anchor="ctr" anchorCtr="0">
+          <a:bodyPr spcFirstLastPara="1" wrap="square" lIns="91425" tIns="91425" rIns="91425" bIns="91425" anchor="t" anchorCtr="0">
             <a:noAutofit/>
           </a:bodyPr>
           <a:lstStyle/>
@@ -15826,16 +15819,470 @@
             </a:pPr>
             <a:r>
               <a:rPr lang="ru-RU" dirty="0" smtClean="0"/>
-              <a:t>Декларативный синтаксис</a:t>
+              <a:t>Ключевые слова</a:t>
             </a:r>
             <a:endParaRPr dirty="0"/>
+          </a:p>
+        </p:txBody>
+      </p:sp>
+      <p:sp>
+        <p:nvSpPr>
+          <p:cNvPr id="254" name="Google Shape;254;p45"/>
+          <p:cNvSpPr txBox="1">
+            <a:spLocks noGrp="1"/>
+          </p:cNvSpPr>
+          <p:nvPr>
+            <p:ph type="body" idx="1"/>
+          </p:nvPr>
+        </p:nvSpPr>
+        <p:spPr>
+          <a:xfrm>
+            <a:off x="500550" y="1073427"/>
+            <a:ext cx="7947711" cy="3425686"/>
+          </a:xfrm>
+          <a:prstGeom prst="rect">
+            <a:avLst/>
+          </a:prstGeom>
+        </p:spPr>
+        <p:txBody>
+          <a:bodyPr spcFirstLastPara="1" wrap="square" lIns="91425" tIns="91425" rIns="91425" bIns="91425" anchor="t" anchorCtr="0">
+            <a:normAutofit fontScale="70000" lnSpcReduction="20000"/>
+          </a:bodyPr>
+          <a:lstStyle/>
+          <a:p>
+            <a:pPr marL="120650" lvl="0" indent="0">
+              <a:buClr>
+                <a:srgbClr val="000000"/>
+              </a:buClr>
+              <a:buNone/>
+            </a:pPr>
+            <a:r>
+              <a:rPr lang="ru-RU" sz="2000" dirty="0">
+                <a:solidFill>
+                  <a:srgbClr val="000000"/>
+                </a:solidFill>
+              </a:rPr>
+              <a:t>При использовании декларативного синтаксиса</a:t>
+            </a:r>
+            <a:r>
+              <a:rPr lang="en-US" sz="2000" dirty="0">
+                <a:solidFill>
+                  <a:srgbClr val="000000"/>
+                </a:solidFill>
+              </a:rPr>
+              <a:t> </a:t>
+            </a:r>
+            <a:r>
+              <a:rPr lang="ru-RU" sz="2000" dirty="0">
+                <a:solidFill>
+                  <a:srgbClr val="000000"/>
+                </a:solidFill>
+              </a:rPr>
+              <a:t>используются следующие </a:t>
+            </a:r>
+            <a:r>
+              <a:rPr lang="ru-RU" sz="2000" dirty="0">
+                <a:solidFill>
+                  <a:srgbClr val="000000"/>
+                </a:solidFill>
+                <a:hlinkClick r:id="rId3"/>
+              </a:rPr>
+              <a:t>ключевые слова</a:t>
+            </a:r>
+            <a:r>
+              <a:rPr lang="ru-RU" sz="2000" dirty="0">
+                <a:solidFill>
+                  <a:srgbClr val="000000"/>
+                </a:solidFill>
+              </a:rPr>
+              <a:t>:</a:t>
+            </a:r>
+          </a:p>
+          <a:p>
+            <a:pPr lvl="0">
+              <a:buClr>
+                <a:srgbClr val="000000"/>
+              </a:buClr>
+            </a:pPr>
+            <a:r>
+              <a:rPr lang="en-US" sz="1900" u="sng" dirty="0">
+                <a:solidFill>
+                  <a:srgbClr val="000000"/>
+                </a:solidFill>
+                <a:hlinkClick r:id="rId4"/>
+              </a:rPr>
+              <a:t>let</a:t>
+            </a:r>
+            <a:r>
+              <a:rPr lang="en-US" sz="1900" dirty="0">
+                <a:solidFill>
+                  <a:srgbClr val="000000"/>
+                </a:solidFill>
+              </a:rPr>
+              <a:t> – </a:t>
+            </a:r>
+            <a:r>
+              <a:rPr lang="ru-RU" sz="1900" dirty="0">
+                <a:solidFill>
+                  <a:srgbClr val="000000"/>
+                </a:solidFill>
+              </a:rPr>
+              <a:t>определяет переменную и присваивает ей значение, рассчитанное на основе значений данных</a:t>
+            </a:r>
+            <a:r>
+              <a:rPr lang="en-US" sz="1900" dirty="0">
+                <a:solidFill>
+                  <a:srgbClr val="000000"/>
+                </a:solidFill>
+              </a:rPr>
+              <a:t>;</a:t>
+            </a:r>
+          </a:p>
+          <a:p>
+            <a:pPr lvl="0">
+              <a:buClr>
+                <a:srgbClr val="000000"/>
+              </a:buClr>
+            </a:pPr>
+            <a:r>
+              <a:rPr lang="en-US" sz="1900" dirty="0">
+                <a:solidFill>
+                  <a:srgbClr val="000000"/>
+                </a:solidFill>
+                <a:hlinkClick r:id="rId5"/>
+              </a:rPr>
+              <a:t>into</a:t>
+            </a:r>
+            <a:r>
+              <a:rPr lang="en-US" sz="1900" dirty="0">
+                <a:solidFill>
+                  <a:srgbClr val="000000"/>
+                </a:solidFill>
+              </a:rPr>
+              <a:t> –</a:t>
+            </a:r>
+            <a:r>
+              <a:rPr lang="ru-RU" sz="1900" dirty="0">
+                <a:solidFill>
+                  <a:srgbClr val="000000"/>
+                </a:solidFill>
+              </a:rPr>
+              <a:t> служит для создания временного идентификатора для хранения результата из </a:t>
+            </a:r>
+            <a:r>
+              <a:rPr lang="en-US" sz="1900" dirty="0">
+                <a:solidFill>
+                  <a:srgbClr val="000000"/>
+                </a:solidFill>
+              </a:rPr>
+              <a:t>group;</a:t>
+            </a:r>
+          </a:p>
+          <a:p>
+            <a:pPr lvl="0">
+              <a:buClr>
+                <a:srgbClr val="000000"/>
+              </a:buClr>
+            </a:pPr>
+            <a:r>
+              <a:rPr lang="en-US" sz="1900" dirty="0">
+                <a:solidFill>
+                  <a:srgbClr val="000000"/>
+                </a:solidFill>
+                <a:hlinkClick r:id="rId6"/>
+              </a:rPr>
+              <a:t>join</a:t>
+            </a:r>
+            <a:r>
+              <a:rPr lang="en-US" sz="1900" dirty="0">
+                <a:solidFill>
+                  <a:srgbClr val="000000"/>
+                </a:solidFill>
+              </a:rPr>
+              <a:t> –</a:t>
+            </a:r>
+            <a:r>
+              <a:rPr lang="ru-RU" sz="1900" dirty="0">
+                <a:solidFill>
+                  <a:srgbClr val="000000"/>
+                </a:solidFill>
+              </a:rPr>
+              <a:t> объединяет различные последовательности, имеющих отношения в объектной модели</a:t>
+            </a:r>
+            <a:r>
+              <a:rPr lang="en-US" sz="1900" dirty="0">
+                <a:solidFill>
+                  <a:srgbClr val="000000"/>
+                </a:solidFill>
+              </a:rPr>
+              <a:t>; </a:t>
+            </a:r>
+            <a:r>
+              <a:rPr lang="ru-RU" sz="1900" dirty="0">
+                <a:solidFill>
+                  <a:srgbClr val="000000"/>
+                </a:solidFill>
+              </a:rPr>
+              <a:t>Используется с </a:t>
+            </a:r>
+            <a:r>
+              <a:rPr lang="en-US" sz="1900" u="sng" dirty="0">
+                <a:solidFill>
+                  <a:srgbClr val="000000"/>
+                </a:solidFill>
+                <a:hlinkClick r:id="rId7"/>
+              </a:rPr>
+              <a:t>on</a:t>
+            </a:r>
+            <a:r>
+              <a:rPr lang="en-US" sz="1900" dirty="0">
+                <a:solidFill>
+                  <a:srgbClr val="212121"/>
+                </a:solidFill>
+              </a:rPr>
+              <a:t>;</a:t>
+            </a:r>
+            <a:endParaRPr lang="en-US" sz="1900" dirty="0">
+              <a:solidFill>
+                <a:srgbClr val="000000"/>
+              </a:solidFill>
+            </a:endParaRPr>
+          </a:p>
+          <a:p>
+            <a:pPr lvl="0">
+              <a:buClr>
+                <a:srgbClr val="000000"/>
+              </a:buClr>
+            </a:pPr>
+            <a:r>
+              <a:rPr lang="en-US" sz="1900" u="sng" dirty="0">
+                <a:solidFill>
+                  <a:srgbClr val="000000"/>
+                </a:solidFill>
+                <a:hlinkClick r:id="rId7"/>
+              </a:rPr>
+              <a:t>on</a:t>
+            </a:r>
+            <a:r>
+              <a:rPr lang="en-US" sz="1900" dirty="0">
+                <a:solidFill>
+                  <a:srgbClr val="000000"/>
+                </a:solidFill>
+              </a:rPr>
+              <a:t> –</a:t>
+            </a:r>
+            <a:r>
+              <a:rPr lang="ru-RU" sz="1900" dirty="0">
+                <a:solidFill>
+                  <a:srgbClr val="000000"/>
+                </a:solidFill>
+              </a:rPr>
+              <a:t> задает ключи, по которым необходимо сопоставить коллекции в </a:t>
+            </a:r>
+            <a:r>
+              <a:rPr lang="en-US" sz="1900" dirty="0">
+                <a:solidFill>
+                  <a:srgbClr val="000000"/>
+                </a:solidFill>
+                <a:hlinkClick r:id="rId6"/>
+              </a:rPr>
+              <a:t>join</a:t>
+            </a:r>
+            <a:r>
+              <a:rPr lang="en-US" sz="1900" dirty="0">
+                <a:solidFill>
+                  <a:srgbClr val="000000"/>
+                </a:solidFill>
+              </a:rPr>
+              <a:t>;</a:t>
+            </a:r>
+          </a:p>
+          <a:p>
+            <a:pPr lvl="0">
+              <a:buClr>
+                <a:srgbClr val="000000"/>
+              </a:buClr>
+            </a:pPr>
+            <a:r>
+              <a:rPr lang="en-US" sz="1900" dirty="0">
+                <a:solidFill>
+                  <a:srgbClr val="000000"/>
+                </a:solidFill>
+                <a:hlinkClick r:id="rId8"/>
+              </a:rPr>
+              <a:t>equals</a:t>
+            </a:r>
+            <a:r>
+              <a:rPr lang="en-US" sz="1900" dirty="0">
+                <a:solidFill>
+                  <a:srgbClr val="000000"/>
+                </a:solidFill>
+              </a:rPr>
+              <a:t> – </a:t>
+            </a:r>
+            <a:r>
+              <a:rPr lang="ru-RU" sz="1900" dirty="0">
+                <a:solidFill>
+                  <a:srgbClr val="000000"/>
+                </a:solidFill>
+              </a:rPr>
+              <a:t>сравнивает значения в выражениях запроса</a:t>
+            </a:r>
+            <a:r>
+              <a:rPr lang="en-US" sz="1900" dirty="0">
+                <a:solidFill>
+                  <a:srgbClr val="000000"/>
+                </a:solidFill>
+              </a:rPr>
+              <a:t>;</a:t>
+            </a:r>
+            <a:r>
+              <a:rPr lang="ru-RU" sz="1900" dirty="0">
+                <a:solidFill>
+                  <a:srgbClr val="000000"/>
+                </a:solidFill>
+              </a:rPr>
+              <a:t> используется с </a:t>
+            </a:r>
+            <a:r>
+              <a:rPr lang="en-US" sz="1900" u="sng" dirty="0">
+                <a:solidFill>
+                  <a:srgbClr val="000000"/>
+                </a:solidFill>
+                <a:hlinkClick r:id="rId6"/>
+              </a:rPr>
+              <a:t>join</a:t>
+            </a:r>
+            <a:r>
+              <a:rPr lang="en-US" sz="1900" dirty="0">
+                <a:solidFill>
+                  <a:srgbClr val="4285F4">
+                    <a:lumMod val="75000"/>
+                  </a:srgbClr>
+                </a:solidFill>
+              </a:rPr>
+              <a:t> </a:t>
+            </a:r>
+            <a:r>
+              <a:rPr lang="en-US" sz="1900" u="sng" dirty="0">
+                <a:solidFill>
+                  <a:srgbClr val="000000"/>
+                </a:solidFill>
+                <a:hlinkClick r:id="rId7"/>
+              </a:rPr>
+              <a:t>on</a:t>
+            </a:r>
+            <a:r>
+              <a:rPr lang="en-US" sz="1900" dirty="0">
+                <a:solidFill>
+                  <a:srgbClr val="000000"/>
+                </a:solidFill>
+              </a:rPr>
+              <a:t>;</a:t>
+            </a:r>
+          </a:p>
+          <a:p>
+            <a:pPr lvl="0">
+              <a:buClr>
+                <a:srgbClr val="000000"/>
+              </a:buClr>
+            </a:pPr>
+            <a:r>
+              <a:rPr lang="en-US" sz="1900" dirty="0" err="1">
+                <a:solidFill>
+                  <a:srgbClr val="000000"/>
+                </a:solidFill>
+                <a:hlinkClick r:id="rId9"/>
+              </a:rPr>
+              <a:t>orderby</a:t>
+            </a:r>
+            <a:r>
+              <a:rPr lang="en-US" sz="1900" dirty="0">
+                <a:solidFill>
+                  <a:srgbClr val="000000"/>
+                </a:solidFill>
+              </a:rPr>
+              <a:t> – </a:t>
+            </a:r>
+            <a:r>
+              <a:rPr lang="ru-RU" sz="1900" dirty="0">
+                <a:solidFill>
+                  <a:srgbClr val="000000"/>
+                </a:solidFill>
+              </a:rPr>
+              <a:t>сортирует последовательность значений, используя компаратор по умолчанию</a:t>
+            </a:r>
+            <a:r>
+              <a:rPr lang="en-US" sz="1900" dirty="0">
+                <a:solidFill>
+                  <a:srgbClr val="000000"/>
+                </a:solidFill>
+              </a:rPr>
+              <a:t>;</a:t>
+            </a:r>
+          </a:p>
+          <a:p>
+            <a:pPr lvl="0">
+              <a:buClr>
+                <a:srgbClr val="000000"/>
+              </a:buClr>
+            </a:pPr>
+            <a:r>
+              <a:rPr lang="en-US" sz="1900" dirty="0">
+                <a:solidFill>
+                  <a:srgbClr val="000000"/>
+                </a:solidFill>
+                <a:hlinkClick r:id="rId10"/>
+              </a:rPr>
+              <a:t>ascending</a:t>
+            </a:r>
+            <a:r>
+              <a:rPr lang="en-US" sz="1900" dirty="0">
+                <a:solidFill>
+                  <a:srgbClr val="4285F4">
+                    <a:lumMod val="75000"/>
+                  </a:srgbClr>
+                </a:solidFill>
+              </a:rPr>
+              <a:t>/</a:t>
+            </a:r>
+            <a:r>
+              <a:rPr lang="en-US" sz="1900" dirty="0">
+                <a:solidFill>
+                  <a:srgbClr val="000000"/>
+                </a:solidFill>
+                <a:hlinkClick r:id="rId11"/>
+              </a:rPr>
+              <a:t>descending</a:t>
+            </a:r>
+            <a:r>
+              <a:rPr lang="en-US" sz="1900" dirty="0">
+                <a:solidFill>
+                  <a:srgbClr val="000000"/>
+                </a:solidFill>
+              </a:rPr>
+              <a:t> – </a:t>
+            </a:r>
+            <a:r>
+              <a:rPr lang="ru-RU" sz="1900" dirty="0">
+                <a:solidFill>
+                  <a:srgbClr val="000000"/>
+                </a:solidFill>
+              </a:rPr>
+              <a:t>сортирует последовательность значений, используя компаратор по умолчанию.</a:t>
+            </a:r>
+            <a:endParaRPr lang="en-US" sz="1900" dirty="0">
+              <a:solidFill>
+                <a:srgbClr val="000000"/>
+              </a:solidFill>
+            </a:endParaRPr>
           </a:p>
         </p:txBody>
       </p:sp>
     </p:spTree>
     <p:extLst>
       <p:ext uri="{BB962C8B-B14F-4D97-AF65-F5344CB8AC3E}">
-        <p14:creationId xmlns:p14="http://schemas.microsoft.com/office/powerpoint/2010/main" val="1278776193"/>
+        <p14:creationId xmlns:p14="http://schemas.microsoft.com/office/powerpoint/2010/main" xmlns="" val="2241040002"/>
       </p:ext>
     </p:extLst>
   </p:cSld>
@@ -15905,7 +16352,7 @@
             </a:pPr>
             <a:r>
               <a:rPr lang="ru-RU" dirty="0" smtClean="0"/>
-              <a:t>Ключевые слова</a:t>
+              <a:t>Правила описания запроса</a:t>
             </a:r>
             <a:endParaRPr dirty="0"/>
           </a:p>
@@ -15932,97 +16379,20 @@
         </p:spPr>
         <p:txBody>
           <a:bodyPr spcFirstLastPara="1" wrap="square" lIns="91425" tIns="91425" rIns="91425" bIns="91425" anchor="t" anchorCtr="0">
-            <a:normAutofit fontScale="92500" lnSpcReduction="20000"/>
+            <a:normAutofit/>
           </a:bodyPr>
           <a:lstStyle/>
           <a:p>
-            <a:pPr marL="120650" indent="0">
-              <a:buNone/>
+            <a:pPr marL="463550" indent="-342900">
+              <a:buAutoNum type="arabicPeriod"/>
             </a:pPr>
             <a:r>
-              <a:rPr lang="ru-RU" dirty="0"/>
-              <a:t>При использовании декларативного </a:t>
-            </a:r>
-            <a:r>
               <a:rPr lang="ru-RU" dirty="0" smtClean="0"/>
-              <a:t>синтаксиса</a:t>
+              <a:t>Выражение должно начинаться с ключевого слова</a:t>
             </a:r>
             <a:r>
               <a:rPr lang="en-US" dirty="0" smtClean="0"/>
               <a:t> </a:t>
-            </a:r>
-            <a:r>
-              <a:rPr lang="ru-RU" dirty="0" smtClean="0"/>
-              <a:t>используются следующие </a:t>
-            </a:r>
-            <a:r>
-              <a:rPr lang="ru-RU" dirty="0" smtClean="0">
-                <a:hlinkClick r:id="rId3"/>
-              </a:rPr>
-              <a:t>ключевые слова</a:t>
-            </a:r>
-            <a:r>
-              <a:rPr lang="ru-RU" dirty="0" smtClean="0"/>
-              <a:t>:</a:t>
-            </a:r>
-            <a:endParaRPr lang="ru-RU" dirty="0"/>
-          </a:p>
-          <a:p>
-            <a:r>
-              <a:rPr lang="en-US" u="sng" dirty="0" smtClean="0">
-                <a:hlinkClick r:id="rId4"/>
-              </a:rPr>
-              <a:t>from</a:t>
-            </a:r>
-            <a:r>
-              <a:rPr lang="ru-RU" dirty="0" smtClean="0"/>
-              <a:t> </a:t>
-            </a:r>
-            <a:r>
-              <a:rPr lang="ru-RU" dirty="0"/>
-              <a:t>– где </a:t>
-            </a:r>
-            <a:r>
-              <a:rPr lang="ru-RU" dirty="0" smtClean="0"/>
-              <a:t>указывается</a:t>
-            </a:r>
-            <a:r>
-              <a:rPr lang="en-US" dirty="0" smtClean="0"/>
-              <a:t> </a:t>
-            </a:r>
-            <a:r>
-              <a:rPr lang="ru-RU" dirty="0" smtClean="0"/>
-              <a:t>элемент последовательности(обязателен)</a:t>
-            </a:r>
-            <a:r>
-              <a:rPr lang="en-US" dirty="0" smtClean="0"/>
-              <a:t>; </a:t>
-            </a:r>
-            <a:r>
-              <a:rPr lang="ru-RU" dirty="0" smtClean="0"/>
-              <a:t>Используется с </a:t>
-            </a:r>
-            <a:r>
-              <a:rPr lang="en-US" dirty="0" smtClean="0">
-                <a:hlinkClick r:id="rId5"/>
-              </a:rPr>
-              <a:t>in</a:t>
-            </a:r>
-            <a:r>
-              <a:rPr lang="en-US" dirty="0" smtClean="0">
-                <a:solidFill>
-                  <a:schemeClr val="accent2"/>
-                </a:solidFill>
-              </a:rPr>
-              <a:t>;</a:t>
-            </a:r>
-          </a:p>
-          <a:p>
-            <a:r>
-              <a:rPr lang="en-US" dirty="0" smtClean="0">
-                <a:hlinkClick r:id="rId5"/>
-              </a:rPr>
-              <a:t>in</a:t>
             </a:r>
             <a:r>
               <a:rPr lang="en-US" dirty="0" smtClean="0">
@@ -16032,20 +16402,7 @@
                   </a:schemeClr>
                 </a:solidFill>
               </a:rPr>
-              <a:t> </a:t>
-            </a:r>
-            <a:r>
-              <a:rPr lang="ru-RU" dirty="0" smtClean="0"/>
-              <a:t>- источник данных(обязателен);</a:t>
-            </a:r>
-            <a:endParaRPr lang="ru-RU" dirty="0"/>
-          </a:p>
-          <a:p>
-            <a:r>
-              <a:rPr lang="en-US" dirty="0" smtClean="0">
-                <a:hlinkClick r:id="rId6"/>
-              </a:rPr>
-              <a:t>where</a:t>
+              <a:t>from</a:t>
             </a:r>
             <a:r>
               <a:rPr lang="en-US" dirty="0" smtClean="0"/>
@@ -16053,179 +16410,252 @@
             </a:r>
             <a:r>
               <a:rPr lang="ru-RU" dirty="0" smtClean="0"/>
-              <a:t>– задает фильтрацию элементов последовательности(опционально);</a:t>
-            </a:r>
-            <a:endParaRPr lang="ru-RU" dirty="0"/>
-          </a:p>
-          <a:p>
-            <a:r>
-              <a:rPr lang="en-US" dirty="0" smtClean="0">
-                <a:hlinkClick r:id="rId7"/>
-              </a:rPr>
-              <a:t>select</a:t>
-            </a:r>
-            <a:r>
-              <a:rPr lang="ru-RU" dirty="0" smtClean="0"/>
-              <a:t> </a:t>
-            </a:r>
-            <a:r>
-              <a:rPr lang="ru-RU" dirty="0"/>
-              <a:t>– </a:t>
-            </a:r>
-            <a:r>
-              <a:rPr lang="ru-RU" dirty="0" smtClean="0"/>
-              <a:t>возвращает проекцию данных(обязательно, либо </a:t>
-            </a:r>
-            <a:r>
-              <a:rPr lang="en-US" dirty="0" smtClean="0">
-                <a:hlinkClick r:id="rId8"/>
-              </a:rPr>
-              <a:t>group</a:t>
-            </a:r>
-            <a:r>
-              <a:rPr lang="ru-RU" dirty="0" smtClean="0"/>
-              <a:t>)</a:t>
-            </a:r>
-            <a:r>
-              <a:rPr lang="en-US" dirty="0" smtClean="0"/>
-              <a:t>;</a:t>
-            </a:r>
-          </a:p>
-          <a:p>
-            <a:r>
-              <a:rPr lang="en-US" dirty="0" smtClean="0">
-                <a:hlinkClick r:id="rId8"/>
-              </a:rPr>
-              <a:t>group</a:t>
-            </a:r>
-            <a:r>
-              <a:rPr lang="en-US" dirty="0" smtClean="0"/>
-              <a:t> – </a:t>
-            </a:r>
-            <a:r>
-              <a:rPr lang="ru-RU" dirty="0" smtClean="0"/>
-              <a:t>возвращает объекты  типа</a:t>
-            </a:r>
-            <a:r>
-              <a:rPr lang="en-US" dirty="0"/>
-              <a:t> </a:t>
-            </a:r>
-            <a:r>
-              <a:rPr lang="en-US" dirty="0" err="1" smtClean="0">
-                <a:hlinkClick r:id="rId9"/>
-              </a:rPr>
-              <a:t>IGrouping</a:t>
-            </a:r>
-            <a:r>
-              <a:rPr lang="en-US" dirty="0" smtClean="0">
-                <a:hlinkClick r:id="rId9"/>
-              </a:rPr>
-              <a:t>&lt;</a:t>
-            </a:r>
-            <a:r>
-              <a:rPr lang="en-US" dirty="0" err="1" smtClean="0">
-                <a:hlinkClick r:id="rId9"/>
-              </a:rPr>
-              <a:t>TKey,TElement</a:t>
-            </a:r>
-            <a:r>
-              <a:rPr lang="en-US" dirty="0" smtClean="0">
-                <a:hlinkClick r:id="rId9"/>
-              </a:rPr>
-              <a:t>&gt;</a:t>
-            </a:r>
-            <a:r>
-              <a:rPr lang="en-US" dirty="0" smtClean="0"/>
-              <a:t>; </a:t>
-            </a:r>
-            <a:r>
-              <a:rPr lang="ru-RU" dirty="0" smtClean="0"/>
-              <a:t>используется с </a:t>
-            </a:r>
-            <a:r>
-              <a:rPr lang="en-US" dirty="0" smtClean="0">
-                <a:hlinkClick r:id="rId10"/>
-              </a:rPr>
-              <a:t>by</a:t>
-            </a:r>
-            <a:r>
-              <a:rPr lang="en-US" dirty="0" smtClean="0">
-                <a:solidFill>
-                  <a:schemeClr val="accent2"/>
-                </a:solidFill>
-              </a:rPr>
-              <a:t>;</a:t>
-            </a:r>
-            <a:r>
-              <a:rPr lang="ru-RU" dirty="0" smtClean="0">
-                <a:solidFill>
-                  <a:schemeClr val="accent2"/>
-                </a:solidFill>
-              </a:rPr>
-              <a:t> (</a:t>
-            </a:r>
-            <a:r>
-              <a:rPr lang="ru-RU" dirty="0"/>
-              <a:t>обязательно, </a:t>
-            </a:r>
-            <a:r>
-              <a:rPr lang="ru-RU" dirty="0" smtClean="0"/>
-              <a:t>либо </a:t>
-            </a:r>
-            <a:r>
-              <a:rPr lang="en-US" dirty="0" smtClean="0">
-                <a:hlinkClick r:id="rId7"/>
-              </a:rPr>
-              <a:t>select</a:t>
-            </a:r>
-            <a:r>
-              <a:rPr lang="ru-RU" dirty="0" smtClean="0">
-                <a:solidFill>
-                  <a:schemeClr val="accent2"/>
-                </a:solidFill>
-              </a:rPr>
-              <a:t>)</a:t>
-            </a:r>
-            <a:r>
-              <a:rPr lang="en-US" dirty="0" smtClean="0">
-                <a:solidFill>
-                  <a:schemeClr val="accent2"/>
-                </a:solidFill>
-              </a:rPr>
-              <a:t>;</a:t>
-            </a:r>
-          </a:p>
-          <a:p>
-            <a:r>
-              <a:rPr lang="en-US" dirty="0" smtClean="0">
-                <a:hlinkClick r:id="rId10"/>
-              </a:rPr>
-              <a:t>by</a:t>
+              <a:t>и должно заканчиваться</a:t>
             </a:r>
             <a:r>
               <a:rPr lang="en-US" dirty="0" smtClean="0"/>
               <a:t> </a:t>
             </a:r>
             <a:r>
+              <a:rPr lang="en-US" dirty="0" smtClean="0">
+                <a:solidFill>
+                  <a:schemeClr val="accent1">
+                    <a:lumMod val="75000"/>
+                  </a:schemeClr>
+                </a:solidFill>
+              </a:rPr>
+              <a:t>select</a:t>
+            </a:r>
+            <a:r>
+              <a:rPr lang="ru-RU" dirty="0" smtClean="0">
+                <a:solidFill>
+                  <a:schemeClr val="accent1">
+                    <a:lumMod val="75000"/>
+                  </a:schemeClr>
+                </a:solidFill>
+              </a:rPr>
+              <a:t> </a:t>
+            </a:r>
+            <a:r>
+              <a:rPr lang="ru-RU" dirty="0" smtClean="0"/>
+              <a:t>или</a:t>
+            </a:r>
+            <a:r>
+              <a:rPr lang="en-US" dirty="0" smtClean="0"/>
+              <a:t> </a:t>
+            </a:r>
+            <a:r>
+              <a:rPr lang="en-US" dirty="0" smtClean="0">
+                <a:solidFill>
+                  <a:schemeClr val="accent1">
+                    <a:lumMod val="75000"/>
+                  </a:schemeClr>
+                </a:solidFill>
+              </a:rPr>
+              <a:t>group</a:t>
+            </a:r>
+            <a:r>
+              <a:rPr lang="ru-RU" dirty="0" smtClean="0"/>
+              <a:t>. </a:t>
+            </a:r>
+            <a:endParaRPr lang="en-US" dirty="0" smtClean="0"/>
+          </a:p>
+          <a:p>
+            <a:pPr marL="463550" indent="-342900">
+              <a:buAutoNum type="arabicPeriod"/>
+            </a:pPr>
+            <a:r>
+              <a:rPr lang="ru-RU" dirty="0" smtClean="0"/>
+              <a:t>Между первым и последним предложением могут находится</a:t>
+            </a:r>
+            <a:r>
+              <a:rPr lang="en-US" dirty="0" smtClean="0"/>
+              <a:t> </a:t>
+            </a:r>
+            <a:r>
+              <a:rPr lang="en-US" dirty="0" smtClean="0">
+                <a:solidFill>
+                  <a:schemeClr val="accent1">
+                    <a:lumMod val="75000"/>
+                  </a:schemeClr>
+                </a:solidFill>
+              </a:rPr>
+              <a:t>where</a:t>
+            </a:r>
+            <a:r>
+              <a:rPr lang="en-US" dirty="0" smtClean="0"/>
+              <a:t>, </a:t>
+            </a:r>
+            <a:r>
+              <a:rPr lang="en-US" dirty="0" err="1" smtClean="0">
+                <a:solidFill>
+                  <a:schemeClr val="accent1">
+                    <a:lumMod val="75000"/>
+                  </a:schemeClr>
+                </a:solidFill>
+              </a:rPr>
+              <a:t>orderby</a:t>
+            </a:r>
+            <a:r>
+              <a:rPr lang="en-US" dirty="0" smtClean="0"/>
+              <a:t>, </a:t>
+            </a:r>
+            <a:r>
+              <a:rPr lang="en-US" dirty="0" smtClean="0">
+                <a:solidFill>
+                  <a:schemeClr val="accent1">
+                    <a:lumMod val="75000"/>
+                  </a:schemeClr>
+                </a:solidFill>
+              </a:rPr>
+              <a:t>join</a:t>
+            </a:r>
+            <a:r>
+              <a:rPr lang="en-US" dirty="0" smtClean="0"/>
+              <a:t>, </a:t>
+            </a:r>
+            <a:r>
+              <a:rPr lang="en-US" dirty="0" smtClean="0">
+                <a:solidFill>
+                  <a:schemeClr val="accent1">
+                    <a:lumMod val="75000"/>
+                  </a:schemeClr>
+                </a:solidFill>
+              </a:rPr>
+              <a:t>let</a:t>
+            </a:r>
+            <a:r>
+              <a:rPr lang="ru-RU" dirty="0" smtClean="0"/>
+              <a:t>. Может быть дополнительный </a:t>
+            </a:r>
+            <a:r>
+              <a:rPr lang="en-US" dirty="0" smtClean="0">
+                <a:solidFill>
+                  <a:schemeClr val="accent1">
+                    <a:lumMod val="75000"/>
+                  </a:schemeClr>
+                </a:solidFill>
+              </a:rPr>
+              <a:t>from</a:t>
+            </a:r>
+            <a:r>
+              <a:rPr lang="ru-RU" dirty="0" smtClean="0"/>
+              <a:t>, может быть </a:t>
+            </a:r>
+            <a:r>
+              <a:rPr lang="en-US" dirty="0" smtClean="0">
+                <a:solidFill>
+                  <a:schemeClr val="accent1">
+                    <a:lumMod val="75000"/>
+                  </a:schemeClr>
+                </a:solidFill>
+              </a:rPr>
+              <a:t>into</a:t>
+            </a:r>
+            <a:r>
+              <a:rPr lang="ru-RU" dirty="0" smtClean="0"/>
+              <a:t>, </a:t>
+            </a:r>
+            <a:r>
+              <a:rPr lang="en-US" dirty="0" smtClean="0">
+                <a:solidFill>
+                  <a:schemeClr val="accent1">
+                    <a:lumMod val="75000"/>
+                  </a:schemeClr>
+                </a:solidFill>
+              </a:rPr>
+              <a:t>join</a:t>
+            </a:r>
+            <a:r>
+              <a:rPr lang="ru-RU" dirty="0" smtClean="0"/>
+              <a:t>, </a:t>
+            </a:r>
+            <a:r>
+              <a:rPr lang="en-US" dirty="0" smtClean="0">
+                <a:solidFill>
+                  <a:schemeClr val="accent1">
+                    <a:lumMod val="75000"/>
+                  </a:schemeClr>
+                </a:solidFill>
+              </a:rPr>
+              <a:t>group</a:t>
+            </a:r>
+            <a:r>
+              <a:rPr lang="ru-RU" dirty="0" smtClean="0"/>
+              <a:t>.</a:t>
+            </a:r>
+            <a:endParaRPr lang="en-US" dirty="0"/>
+          </a:p>
+          <a:p>
+            <a:pPr marL="463550" indent="-342900">
+              <a:buAutoNum type="arabicPeriod"/>
+            </a:pPr>
+            <a:r>
+              <a:rPr lang="ru-RU" dirty="0" smtClean="0"/>
+              <a:t>Выражение </a:t>
+            </a:r>
+            <a:r>
+              <a:rPr lang="ru-RU" dirty="0"/>
+              <a:t>может возвращать 2 типа: </a:t>
+            </a:r>
+            <a:r>
+              <a:rPr lang="en-US" dirty="0" err="1">
+                <a:solidFill>
+                  <a:schemeClr val="accent1">
+                    <a:lumMod val="75000"/>
+                  </a:schemeClr>
+                </a:solidFill>
+              </a:rPr>
+              <a:t>var</a:t>
+            </a:r>
+            <a:r>
               <a:rPr lang="en-US" dirty="0"/>
-              <a:t>– </a:t>
+              <a:t> </a:t>
+            </a:r>
+            <a:r>
+              <a:rPr lang="ru-RU" dirty="0"/>
+              <a:t>или </a:t>
+            </a:r>
+            <a:r>
+              <a:rPr lang="ru-RU" dirty="0" err="1">
+                <a:solidFill>
+                  <a:srgbClr val="669900"/>
+                </a:solidFill>
+              </a:rPr>
+              <a:t>IEnumerable</a:t>
+            </a:r>
+            <a:r>
+              <a:rPr lang="ru-RU" dirty="0"/>
+              <a:t>&lt;</a:t>
+            </a:r>
+            <a:r>
+              <a:rPr lang="en-US" dirty="0">
+                <a:solidFill>
+                  <a:srgbClr val="669900"/>
+                </a:solidFill>
+              </a:rPr>
+              <a:t>T</a:t>
             </a:r>
             <a:r>
               <a:rPr lang="ru-RU" dirty="0" smtClean="0"/>
-              <a:t>указывает параметр, по которому необходимо сгруппировать члены последовательности</a:t>
-            </a:r>
-            <a:r>
-              <a:rPr lang="en-US" dirty="0" smtClean="0"/>
-              <a:t>;</a:t>
-            </a:r>
-            <a:endParaRPr lang="en-US" dirty="0"/>
+              <a:t>&gt;.</a:t>
+            </a:r>
+          </a:p>
+          <a:p>
+            <a:pPr marL="463550" indent="-342900">
+              <a:buAutoNum type="arabicPeriod"/>
+            </a:pPr>
+            <a:r>
+              <a:rPr lang="ru-RU" dirty="0" smtClean="0"/>
+              <a:t>Запросы могут иметь вложенность.</a:t>
+            </a:r>
           </a:p>
         </p:txBody>
       </p:sp>
     </p:spTree>
     <p:extLst>
       <p:ext uri="{BB962C8B-B14F-4D97-AF65-F5344CB8AC3E}">
-        <p14:creationId xmlns:p14="http://schemas.microsoft.com/office/powerpoint/2010/main" val="3181728970"/>
+        <p14:creationId xmlns:p14="http://schemas.microsoft.com/office/powerpoint/2010/main" xmlns="" val="3660064036"/>
       </p:ext>
     </p:extLst>
   </p:cSld>
@@ -16272,7 +16702,7 @@
         <p:spPr>
           <a:xfrm>
             <a:off x="500550" y="330736"/>
-            <a:ext cx="8520600" cy="791482"/>
+            <a:ext cx="8520600" cy="979800"/>
           </a:xfrm>
           <a:prstGeom prst="rect">
             <a:avLst/>
@@ -16295,540 +16725,7 @@
             </a:pPr>
             <a:r>
               <a:rPr lang="ru-RU" dirty="0" smtClean="0"/>
-              <a:t>Ключевые слова</a:t>
-            </a:r>
-            <a:endParaRPr dirty="0"/>
-          </a:p>
-        </p:txBody>
-      </p:sp>
-      <p:sp>
-        <p:nvSpPr>
-          <p:cNvPr id="254" name="Google Shape;254;p45"/>
-          <p:cNvSpPr txBox="1">
-            <a:spLocks noGrp="1"/>
-          </p:cNvSpPr>
-          <p:nvPr>
-            <p:ph type="body" idx="1"/>
-          </p:nvPr>
-        </p:nvSpPr>
-        <p:spPr>
-          <a:xfrm>
-            <a:off x="500550" y="1073427"/>
-            <a:ext cx="7947711" cy="3425686"/>
-          </a:xfrm>
-          <a:prstGeom prst="rect">
-            <a:avLst/>
-          </a:prstGeom>
-        </p:spPr>
-        <p:txBody>
-          <a:bodyPr spcFirstLastPara="1" wrap="square" lIns="91425" tIns="91425" rIns="91425" bIns="91425" anchor="t" anchorCtr="0">
-            <a:normAutofit fontScale="70000" lnSpcReduction="20000"/>
-          </a:bodyPr>
-          <a:lstStyle/>
-          <a:p>
-            <a:pPr marL="120650" lvl="0" indent="0">
-              <a:buClr>
-                <a:srgbClr val="000000"/>
-              </a:buClr>
-              <a:buNone/>
-            </a:pPr>
-            <a:r>
-              <a:rPr lang="ru-RU" sz="2000" dirty="0">
-                <a:solidFill>
-                  <a:srgbClr val="000000"/>
-                </a:solidFill>
-              </a:rPr>
-              <a:t>При использовании декларативного синтаксиса</a:t>
-            </a:r>
-            <a:r>
-              <a:rPr lang="en-US" sz="2000" dirty="0">
-                <a:solidFill>
-                  <a:srgbClr val="000000"/>
-                </a:solidFill>
-              </a:rPr>
-              <a:t> </a:t>
-            </a:r>
-            <a:r>
-              <a:rPr lang="ru-RU" sz="2000" dirty="0">
-                <a:solidFill>
-                  <a:srgbClr val="000000"/>
-                </a:solidFill>
-              </a:rPr>
-              <a:t>используются следующие </a:t>
-            </a:r>
-            <a:r>
-              <a:rPr lang="ru-RU" sz="2000" dirty="0">
-                <a:solidFill>
-                  <a:srgbClr val="000000"/>
-                </a:solidFill>
-                <a:hlinkClick r:id="rId3"/>
-              </a:rPr>
-              <a:t>ключевые слова</a:t>
-            </a:r>
-            <a:r>
-              <a:rPr lang="ru-RU" sz="2000" dirty="0">
-                <a:solidFill>
-                  <a:srgbClr val="000000"/>
-                </a:solidFill>
-              </a:rPr>
-              <a:t>:</a:t>
-            </a:r>
-          </a:p>
-          <a:p>
-            <a:pPr lvl="0">
-              <a:buClr>
-                <a:srgbClr val="000000"/>
-              </a:buClr>
-            </a:pPr>
-            <a:r>
-              <a:rPr lang="en-US" sz="1900" u="sng" dirty="0">
-                <a:solidFill>
-                  <a:srgbClr val="000000"/>
-                </a:solidFill>
-                <a:hlinkClick r:id="rId4"/>
-              </a:rPr>
-              <a:t>let</a:t>
-            </a:r>
-            <a:r>
-              <a:rPr lang="en-US" sz="1900" dirty="0">
-                <a:solidFill>
-                  <a:srgbClr val="000000"/>
-                </a:solidFill>
-              </a:rPr>
-              <a:t> – </a:t>
-            </a:r>
-            <a:r>
-              <a:rPr lang="ru-RU" sz="1900" dirty="0">
-                <a:solidFill>
-                  <a:srgbClr val="000000"/>
-                </a:solidFill>
-              </a:rPr>
-              <a:t>определяет переменную и присваивает ей значение, рассчитанное на основе значений данных</a:t>
-            </a:r>
-            <a:r>
-              <a:rPr lang="en-US" sz="1900" dirty="0">
-                <a:solidFill>
-                  <a:srgbClr val="000000"/>
-                </a:solidFill>
-              </a:rPr>
-              <a:t>;</a:t>
-            </a:r>
-          </a:p>
-          <a:p>
-            <a:pPr lvl="0">
-              <a:buClr>
-                <a:srgbClr val="000000"/>
-              </a:buClr>
-            </a:pPr>
-            <a:r>
-              <a:rPr lang="en-US" sz="1900" dirty="0">
-                <a:solidFill>
-                  <a:srgbClr val="000000"/>
-                </a:solidFill>
-                <a:hlinkClick r:id="rId5"/>
-              </a:rPr>
-              <a:t>into</a:t>
-            </a:r>
-            <a:r>
-              <a:rPr lang="en-US" sz="1900" dirty="0">
-                <a:solidFill>
-                  <a:srgbClr val="000000"/>
-                </a:solidFill>
-              </a:rPr>
-              <a:t> –</a:t>
-            </a:r>
-            <a:r>
-              <a:rPr lang="ru-RU" sz="1900" dirty="0">
-                <a:solidFill>
-                  <a:srgbClr val="000000"/>
-                </a:solidFill>
-              </a:rPr>
-              <a:t> служит для создания временного идентификатора для хранения результата из </a:t>
-            </a:r>
-            <a:r>
-              <a:rPr lang="en-US" sz="1900" dirty="0">
-                <a:solidFill>
-                  <a:srgbClr val="000000"/>
-                </a:solidFill>
-              </a:rPr>
-              <a:t>group;</a:t>
-            </a:r>
-          </a:p>
-          <a:p>
-            <a:pPr lvl="0">
-              <a:buClr>
-                <a:srgbClr val="000000"/>
-              </a:buClr>
-            </a:pPr>
-            <a:r>
-              <a:rPr lang="en-US" sz="1900" dirty="0">
-                <a:solidFill>
-                  <a:srgbClr val="000000"/>
-                </a:solidFill>
-                <a:hlinkClick r:id="rId6"/>
-              </a:rPr>
-              <a:t>join</a:t>
-            </a:r>
-            <a:r>
-              <a:rPr lang="en-US" sz="1900" dirty="0">
-                <a:solidFill>
-                  <a:srgbClr val="000000"/>
-                </a:solidFill>
-              </a:rPr>
-              <a:t> –</a:t>
-            </a:r>
-            <a:r>
-              <a:rPr lang="ru-RU" sz="1900" dirty="0">
-                <a:solidFill>
-                  <a:srgbClr val="000000"/>
-                </a:solidFill>
-              </a:rPr>
-              <a:t> объединяет различные последовательности, имеющих отношения в объектной модели</a:t>
-            </a:r>
-            <a:r>
-              <a:rPr lang="en-US" sz="1900" dirty="0">
-                <a:solidFill>
-                  <a:srgbClr val="000000"/>
-                </a:solidFill>
-              </a:rPr>
-              <a:t>; </a:t>
-            </a:r>
-            <a:r>
-              <a:rPr lang="ru-RU" sz="1900" dirty="0">
-                <a:solidFill>
-                  <a:srgbClr val="000000"/>
-                </a:solidFill>
-              </a:rPr>
-              <a:t>Используется с </a:t>
-            </a:r>
-            <a:r>
-              <a:rPr lang="en-US" sz="1900" u="sng" dirty="0">
-                <a:solidFill>
-                  <a:srgbClr val="000000"/>
-                </a:solidFill>
-                <a:hlinkClick r:id="rId7"/>
-              </a:rPr>
-              <a:t>on</a:t>
-            </a:r>
-            <a:r>
-              <a:rPr lang="en-US" sz="1900" dirty="0">
-                <a:solidFill>
-                  <a:srgbClr val="212121"/>
-                </a:solidFill>
-              </a:rPr>
-              <a:t>;</a:t>
-            </a:r>
-            <a:endParaRPr lang="en-US" sz="1900" dirty="0">
-              <a:solidFill>
-                <a:srgbClr val="000000"/>
-              </a:solidFill>
-            </a:endParaRPr>
-          </a:p>
-          <a:p>
-            <a:pPr lvl="0">
-              <a:buClr>
-                <a:srgbClr val="000000"/>
-              </a:buClr>
-            </a:pPr>
-            <a:r>
-              <a:rPr lang="en-US" sz="1900" u="sng" dirty="0">
-                <a:solidFill>
-                  <a:srgbClr val="000000"/>
-                </a:solidFill>
-                <a:hlinkClick r:id="rId7"/>
-              </a:rPr>
-              <a:t>on</a:t>
-            </a:r>
-            <a:r>
-              <a:rPr lang="en-US" sz="1900" dirty="0">
-                <a:solidFill>
-                  <a:srgbClr val="000000"/>
-                </a:solidFill>
-              </a:rPr>
-              <a:t> –</a:t>
-            </a:r>
-            <a:r>
-              <a:rPr lang="ru-RU" sz="1900" dirty="0">
-                <a:solidFill>
-                  <a:srgbClr val="000000"/>
-                </a:solidFill>
-              </a:rPr>
-              <a:t> задает ключи, по которым необходимо сопоставить коллекции в </a:t>
-            </a:r>
-            <a:r>
-              <a:rPr lang="en-US" sz="1900" dirty="0">
-                <a:solidFill>
-                  <a:srgbClr val="000000"/>
-                </a:solidFill>
-                <a:hlinkClick r:id="rId6"/>
-              </a:rPr>
-              <a:t>join</a:t>
-            </a:r>
-            <a:r>
-              <a:rPr lang="en-US" sz="1900" dirty="0">
-                <a:solidFill>
-                  <a:srgbClr val="000000"/>
-                </a:solidFill>
-              </a:rPr>
-              <a:t>;</a:t>
-            </a:r>
-          </a:p>
-          <a:p>
-            <a:pPr lvl="0">
-              <a:buClr>
-                <a:srgbClr val="000000"/>
-              </a:buClr>
-            </a:pPr>
-            <a:r>
-              <a:rPr lang="en-US" sz="1900" dirty="0">
-                <a:solidFill>
-                  <a:srgbClr val="000000"/>
-                </a:solidFill>
-                <a:hlinkClick r:id="rId8"/>
-              </a:rPr>
-              <a:t>equals</a:t>
-            </a:r>
-            <a:r>
-              <a:rPr lang="en-US" sz="1900" dirty="0">
-                <a:solidFill>
-                  <a:srgbClr val="000000"/>
-                </a:solidFill>
-              </a:rPr>
-              <a:t> – </a:t>
-            </a:r>
-            <a:r>
-              <a:rPr lang="ru-RU" sz="1900" dirty="0">
-                <a:solidFill>
-                  <a:srgbClr val="000000"/>
-                </a:solidFill>
-              </a:rPr>
-              <a:t>сравнивает значения в выражениях запроса</a:t>
-            </a:r>
-            <a:r>
-              <a:rPr lang="en-US" sz="1900" dirty="0">
-                <a:solidFill>
-                  <a:srgbClr val="000000"/>
-                </a:solidFill>
-              </a:rPr>
-              <a:t>;</a:t>
-            </a:r>
-            <a:r>
-              <a:rPr lang="ru-RU" sz="1900" dirty="0">
-                <a:solidFill>
-                  <a:srgbClr val="000000"/>
-                </a:solidFill>
-              </a:rPr>
-              <a:t> используется с </a:t>
-            </a:r>
-            <a:r>
-              <a:rPr lang="en-US" sz="1900" u="sng" dirty="0">
-                <a:solidFill>
-                  <a:srgbClr val="000000"/>
-                </a:solidFill>
-                <a:hlinkClick r:id="rId6"/>
-              </a:rPr>
-              <a:t>join</a:t>
-            </a:r>
-            <a:r>
-              <a:rPr lang="en-US" sz="1900" dirty="0">
-                <a:solidFill>
-                  <a:srgbClr val="4285F4">
-                    <a:lumMod val="75000"/>
-                  </a:srgbClr>
-                </a:solidFill>
-              </a:rPr>
-              <a:t> </a:t>
-            </a:r>
-            <a:r>
-              <a:rPr lang="en-US" sz="1900" u="sng" dirty="0">
-                <a:solidFill>
-                  <a:srgbClr val="000000"/>
-                </a:solidFill>
-                <a:hlinkClick r:id="rId7"/>
-              </a:rPr>
-              <a:t>on</a:t>
-            </a:r>
-            <a:r>
-              <a:rPr lang="en-US" sz="1900" dirty="0">
-                <a:solidFill>
-                  <a:srgbClr val="000000"/>
-                </a:solidFill>
-              </a:rPr>
-              <a:t>;</a:t>
-            </a:r>
-          </a:p>
-          <a:p>
-            <a:pPr lvl="0">
-              <a:buClr>
-                <a:srgbClr val="000000"/>
-              </a:buClr>
-            </a:pPr>
-            <a:r>
-              <a:rPr lang="en-US" sz="1900" dirty="0" err="1">
-                <a:solidFill>
-                  <a:srgbClr val="000000"/>
-                </a:solidFill>
-                <a:hlinkClick r:id="rId9"/>
-              </a:rPr>
-              <a:t>orderby</a:t>
-            </a:r>
-            <a:r>
-              <a:rPr lang="en-US" sz="1900" dirty="0">
-                <a:solidFill>
-                  <a:srgbClr val="000000"/>
-                </a:solidFill>
-              </a:rPr>
-              <a:t> – </a:t>
-            </a:r>
-            <a:r>
-              <a:rPr lang="ru-RU" sz="1900" dirty="0">
-                <a:solidFill>
-                  <a:srgbClr val="000000"/>
-                </a:solidFill>
-              </a:rPr>
-              <a:t>сортирует последовательность значений, используя компаратор по умолчанию</a:t>
-            </a:r>
-            <a:r>
-              <a:rPr lang="en-US" sz="1900" dirty="0">
-                <a:solidFill>
-                  <a:srgbClr val="000000"/>
-                </a:solidFill>
-              </a:rPr>
-              <a:t>;</a:t>
-            </a:r>
-          </a:p>
-          <a:p>
-            <a:pPr lvl="0">
-              <a:buClr>
-                <a:srgbClr val="000000"/>
-              </a:buClr>
-            </a:pPr>
-            <a:r>
-              <a:rPr lang="en-US" sz="1900" dirty="0">
-                <a:solidFill>
-                  <a:srgbClr val="000000"/>
-                </a:solidFill>
-                <a:hlinkClick r:id="rId10"/>
-              </a:rPr>
-              <a:t>ascending</a:t>
-            </a:r>
-            <a:r>
-              <a:rPr lang="en-US" sz="1900" dirty="0">
-                <a:solidFill>
-                  <a:srgbClr val="4285F4">
-                    <a:lumMod val="75000"/>
-                  </a:srgbClr>
-                </a:solidFill>
-              </a:rPr>
-              <a:t>/</a:t>
-            </a:r>
-            <a:r>
-              <a:rPr lang="en-US" sz="1900" dirty="0">
-                <a:solidFill>
-                  <a:srgbClr val="000000"/>
-                </a:solidFill>
-                <a:hlinkClick r:id="rId11"/>
-              </a:rPr>
-              <a:t>descending</a:t>
-            </a:r>
-            <a:r>
-              <a:rPr lang="en-US" sz="1900" dirty="0">
-                <a:solidFill>
-                  <a:srgbClr val="000000"/>
-                </a:solidFill>
-              </a:rPr>
-              <a:t> – </a:t>
-            </a:r>
-            <a:r>
-              <a:rPr lang="ru-RU" sz="1900" dirty="0">
-                <a:solidFill>
-                  <a:srgbClr val="000000"/>
-                </a:solidFill>
-              </a:rPr>
-              <a:t>сортирует последовательность значений, используя компаратор по умолчанию.</a:t>
-            </a:r>
-            <a:endParaRPr lang="en-US" sz="1900" dirty="0">
-              <a:solidFill>
-                <a:srgbClr val="000000"/>
-              </a:solidFill>
-            </a:endParaRPr>
-          </a:p>
-        </p:txBody>
-      </p:sp>
-    </p:spTree>
-    <p:extLst>
-      <p:ext uri="{BB962C8B-B14F-4D97-AF65-F5344CB8AC3E}">
-        <p14:creationId xmlns:p14="http://schemas.microsoft.com/office/powerpoint/2010/main" val="2241040002"/>
-      </p:ext>
-    </p:extLst>
-  </p:cSld>
-  <p:clrMapOvr>
-    <a:masterClrMapping/>
-  </p:clrMapOvr>
-  <p:timing>
-    <p:tnLst>
-      <p:par>
-        <p:cTn id="1" dur="indefinite" restart="never" nodeType="tmRoot"/>
-      </p:par>
-    </p:tnLst>
-  </p:timing>
-</p:sld>
-</file>
-
-<file path=ppt/slides/slide25.xml><?xml version="1.0" encoding="utf-8"?>
-<p:sld xmlns:a="http://schemas.openxmlformats.org/drawingml/2006/main" xmlns:r="http://schemas.openxmlformats.org/officeDocument/2006/relationships" xmlns:p="http://schemas.openxmlformats.org/presentationml/2006/main">
-  <p:cSld>
-    <p:spTree>
-      <p:nvGrpSpPr>
-        <p:cNvPr id="1" name="Shape 252"/>
-        <p:cNvGrpSpPr/>
-        <p:nvPr/>
-      </p:nvGrpSpPr>
-      <p:grpSpPr>
-        <a:xfrm>
-          <a:off x="0" y="0"/>
-          <a:ext cx="0" cy="0"/>
-          <a:chOff x="0" y="0"/>
-          <a:chExt cx="0" cy="0"/>
-        </a:xfrm>
-      </p:grpSpPr>
-      <p:sp>
-        <p:nvSpPr>
-          <p:cNvPr id="253" name="Google Shape;253;p45"/>
-          <p:cNvSpPr txBox="1">
-            <a:spLocks noGrp="1"/>
-          </p:cNvSpPr>
-          <p:nvPr>
-            <p:ph type="title"/>
-          </p:nvPr>
-        </p:nvSpPr>
-        <p:spPr>
-          <a:xfrm>
-            <a:off x="500550" y="330736"/>
-            <a:ext cx="8520600" cy="791482"/>
-          </a:xfrm>
-          <a:prstGeom prst="rect">
-            <a:avLst/>
-          </a:prstGeom>
-        </p:spPr>
-        <p:txBody>
-          <a:bodyPr spcFirstLastPara="1" wrap="square" lIns="91425" tIns="91425" rIns="91425" bIns="91425" anchor="t" anchorCtr="0">
-            <a:noAutofit/>
-          </a:bodyPr>
-          <a:lstStyle/>
-          <a:p>
-            <a:pPr marL="0" lvl="0" indent="0" algn="l" rtl="0">
-              <a:spcBef>
-                <a:spcPts val="0"/>
-              </a:spcBef>
-              <a:spcAft>
-                <a:spcPts val="0"/>
-              </a:spcAft>
-              <a:buNone/>
-            </a:pPr>
-            <a:r>
-              <a:rPr lang="ru-RU" dirty="0" smtClean="0"/>
-              <a:t>Правила описания запроса</a:t>
+              <a:t>Пример запроса</a:t>
             </a:r>
             <a:endParaRPr dirty="0"/>
           </a:p>
@@ -16859,279 +16756,385 @@
           </a:bodyPr>
           <a:lstStyle/>
           <a:p>
-            <a:pPr marL="463550" indent="-342900">
-              <a:buAutoNum type="arabicPeriod"/>
+            <a:pPr marL="120650" indent="0">
+              <a:buNone/>
             </a:pPr>
             <a:r>
               <a:rPr lang="ru-RU" dirty="0" smtClean="0"/>
-              <a:t>Выражение должно начинаться с ключевого слова</a:t>
-            </a:r>
-            <a:r>
-              <a:rPr lang="en-US" dirty="0" smtClean="0"/>
-              <a:t> </a:t>
-            </a:r>
-            <a:r>
-              <a:rPr lang="en-US" dirty="0" smtClean="0">
+              <a:t>Пример запроса выглядит следующим образом:</a:t>
+            </a:r>
+          </a:p>
+          <a:p>
+            <a:pPr marL="120650" indent="0">
+              <a:buNone/>
+            </a:pPr>
+            <a:r>
+              <a:rPr lang="en-US" sz="1800" dirty="0" err="1" smtClean="0">
                 <a:solidFill>
                   <a:schemeClr val="accent1">
                     <a:lumMod val="75000"/>
                   </a:schemeClr>
                 </a:solidFill>
-              </a:rPr>
-              <a:t>from</a:t>
-            </a:r>
-            <a:r>
-              <a:rPr lang="en-US" dirty="0" smtClean="0"/>
-              <a:t> </a:t>
-            </a:r>
-            <a:r>
-              <a:rPr lang="ru-RU" dirty="0" smtClean="0"/>
-              <a:t>и должно заканчиваться</a:t>
-            </a:r>
-            <a:r>
-              <a:rPr lang="en-US" dirty="0" smtClean="0"/>
-              <a:t> </a:t>
-            </a:r>
-            <a:r>
-              <a:rPr lang="en-US" dirty="0" smtClean="0">
+                <a:latin typeface="Cascadia Mono" panose="020B0609020000020004" pitchFamily="49" charset="0"/>
+              </a:rPr>
+              <a:t>var</a:t>
+            </a:r>
+            <a:r>
+              <a:rPr lang="en-US" sz="1800" dirty="0" smtClean="0">
                 <a:solidFill>
                   <a:schemeClr val="accent1">
                     <a:lumMod val="75000"/>
                   </a:schemeClr>
                 </a:solidFill>
-              </a:rPr>
-              <a:t>select</a:t>
-            </a:r>
-            <a:r>
-              <a:rPr lang="ru-RU" dirty="0" smtClean="0">
+                <a:latin typeface="Cascadia Mono" panose="020B0609020000020004" pitchFamily="49" charset="0"/>
+              </a:rPr>
+              <a:t> </a:t>
+            </a:r>
+            <a:r>
+              <a:rPr lang="en-US" sz="1800" dirty="0" smtClean="0">
+                <a:solidFill>
+                  <a:srgbClr val="000000"/>
+                </a:solidFill>
+                <a:latin typeface="Cascadia Mono" panose="020B0609020000020004" pitchFamily="49" charset="0"/>
+              </a:rPr>
+              <a:t>query =</a:t>
+            </a:r>
+            <a:endParaRPr lang="ru-RU" sz="1800" dirty="0" smtClean="0">
+              <a:solidFill>
+                <a:schemeClr val="accent1">
+                  <a:lumMod val="75000"/>
+                </a:schemeClr>
+              </a:solidFill>
+              <a:latin typeface="Cascadia Mono" panose="020B0609020000020004" pitchFamily="49" charset="0"/>
+            </a:endParaRPr>
+          </a:p>
+          <a:p>
+            <a:pPr marL="120650" indent="0">
+              <a:buNone/>
+            </a:pPr>
+            <a:r>
+              <a:rPr lang="en-US" sz="1800" dirty="0" smtClean="0">
                 <a:solidFill>
                   <a:schemeClr val="accent1">
                     <a:lumMod val="75000"/>
                   </a:schemeClr>
                 </a:solidFill>
+                <a:latin typeface="Cascadia Mono" panose="020B0609020000020004" pitchFamily="49" charset="0"/>
+              </a:rPr>
+              <a:t>from</a:t>
+            </a:r>
+            <a:r>
+              <a:rPr lang="en-US" sz="1800" dirty="0" smtClean="0">
+                <a:solidFill>
+                  <a:srgbClr val="000000"/>
+                </a:solidFill>
+                <a:latin typeface="Cascadia Mono" panose="020B0609020000020004" pitchFamily="49" charset="0"/>
               </a:rPr>
               <a:t> </a:t>
             </a:r>
             <a:r>
-              <a:rPr lang="ru-RU" dirty="0" smtClean="0"/>
-              <a:t>или</a:t>
-            </a:r>
-            <a:r>
-              <a:rPr lang="en-US" dirty="0" smtClean="0"/>
-              <a:t> </a:t>
-            </a:r>
-            <a:r>
-              <a:rPr lang="en-US" dirty="0" smtClean="0">
+              <a:rPr lang="en-US" sz="1800" dirty="0">
+                <a:solidFill>
+                  <a:srgbClr val="000000"/>
+                </a:solidFill>
+                <a:latin typeface="Cascadia Mono" panose="020B0609020000020004" pitchFamily="49" charset="0"/>
+              </a:rPr>
+              <a:t>item </a:t>
+            </a:r>
+            <a:r>
+              <a:rPr lang="en-US" sz="1800" dirty="0">
                 <a:solidFill>
                   <a:schemeClr val="accent1">
                     <a:lumMod val="75000"/>
                   </a:schemeClr>
                 </a:solidFill>
-              </a:rPr>
-              <a:t>group</a:t>
-            </a:r>
-            <a:r>
-              <a:rPr lang="ru-RU" dirty="0" smtClean="0"/>
-              <a:t>. </a:t>
-            </a:r>
-            <a:endParaRPr lang="en-US" dirty="0" smtClean="0"/>
-          </a:p>
-          <a:p>
-            <a:pPr marL="463550" indent="-342900">
-              <a:buAutoNum type="arabicPeriod"/>
+                <a:latin typeface="Cascadia Mono" panose="020B0609020000020004" pitchFamily="49" charset="0"/>
+              </a:rPr>
+              <a:t>in</a:t>
+            </a:r>
+            <a:r>
+              <a:rPr lang="en-US" sz="1800" dirty="0">
+                <a:solidFill>
+                  <a:srgbClr val="000000"/>
+                </a:solidFill>
+                <a:latin typeface="Cascadia Mono" panose="020B0609020000020004" pitchFamily="49" charset="0"/>
+              </a:rPr>
+              <a:t> source</a:t>
+            </a:r>
+          </a:p>
+          <a:p>
+            <a:pPr marL="120650" indent="0">
+              <a:buNone/>
             </a:pPr>
             <a:r>
-              <a:rPr lang="ru-RU" dirty="0" smtClean="0"/>
-              <a:t>Между первым и последним предложением могут находится</a:t>
-            </a:r>
-            <a:r>
-              <a:rPr lang="en-US" dirty="0" smtClean="0"/>
-              <a:t> </a:t>
-            </a:r>
-            <a:r>
-              <a:rPr lang="en-US" dirty="0" smtClean="0">
+              <a:rPr lang="en-US" sz="1800" dirty="0" smtClean="0">
                 <a:solidFill>
                   <a:schemeClr val="accent1">
                     <a:lumMod val="75000"/>
                   </a:schemeClr>
                 </a:solidFill>
+                <a:latin typeface="Cascadia Mono" panose="020B0609020000020004" pitchFamily="49" charset="0"/>
               </a:rPr>
               <a:t>where</a:t>
             </a:r>
             <a:r>
-              <a:rPr lang="en-US" dirty="0" smtClean="0"/>
-              <a:t>, </a:t>
-            </a:r>
-            <a:r>
-              <a:rPr lang="en-US" dirty="0" err="1" smtClean="0">
+              <a:rPr lang="en-US" sz="1800" dirty="0" smtClean="0">
+                <a:solidFill>
+                  <a:srgbClr val="000000"/>
+                </a:solidFill>
+                <a:latin typeface="Cascadia Mono" panose="020B0609020000020004" pitchFamily="49" charset="0"/>
+              </a:rPr>
+              <a:t> </a:t>
+            </a:r>
+            <a:r>
+              <a:rPr lang="en-US" sz="1800" dirty="0" err="1">
+                <a:solidFill>
+                  <a:srgbClr val="000000"/>
+                </a:solidFill>
+                <a:latin typeface="Cascadia Mono" panose="020B0609020000020004" pitchFamily="49" charset="0"/>
+              </a:rPr>
+              <a:t>item.Department.DepartmentName.</a:t>
+            </a:r>
+            <a:r>
+              <a:rPr lang="en-US" sz="1800" dirty="0" err="1">
+                <a:solidFill>
+                  <a:srgbClr val="669900"/>
+                </a:solidFill>
+                <a:latin typeface="Cascadia Mono" panose="020B0609020000020004" pitchFamily="49" charset="0"/>
+              </a:rPr>
+              <a:t>Equals</a:t>
+            </a:r>
+            <a:r>
+              <a:rPr lang="en-US" sz="1800" dirty="0">
+                <a:solidFill>
+                  <a:srgbClr val="000000"/>
+                </a:solidFill>
+                <a:latin typeface="Cascadia Mono" panose="020B0609020000020004" pitchFamily="49" charset="0"/>
+              </a:rPr>
+              <a:t>(</a:t>
+            </a:r>
+            <a:r>
+              <a:rPr lang="en-US" sz="1800" dirty="0">
+                <a:solidFill>
+                  <a:srgbClr val="C00000"/>
+                </a:solidFill>
+                <a:latin typeface="Cascadia Mono" panose="020B0609020000020004" pitchFamily="49" charset="0"/>
+              </a:rPr>
+              <a:t>"</a:t>
+            </a:r>
+            <a:r>
+              <a:rPr lang="ru-RU" sz="1800" dirty="0">
+                <a:solidFill>
+                  <a:srgbClr val="C00000"/>
+                </a:solidFill>
+                <a:latin typeface="Cascadia Mono" panose="020B0609020000020004" pitchFamily="49" charset="0"/>
+              </a:rPr>
+              <a:t>ИТ"</a:t>
+            </a:r>
+            <a:r>
+              <a:rPr lang="ru-RU" sz="1800" dirty="0">
+                <a:solidFill>
+                  <a:srgbClr val="000000"/>
+                </a:solidFill>
+                <a:latin typeface="Cascadia Mono" panose="020B0609020000020004" pitchFamily="49" charset="0"/>
+              </a:rPr>
+              <a:t>)</a:t>
+            </a:r>
+          </a:p>
+          <a:p>
+            <a:pPr marL="120650" indent="0">
+              <a:buNone/>
+            </a:pPr>
+            <a:r>
+              <a:rPr lang="en-US" sz="1800" dirty="0" err="1">
                 <a:solidFill>
                   <a:schemeClr val="accent1">
                     <a:lumMod val="75000"/>
                   </a:schemeClr>
                 </a:solidFill>
+                <a:latin typeface="Cascadia Mono" panose="020B0609020000020004" pitchFamily="49" charset="0"/>
               </a:rPr>
               <a:t>orderby</a:t>
             </a:r>
             <a:r>
-              <a:rPr lang="en-US" dirty="0" smtClean="0"/>
-              <a:t>, </a:t>
-            </a:r>
-            <a:r>
-              <a:rPr lang="en-US" dirty="0" smtClean="0">
+              <a:rPr lang="en-US" sz="1800" dirty="0">
+                <a:solidFill>
+                  <a:srgbClr val="000000"/>
+                </a:solidFill>
+                <a:latin typeface="Cascadia Mono" panose="020B0609020000020004" pitchFamily="49" charset="0"/>
+              </a:rPr>
+              <a:t> </a:t>
+            </a:r>
+            <a:r>
+              <a:rPr lang="en-US" sz="1800" dirty="0" err="1">
+                <a:solidFill>
+                  <a:srgbClr val="000000"/>
+                </a:solidFill>
+                <a:latin typeface="Cascadia Mono" panose="020B0609020000020004" pitchFamily="49" charset="0"/>
+              </a:rPr>
+              <a:t>item.Name</a:t>
+            </a:r>
+            <a:r>
+              <a:rPr lang="en-US" sz="1800" dirty="0">
+                <a:solidFill>
+                  <a:srgbClr val="000000"/>
+                </a:solidFill>
+                <a:latin typeface="Cascadia Mono" panose="020B0609020000020004" pitchFamily="49" charset="0"/>
+              </a:rPr>
+              <a:t> /*</a:t>
+            </a:r>
+            <a:r>
+              <a:rPr lang="en-US" sz="1800" dirty="0">
                 <a:solidFill>
                   <a:schemeClr val="accent1">
                     <a:lumMod val="75000"/>
                   </a:schemeClr>
                 </a:solidFill>
-              </a:rPr>
-              <a:t>join</a:t>
-            </a:r>
-            <a:r>
-              <a:rPr lang="en-US" dirty="0" smtClean="0"/>
-              <a:t>, </a:t>
-            </a:r>
-            <a:r>
-              <a:rPr lang="en-US" dirty="0" smtClean="0">
+                <a:latin typeface="Cascadia Mono" panose="020B0609020000020004" pitchFamily="49" charset="0"/>
+              </a:rPr>
+              <a:t>ascending</a:t>
+            </a:r>
+            <a:r>
+              <a:rPr lang="en-US" sz="1800" dirty="0">
+                <a:solidFill>
+                  <a:srgbClr val="000000"/>
+                </a:solidFill>
+                <a:latin typeface="Cascadia Mono" panose="020B0609020000020004" pitchFamily="49" charset="0"/>
+              </a:rPr>
+              <a:t>*/ /*</a:t>
+            </a:r>
+            <a:r>
+              <a:rPr lang="en-US" sz="1800" dirty="0">
                 <a:solidFill>
                   <a:schemeClr val="accent1">
                     <a:lumMod val="75000"/>
                   </a:schemeClr>
                 </a:solidFill>
-              </a:rPr>
-              <a:t>let</a:t>
-            </a:r>
-            <a:r>
-              <a:rPr lang="ru-RU" dirty="0" smtClean="0"/>
-              <a:t>. Может быть дополнительный </a:t>
-            </a:r>
-            <a:r>
-              <a:rPr lang="en-US" dirty="0" smtClean="0">
+                <a:latin typeface="Cascadia Mono" panose="020B0609020000020004" pitchFamily="49" charset="0"/>
+              </a:rPr>
+              <a:t>descending</a:t>
+            </a:r>
+            <a:r>
+              <a:rPr lang="en-US" sz="1800" dirty="0">
+                <a:solidFill>
+                  <a:srgbClr val="000000"/>
+                </a:solidFill>
+                <a:latin typeface="Cascadia Mono" panose="020B0609020000020004" pitchFamily="49" charset="0"/>
+              </a:rPr>
+              <a:t>*/</a:t>
+            </a:r>
+          </a:p>
+          <a:p>
+            <a:pPr marL="120650" indent="0">
+              <a:buNone/>
+            </a:pPr>
+            <a:r>
+              <a:rPr lang="en-US" sz="1800" dirty="0">
                 <a:solidFill>
                   <a:schemeClr val="accent1">
                     <a:lumMod val="75000"/>
                   </a:schemeClr>
                 </a:solidFill>
-              </a:rPr>
-              <a:t>from</a:t>
-            </a:r>
-            <a:r>
-              <a:rPr lang="ru-RU" dirty="0" smtClean="0"/>
-              <a:t>, может быть </a:t>
-            </a:r>
-            <a:r>
-              <a:rPr lang="en-US" dirty="0" smtClean="0">
-                <a:solidFill>
-                  <a:schemeClr val="accent1">
-                    <a:lumMod val="75000"/>
-                  </a:schemeClr>
-                </a:solidFill>
-              </a:rPr>
-              <a:t>into</a:t>
-            </a:r>
-            <a:r>
-              <a:rPr lang="ru-RU" dirty="0" smtClean="0"/>
-              <a:t>, </a:t>
-            </a:r>
-            <a:r>
-              <a:rPr lang="en-US" dirty="0" smtClean="0">
-                <a:solidFill>
-                  <a:schemeClr val="accent1">
-                    <a:lumMod val="75000"/>
-                  </a:schemeClr>
-                </a:solidFill>
-              </a:rPr>
-              <a:t>join</a:t>
-            </a:r>
-            <a:r>
-              <a:rPr lang="ru-RU" dirty="0" smtClean="0"/>
-              <a:t>, </a:t>
-            </a:r>
-            <a:r>
-              <a:rPr lang="en-US" dirty="0" smtClean="0">
-                <a:solidFill>
-                  <a:schemeClr val="accent1">
-                    <a:lumMod val="75000"/>
-                  </a:schemeClr>
-                </a:solidFill>
-              </a:rPr>
-              <a:t>group</a:t>
-            </a:r>
-            <a:r>
-              <a:rPr lang="ru-RU" dirty="0" smtClean="0"/>
-              <a:t>.</a:t>
-            </a:r>
-            <a:endParaRPr lang="en-US" dirty="0"/>
-          </a:p>
-          <a:p>
-            <a:pPr marL="463550" indent="-342900">
-              <a:buAutoNum type="arabicPeriod"/>
-            </a:pPr>
-            <a:r>
-              <a:rPr lang="ru-RU" dirty="0" smtClean="0"/>
-              <a:t>Выражение </a:t>
-            </a:r>
-            <a:r>
-              <a:rPr lang="ru-RU" dirty="0"/>
-              <a:t>может возвращать 2 типа: </a:t>
-            </a:r>
-            <a:r>
-              <a:rPr lang="en-US" dirty="0" err="1">
-                <a:solidFill>
-                  <a:schemeClr val="accent1">
-                    <a:lumMod val="75000"/>
-                  </a:schemeClr>
-                </a:solidFill>
-              </a:rPr>
-              <a:t>var</a:t>
-            </a:r>
-            <a:r>
-              <a:rPr lang="en-US" dirty="0"/>
-              <a:t> </a:t>
-            </a:r>
-            <a:r>
-              <a:rPr lang="ru-RU" dirty="0"/>
-              <a:t>или </a:t>
-            </a:r>
-            <a:r>
-              <a:rPr lang="ru-RU" dirty="0" err="1">
-                <a:solidFill>
-                  <a:srgbClr val="669900"/>
-                </a:solidFill>
-              </a:rPr>
-              <a:t>IEnumerable</a:t>
-            </a:r>
-            <a:r>
-              <a:rPr lang="ru-RU" dirty="0"/>
-              <a:t>&lt;</a:t>
-            </a:r>
-            <a:r>
-              <a:rPr lang="en-US" dirty="0">
-                <a:solidFill>
-                  <a:srgbClr val="669900"/>
-                </a:solidFill>
-              </a:rPr>
-              <a:t>T</a:t>
-            </a:r>
-            <a:r>
-              <a:rPr lang="ru-RU" dirty="0" smtClean="0"/>
-              <a:t>&gt;.</a:t>
-            </a:r>
-          </a:p>
-          <a:p>
-            <a:pPr marL="463550" indent="-342900">
-              <a:buAutoNum type="arabicPeriod"/>
-            </a:pPr>
-            <a:r>
-              <a:rPr lang="ru-RU" dirty="0" smtClean="0"/>
-              <a:t>Запросы могут иметь вложенность.</a:t>
-            </a:r>
+                <a:latin typeface="Cascadia Mono" panose="020B0609020000020004" pitchFamily="49" charset="0"/>
+              </a:rPr>
+              <a:t>select</a:t>
+            </a:r>
+            <a:r>
+              <a:rPr lang="en-US" sz="1800" dirty="0">
+                <a:solidFill>
+                  <a:srgbClr val="000000"/>
+                </a:solidFill>
+                <a:latin typeface="Cascadia Mono" panose="020B0609020000020004" pitchFamily="49" charset="0"/>
+              </a:rPr>
+              <a:t> item;</a:t>
+            </a:r>
+            <a:endParaRPr lang="ru-RU" dirty="0" smtClean="0"/>
           </a:p>
         </p:txBody>
       </p:sp>
     </p:spTree>
     <p:extLst>
       <p:ext uri="{BB962C8B-B14F-4D97-AF65-F5344CB8AC3E}">
-        <p14:creationId xmlns:p14="http://schemas.microsoft.com/office/powerpoint/2010/main" val="3660064036"/>
+        <p14:creationId xmlns:p14="http://schemas.microsoft.com/office/powerpoint/2010/main" xmlns="" val="641603757"/>
+      </p:ext>
+    </p:extLst>
+  </p:cSld>
+  <p:clrMapOvr>
+    <a:masterClrMapping/>
+  </p:clrMapOvr>
+  <p:timing>
+    <p:tnLst>
+      <p:par>
+        <p:cTn id="1" dur="indefinite" restart="never" nodeType="tmRoot"/>
+      </p:par>
+    </p:tnLst>
+  </p:timing>
+</p:sld>
+</file>
+
+<file path=ppt/slides/slide25.xml><?xml version="1.0" encoding="utf-8"?>
+<p:sld xmlns:a="http://schemas.openxmlformats.org/drawingml/2006/main" xmlns:r="http://schemas.openxmlformats.org/officeDocument/2006/relationships" xmlns:p="http://schemas.openxmlformats.org/presentationml/2006/main">
+  <p:cSld>
+    <p:spTree>
+      <p:nvGrpSpPr>
+        <p:cNvPr id="1" name="Shape 247"/>
+        <p:cNvGrpSpPr/>
+        <p:nvPr/>
+      </p:nvGrpSpPr>
+      <p:grpSpPr>
+        <a:xfrm>
+          <a:off x="0" y="0"/>
+          <a:ext cx="0" cy="0"/>
+          <a:chOff x="0" y="0"/>
+          <a:chExt cx="0" cy="0"/>
+        </a:xfrm>
+      </p:grpSpPr>
+      <p:sp>
+        <p:nvSpPr>
+          <p:cNvPr id="248" name="Google Shape;248;p44"/>
+          <p:cNvSpPr txBox="1">
+            <a:spLocks noGrp="1"/>
+          </p:cNvSpPr>
+          <p:nvPr>
+            <p:ph type="title"/>
+          </p:nvPr>
+        </p:nvSpPr>
+        <p:spPr>
+          <a:xfrm>
+            <a:off x="956225" y="396400"/>
+            <a:ext cx="6931800" cy="4090800"/>
+          </a:xfrm>
+          <a:prstGeom prst="rect">
+            <a:avLst/>
+          </a:prstGeom>
+        </p:spPr>
+        <p:txBody>
+          <a:bodyPr spcFirstLastPara="1" wrap="square" lIns="91425" tIns="91425" rIns="91425" bIns="91425" anchor="ctr" anchorCtr="0">
+            <a:noAutofit/>
+          </a:bodyPr>
+          <a:lstStyle/>
+          <a:p>
+            <a:pPr marL="0" lvl="0" indent="0" algn="l" rtl="0">
+              <a:spcBef>
+                <a:spcPts val="0"/>
+              </a:spcBef>
+              <a:spcAft>
+                <a:spcPts val="0"/>
+              </a:spcAft>
+              <a:buNone/>
+            </a:pPr>
+            <a:r>
+              <a:rPr lang="ru-RU" dirty="0" smtClean="0"/>
+              <a:t>Метод-синтаксис</a:t>
+            </a:r>
+            <a:endParaRPr dirty="0"/>
+          </a:p>
+        </p:txBody>
+      </p:sp>
+    </p:spTree>
+    <p:extLst>
+      <p:ext uri="{BB962C8B-B14F-4D97-AF65-F5344CB8AC3E}">
+        <p14:creationId xmlns:p14="http://schemas.microsoft.com/office/powerpoint/2010/main" xmlns="" val="2325750740"/>
       </p:ext>
     </p:extLst>
   </p:cSld>
@@ -17201,7 +17204,7 @@
             </a:pPr>
             <a:r>
               <a:rPr lang="ru-RU" dirty="0" smtClean="0"/>
-              <a:t>Пример запроса</a:t>
+              <a:t>Метод синтаксис</a:t>
             </a:r>
             <a:endParaRPr dirty="0"/>
           </a:p>
@@ -17237,7 +17240,15 @@
             </a:pPr>
             <a:r>
               <a:rPr lang="ru-RU" dirty="0" smtClean="0"/>
-              <a:t>Пример запроса выглядит следующим образом:</a:t>
+              <a:t>Все методы расширения предоставляются интерфейсом </a:t>
+            </a:r>
+            <a:r>
+              <a:rPr lang="en-US" dirty="0" err="1" smtClean="0"/>
+              <a:t>IEnumerable</a:t>
+            </a:r>
+            <a:r>
+              <a:rPr lang="en-US" dirty="0" smtClean="0"/>
+              <a:t>&lt;T&gt;.</a:t>
             </a:r>
           </a:p>
           <a:p>
@@ -17245,284 +17256,94 @@
               <a:buNone/>
             </a:pPr>
             <a:r>
-              <a:rPr lang="en-US" sz="1800" dirty="0" err="1" smtClean="0">
-                <a:solidFill>
-                  <a:schemeClr val="accent1">
-                    <a:lumMod val="75000"/>
-                  </a:schemeClr>
-                </a:solidFill>
-                <a:latin typeface="Cascadia Mono" panose="020B0609020000020004" pitchFamily="49" charset="0"/>
-              </a:rPr>
-              <a:t>var</a:t>
-            </a:r>
-            <a:r>
-              <a:rPr lang="en-US" sz="1800" dirty="0" smtClean="0">
-                <a:solidFill>
-                  <a:schemeClr val="accent1">
-                    <a:lumMod val="75000"/>
-                  </a:schemeClr>
-                </a:solidFill>
-                <a:latin typeface="Cascadia Mono" panose="020B0609020000020004" pitchFamily="49" charset="0"/>
-              </a:rPr>
+              <a:rPr lang="ru-RU" dirty="0" smtClean="0"/>
+              <a:t>Список находится </a:t>
+            </a:r>
+            <a:r>
+              <a:rPr lang="ru-RU" dirty="0" smtClean="0">
+                <a:hlinkClick r:id="rId3"/>
+              </a:rPr>
+              <a:t>в исходном коде класса </a:t>
+            </a:r>
+            <a:r>
+              <a:rPr lang="ru-RU" dirty="0" err="1" smtClean="0">
+                <a:hlinkClick r:id="rId3"/>
+              </a:rPr>
+              <a:t>Enumerable.cs</a:t>
+            </a:r>
+            <a:r>
+              <a:rPr lang="ru-RU" dirty="0" smtClean="0"/>
+              <a:t>, расширяющим интерфейс.</a:t>
+            </a:r>
+          </a:p>
+          <a:p>
+            <a:pPr marL="120650" indent="0">
+              <a:buNone/>
+            </a:pPr>
+            <a:r>
+              <a:rPr lang="ru-RU" dirty="0"/>
+              <a:t>Все </a:t>
+            </a:r>
+            <a:r>
+              <a:rPr lang="ru-RU" dirty="0" smtClean="0"/>
+              <a:t>методы </a:t>
+            </a:r>
+            <a:r>
+              <a:rPr lang="en-US" dirty="0" smtClean="0"/>
+              <a:t>fluent API</a:t>
+            </a:r>
+            <a:r>
+              <a:rPr lang="ru-RU" dirty="0" smtClean="0"/>
               <a:t> </a:t>
             </a:r>
             <a:r>
-              <a:rPr lang="en-US" sz="1800" dirty="0" smtClean="0">
-                <a:solidFill>
-                  <a:srgbClr val="000000"/>
-                </a:solidFill>
-                <a:latin typeface="Cascadia Mono" panose="020B0609020000020004" pitchFamily="49" charset="0"/>
-              </a:rPr>
-              <a:t>query =</a:t>
-            </a:r>
-            <a:endParaRPr lang="ru-RU" sz="1800" dirty="0" smtClean="0">
-              <a:solidFill>
-                <a:schemeClr val="accent1">
-                  <a:lumMod val="75000"/>
-                </a:schemeClr>
-              </a:solidFill>
-              <a:latin typeface="Cascadia Mono" panose="020B0609020000020004" pitchFamily="49" charset="0"/>
-            </a:endParaRPr>
-          </a:p>
-          <a:p>
-            <a:pPr marL="120650" indent="0">
-              <a:buNone/>
+              <a:rPr lang="ru-RU" dirty="0"/>
+              <a:t>на </a:t>
+            </a:r>
+            <a:r>
+              <a:rPr lang="ru-RU" dirty="0" smtClean="0"/>
+              <a:t>основе LINQ:</a:t>
+            </a:r>
+            <a:endParaRPr lang="en-US" dirty="0" smtClean="0"/>
+          </a:p>
+          <a:p>
+            <a:pPr marL="463550" indent="-342900">
+              <a:buAutoNum type="arabicPeriod"/>
             </a:pPr>
             <a:r>
-              <a:rPr lang="en-US" sz="1800" dirty="0" smtClean="0">
-                <a:solidFill>
-                  <a:schemeClr val="accent1">
-                    <a:lumMod val="75000"/>
-                  </a:schemeClr>
-                </a:solidFill>
-                <a:latin typeface="Cascadia Mono" panose="020B0609020000020004" pitchFamily="49" charset="0"/>
-              </a:rPr>
-              <a:t>from</a:t>
-            </a:r>
-            <a:r>
-              <a:rPr lang="en-US" sz="1800" dirty="0" smtClean="0">
-                <a:solidFill>
-                  <a:srgbClr val="000000"/>
-                </a:solidFill>
-                <a:latin typeface="Cascadia Mono" panose="020B0609020000020004" pitchFamily="49" charset="0"/>
-              </a:rPr>
-              <a:t> </a:t>
-            </a:r>
-            <a:r>
-              <a:rPr lang="en-US" sz="1800" dirty="0">
-                <a:solidFill>
-                  <a:srgbClr val="000000"/>
-                </a:solidFill>
-                <a:latin typeface="Cascadia Mono" panose="020B0609020000020004" pitchFamily="49" charset="0"/>
-              </a:rPr>
-              <a:t>item </a:t>
-            </a:r>
-            <a:r>
-              <a:rPr lang="en-US" sz="1800" dirty="0">
-                <a:solidFill>
-                  <a:schemeClr val="accent1">
-                    <a:lumMod val="75000"/>
-                  </a:schemeClr>
-                </a:solidFill>
-                <a:latin typeface="Cascadia Mono" panose="020B0609020000020004" pitchFamily="49" charset="0"/>
-              </a:rPr>
-              <a:t>in</a:t>
-            </a:r>
-            <a:r>
-              <a:rPr lang="en-US" sz="1800" dirty="0">
-                <a:solidFill>
-                  <a:srgbClr val="000000"/>
-                </a:solidFill>
-                <a:latin typeface="Cascadia Mono" panose="020B0609020000020004" pitchFamily="49" charset="0"/>
-              </a:rPr>
-              <a:t> source</a:t>
-            </a:r>
-          </a:p>
-          <a:p>
-            <a:pPr marL="120650" indent="0">
-              <a:buNone/>
+              <a:rPr lang="ru-RU" dirty="0" smtClean="0"/>
+              <a:t>Принимают обобщенный делегат (анонимные функции) в качестве параметра. </a:t>
+            </a:r>
+            <a:endParaRPr lang="en-US" dirty="0" smtClean="0"/>
+          </a:p>
+          <a:p>
+            <a:pPr marL="463550" indent="-342900">
+              <a:buAutoNum type="arabicPeriod"/>
             </a:pPr>
             <a:r>
-              <a:rPr lang="en-US" sz="1800" dirty="0" smtClean="0">
-                <a:solidFill>
-                  <a:schemeClr val="accent1">
-                    <a:lumMod val="75000"/>
-                  </a:schemeClr>
-                </a:solidFill>
-                <a:latin typeface="Cascadia Mono" panose="020B0609020000020004" pitchFamily="49" charset="0"/>
-              </a:rPr>
-              <a:t>where</a:t>
-            </a:r>
-            <a:r>
-              <a:rPr lang="en-US" sz="1800" dirty="0" smtClean="0">
-                <a:solidFill>
-                  <a:srgbClr val="000000"/>
-                </a:solidFill>
-                <a:latin typeface="Cascadia Mono" panose="020B0609020000020004" pitchFamily="49" charset="0"/>
-              </a:rPr>
-              <a:t> </a:t>
-            </a:r>
-            <a:r>
-              <a:rPr lang="en-US" sz="1800" dirty="0" err="1">
-                <a:solidFill>
-                  <a:srgbClr val="000000"/>
-                </a:solidFill>
-                <a:latin typeface="Cascadia Mono" panose="020B0609020000020004" pitchFamily="49" charset="0"/>
-              </a:rPr>
-              <a:t>item.Department.DepartmentName.</a:t>
-            </a:r>
-            <a:r>
-              <a:rPr lang="en-US" sz="1800" dirty="0" err="1">
-                <a:solidFill>
-                  <a:srgbClr val="669900"/>
-                </a:solidFill>
-                <a:latin typeface="Cascadia Mono" panose="020B0609020000020004" pitchFamily="49" charset="0"/>
-              </a:rPr>
-              <a:t>Equals</a:t>
-            </a:r>
-            <a:r>
-              <a:rPr lang="en-US" sz="1800" dirty="0">
-                <a:solidFill>
-                  <a:srgbClr val="000000"/>
-                </a:solidFill>
-                <a:latin typeface="Cascadia Mono" panose="020B0609020000020004" pitchFamily="49" charset="0"/>
-              </a:rPr>
-              <a:t>(</a:t>
-            </a:r>
-            <a:r>
-              <a:rPr lang="en-US" sz="1800" dirty="0">
-                <a:solidFill>
-                  <a:srgbClr val="C00000"/>
-                </a:solidFill>
-                <a:latin typeface="Cascadia Mono" panose="020B0609020000020004" pitchFamily="49" charset="0"/>
-              </a:rPr>
-              <a:t>"</a:t>
-            </a:r>
-            <a:r>
-              <a:rPr lang="ru-RU" sz="1800" dirty="0">
-                <a:solidFill>
-                  <a:srgbClr val="C00000"/>
-                </a:solidFill>
-                <a:latin typeface="Cascadia Mono" panose="020B0609020000020004" pitchFamily="49" charset="0"/>
-              </a:rPr>
-              <a:t>ИТ"</a:t>
-            </a:r>
-            <a:r>
-              <a:rPr lang="ru-RU" sz="1800" dirty="0">
-                <a:solidFill>
-                  <a:srgbClr val="000000"/>
-                </a:solidFill>
-                <a:latin typeface="Cascadia Mono" panose="020B0609020000020004" pitchFamily="49" charset="0"/>
-              </a:rPr>
+              <a:rPr lang="ru-RU" dirty="0" smtClean="0"/>
+              <a:t>Возвращают другую последовательность или одно значение.</a:t>
+            </a:r>
+          </a:p>
+          <a:p>
+            <a:pPr marL="463550" indent="-342900">
+              <a:buAutoNum type="arabicPeriod"/>
+            </a:pPr>
+            <a:r>
+              <a:rPr lang="ru-RU" dirty="0" smtClean="0"/>
+              <a:t>Могут принимать еще одну коллекцию как параметр(</a:t>
+            </a:r>
+            <a:r>
+              <a:rPr lang="en-US" dirty="0" smtClean="0"/>
+              <a:t>Join</a:t>
+            </a:r>
+            <a:r>
+              <a:rPr lang="ru-RU" dirty="0" smtClean="0"/>
               <a:t>)</a:t>
             </a:r>
-          </a:p>
-          <a:p>
-            <a:pPr marL="120650" indent="0">
-              <a:buNone/>
-            </a:pPr>
-            <a:r>
-              <a:rPr lang="en-US" sz="1800" dirty="0" err="1">
-                <a:solidFill>
-                  <a:schemeClr val="accent1">
-                    <a:lumMod val="75000"/>
-                  </a:schemeClr>
-                </a:solidFill>
-                <a:latin typeface="Cascadia Mono" panose="020B0609020000020004" pitchFamily="49" charset="0"/>
-              </a:rPr>
-              <a:t>orderby</a:t>
-            </a:r>
-            <a:r>
-              <a:rPr lang="en-US" sz="1800" dirty="0">
-                <a:solidFill>
-                  <a:srgbClr val="000000"/>
-                </a:solidFill>
-                <a:latin typeface="Cascadia Mono" panose="020B0609020000020004" pitchFamily="49" charset="0"/>
-              </a:rPr>
-              <a:t> </a:t>
-            </a:r>
-            <a:r>
-              <a:rPr lang="en-US" sz="1800" dirty="0" err="1">
-                <a:solidFill>
-                  <a:srgbClr val="000000"/>
-                </a:solidFill>
-                <a:latin typeface="Cascadia Mono" panose="020B0609020000020004" pitchFamily="49" charset="0"/>
-              </a:rPr>
-              <a:t>item.Name</a:t>
-            </a:r>
-            <a:r>
-              <a:rPr lang="en-US" sz="1800" dirty="0">
-                <a:solidFill>
-                  <a:srgbClr val="000000"/>
-                </a:solidFill>
-                <a:latin typeface="Cascadia Mono" panose="020B0609020000020004" pitchFamily="49" charset="0"/>
-              </a:rPr>
-              <a:t> /*</a:t>
-            </a:r>
-            <a:r>
-              <a:rPr lang="en-US" sz="1800" dirty="0">
-                <a:solidFill>
-                  <a:schemeClr val="accent1">
-                    <a:lumMod val="75000"/>
-                  </a:schemeClr>
-                </a:solidFill>
-                <a:latin typeface="Cascadia Mono" panose="020B0609020000020004" pitchFamily="49" charset="0"/>
-              </a:rPr>
-              <a:t>ascending</a:t>
-            </a:r>
-            <a:r>
-              <a:rPr lang="en-US" sz="1800" dirty="0">
-                <a:solidFill>
-                  <a:srgbClr val="000000"/>
-                </a:solidFill>
-                <a:latin typeface="Cascadia Mono" panose="020B0609020000020004" pitchFamily="49" charset="0"/>
-              </a:rPr>
-              <a:t>*/ /*</a:t>
-            </a:r>
-            <a:r>
-              <a:rPr lang="en-US" sz="1800" dirty="0">
-                <a:solidFill>
-                  <a:schemeClr val="accent1">
-                    <a:lumMod val="75000"/>
-                  </a:schemeClr>
-                </a:solidFill>
-                <a:latin typeface="Cascadia Mono" panose="020B0609020000020004" pitchFamily="49" charset="0"/>
-              </a:rPr>
-              <a:t>descending</a:t>
-            </a:r>
-            <a:r>
-              <a:rPr lang="en-US" sz="1800" dirty="0">
-                <a:solidFill>
-                  <a:srgbClr val="000000"/>
-                </a:solidFill>
-                <a:latin typeface="Cascadia Mono" panose="020B0609020000020004" pitchFamily="49" charset="0"/>
-              </a:rPr>
-              <a:t>*/</a:t>
-            </a:r>
-          </a:p>
-          <a:p>
-            <a:pPr marL="120650" indent="0">
-              <a:buNone/>
-            </a:pPr>
-            <a:r>
-              <a:rPr lang="en-US" sz="1800" dirty="0">
-                <a:solidFill>
-                  <a:schemeClr val="accent1">
-                    <a:lumMod val="75000"/>
-                  </a:schemeClr>
-                </a:solidFill>
-                <a:latin typeface="Cascadia Mono" panose="020B0609020000020004" pitchFamily="49" charset="0"/>
-              </a:rPr>
-              <a:t>select</a:t>
-            </a:r>
-            <a:r>
-              <a:rPr lang="en-US" sz="1800" dirty="0">
-                <a:solidFill>
-                  <a:srgbClr val="000000"/>
-                </a:solidFill>
-                <a:latin typeface="Cascadia Mono" panose="020B0609020000020004" pitchFamily="49" charset="0"/>
-              </a:rPr>
-              <a:t> item;</a:t>
+            <a:r>
+              <a:rPr lang="en-US" dirty="0" smtClean="0"/>
+              <a:t>.</a:t>
             </a:r>
             <a:endParaRPr lang="ru-RU" dirty="0" smtClean="0"/>
           </a:p>
@@ -17531,13 +17352,14 @@
     </p:spTree>
     <p:extLst>
       <p:ext uri="{BB962C8B-B14F-4D97-AF65-F5344CB8AC3E}">
-        <p14:creationId xmlns:p14="http://schemas.microsoft.com/office/powerpoint/2010/main" val="641603757"/>
+        <p14:creationId xmlns:p14="http://schemas.microsoft.com/office/powerpoint/2010/main" xmlns="" val="4000945297"/>
       </p:ext>
     </p:extLst>
   </p:cSld>
   <p:clrMapOvr>
     <a:masterClrMapping/>
   </p:clrMapOvr>
+  <p:transition spd="slow"/>
   <p:timing>
     <p:tnLst>
       <p:par>
@@ -17549,85 +17371,6 @@
 </file>
 
 <file path=ppt/slides/slide27.xml><?xml version="1.0" encoding="utf-8"?>
-<p:sld xmlns:a="http://schemas.openxmlformats.org/drawingml/2006/main" xmlns:r="http://schemas.openxmlformats.org/officeDocument/2006/relationships" xmlns:p="http://schemas.openxmlformats.org/presentationml/2006/main">
-  <p:cSld>
-    <p:spTree>
-      <p:nvGrpSpPr>
-        <p:cNvPr id="1" name="Shape 247"/>
-        <p:cNvGrpSpPr/>
-        <p:nvPr/>
-      </p:nvGrpSpPr>
-      <p:grpSpPr>
-        <a:xfrm>
-          <a:off x="0" y="0"/>
-          <a:ext cx="0" cy="0"/>
-          <a:chOff x="0" y="0"/>
-          <a:chExt cx="0" cy="0"/>
-        </a:xfrm>
-      </p:grpSpPr>
-      <p:sp>
-        <p:nvSpPr>
-          <p:cNvPr id="248" name="Google Shape;248;p44"/>
-          <p:cNvSpPr txBox="1">
-            <a:spLocks noGrp="1"/>
-          </p:cNvSpPr>
-          <p:nvPr>
-            <p:ph type="title"/>
-          </p:nvPr>
-        </p:nvSpPr>
-        <p:spPr>
-          <a:xfrm>
-            <a:off x="956225" y="396400"/>
-            <a:ext cx="6931800" cy="4090800"/>
-          </a:xfrm>
-          <a:prstGeom prst="rect">
-            <a:avLst/>
-          </a:prstGeom>
-        </p:spPr>
-        <p:txBody>
-          <a:bodyPr spcFirstLastPara="1" wrap="square" lIns="91425" tIns="91425" rIns="91425" bIns="91425" anchor="ctr" anchorCtr="0">
-            <a:noAutofit/>
-          </a:bodyPr>
-          <a:lstStyle/>
-          <a:p>
-            <a:pPr marL="0" lvl="0" indent="0" algn="l" rtl="0">
-              <a:spcBef>
-                <a:spcPts val="0"/>
-              </a:spcBef>
-              <a:spcAft>
-                <a:spcPts val="0"/>
-              </a:spcAft>
-              <a:buNone/>
-            </a:pPr>
-            <a:r>
-              <a:rPr lang="ru-RU" dirty="0" smtClean="0"/>
-              <a:t>Метод-синтаксис</a:t>
-            </a:r>
-            <a:endParaRPr dirty="0"/>
-          </a:p>
-        </p:txBody>
-      </p:sp>
-    </p:spTree>
-    <p:extLst>
-      <p:ext uri="{BB962C8B-B14F-4D97-AF65-F5344CB8AC3E}">
-        <p14:creationId xmlns:p14="http://schemas.microsoft.com/office/powerpoint/2010/main" val="2325750740"/>
-      </p:ext>
-    </p:extLst>
-  </p:cSld>
-  <p:clrMapOvr>
-    <a:masterClrMapping/>
-  </p:clrMapOvr>
-  <p:timing>
-    <p:tnLst>
-      <p:par>
-        <p:cTn id="1" dur="indefinite" restart="never" nodeType="tmRoot"/>
-      </p:par>
-    </p:tnLst>
-  </p:timing>
-</p:sld>
-</file>
-
-<file path=ppt/slides/slide28.xml><?xml version="1.0" encoding="utf-8"?>
 <p:sld xmlns:a="http://schemas.openxmlformats.org/drawingml/2006/main" xmlns:r="http://schemas.openxmlformats.org/officeDocument/2006/relationships" xmlns:p="http://schemas.openxmlformats.org/presentationml/2006/main">
   <p:cSld>
     <p:spTree>
@@ -17680,7 +17423,31 @@
             </a:pPr>
             <a:r>
               <a:rPr lang="ru-RU" dirty="0" smtClean="0"/>
-              <a:t>Метод синтаксис</a:t>
+              <a:t>Методы расширения </a:t>
+            </a:r>
+            <a:r>
+              <a:rPr lang="en-US" dirty="0" err="1" smtClean="0">
+                <a:solidFill>
+                  <a:srgbClr val="669900"/>
+                </a:solidFill>
+              </a:rPr>
+              <a:t>IEnumerable</a:t>
+            </a:r>
+            <a:r>
+              <a:rPr lang="en-US" dirty="0" smtClean="0"/>
+              <a:t>&lt;</a:t>
+            </a:r>
+            <a:r>
+              <a:rPr lang="en-US" dirty="0" smtClean="0">
+                <a:solidFill>
+                  <a:srgbClr val="669900"/>
+                </a:solidFill>
+              </a:rPr>
+              <a:t>T</a:t>
+            </a:r>
+            <a:r>
+              <a:rPr lang="en-US" dirty="0" smtClean="0"/>
+              <a:t>&gt;</a:t>
             </a:r>
             <a:endParaRPr dirty="0"/>
           </a:p>
@@ -17716,71 +17483,8 @@
             </a:pPr>
             <a:r>
               <a:rPr lang="ru-RU" dirty="0" smtClean="0"/>
-              <a:t>Все методы расширения предоставляются интерфейсом </a:t>
-            </a:r>
-            <a:r>
-              <a:rPr lang="en-US" dirty="0" err="1" smtClean="0"/>
-              <a:t>IEnumerable</a:t>
-            </a:r>
-            <a:r>
-              <a:rPr lang="en-US" dirty="0" smtClean="0"/>
-              <a:t>&lt;T&gt;.</a:t>
-            </a:r>
-          </a:p>
-          <a:p>
-            <a:pPr marL="120650" indent="0">
-              <a:buNone/>
-            </a:pPr>
-            <a:r>
-              <a:rPr lang="ru-RU" dirty="0" smtClean="0"/>
-              <a:t>Список находится </a:t>
-            </a:r>
-            <a:r>
-              <a:rPr lang="ru-RU" dirty="0" smtClean="0">
-                <a:hlinkClick r:id="rId3"/>
-              </a:rPr>
-              <a:t>в исходном коде класса </a:t>
-            </a:r>
-            <a:r>
-              <a:rPr lang="ru-RU" dirty="0" err="1" smtClean="0">
-                <a:hlinkClick r:id="rId3"/>
-              </a:rPr>
-              <a:t>Enumerable.cs</a:t>
-            </a:r>
-            <a:r>
-              <a:rPr lang="ru-RU" dirty="0" smtClean="0"/>
-              <a:t>, расширяющим интерфейс.</a:t>
-            </a:r>
-          </a:p>
-          <a:p>
-            <a:pPr marL="120650" indent="0">
-              <a:buNone/>
-            </a:pPr>
-            <a:r>
-              <a:rPr lang="ru-RU" dirty="0"/>
-              <a:t>Все </a:t>
-            </a:r>
-            <a:r>
-              <a:rPr lang="ru-RU" dirty="0" smtClean="0"/>
-              <a:t>методы </a:t>
-            </a:r>
-            <a:r>
-              <a:rPr lang="en-US" dirty="0" smtClean="0"/>
-              <a:t>fluent API</a:t>
-            </a:r>
-            <a:r>
-              <a:rPr lang="ru-RU" dirty="0" smtClean="0"/>
-              <a:t> </a:t>
-            </a:r>
-            <a:r>
-              <a:rPr lang="ru-RU" dirty="0"/>
-              <a:t>на </a:t>
-            </a:r>
-            <a:r>
-              <a:rPr lang="ru-RU" dirty="0" smtClean="0"/>
-              <a:t>основе LINQ:</a:t>
-            </a:r>
-            <a:endParaRPr lang="en-US" dirty="0" smtClean="0"/>
+              <a:t>Функционал метод-синтаксиса идентичен функционалу декларативного синтаксиса с той разницей, что:</a:t>
+            </a:r>
           </a:p>
           <a:p>
             <a:pPr marL="463550" indent="-342900">
@@ -17788,9 +17492,64 @@
             </a:pPr>
             <a:r>
               <a:rPr lang="ru-RU" dirty="0" smtClean="0"/>
-              <a:t>Принимают обобщенный делегат (анонимные функции) в качестве параметра. </a:t>
-            </a:r>
-            <a:endParaRPr lang="en-US" dirty="0" smtClean="0"/>
+              <a:t>Нет ключевых слов: </a:t>
+            </a:r>
+            <a:r>
+              <a:rPr lang="en-US" dirty="0" smtClean="0">
+                <a:solidFill>
+                  <a:schemeClr val="accent1">
+                    <a:lumMod val="75000"/>
+                  </a:schemeClr>
+                </a:solidFill>
+              </a:rPr>
+              <a:t>from</a:t>
+            </a:r>
+            <a:r>
+              <a:rPr lang="en-US" dirty="0" smtClean="0"/>
+              <a:t>, </a:t>
+            </a:r>
+            <a:r>
+              <a:rPr lang="en-US" dirty="0" smtClean="0">
+                <a:solidFill>
+                  <a:schemeClr val="accent1">
+                    <a:lumMod val="75000"/>
+                  </a:schemeClr>
+                </a:solidFill>
+              </a:rPr>
+              <a:t>in</a:t>
+            </a:r>
+            <a:r>
+              <a:rPr lang="en-US" dirty="0" smtClean="0"/>
+              <a:t>, </a:t>
+            </a:r>
+            <a:r>
+              <a:rPr lang="en-US" dirty="0" smtClean="0">
+                <a:solidFill>
+                  <a:schemeClr val="accent1">
+                    <a:lumMod val="75000"/>
+                  </a:schemeClr>
+                </a:solidFill>
+              </a:rPr>
+              <a:t>let</a:t>
+            </a:r>
+            <a:r>
+              <a:rPr lang="en-US" dirty="0" smtClean="0"/>
+              <a:t>, </a:t>
+            </a:r>
+            <a:r>
+              <a:rPr lang="en-US" dirty="0" smtClean="0">
+                <a:solidFill>
+                  <a:schemeClr val="accent1">
+                    <a:lumMod val="75000"/>
+                  </a:schemeClr>
+                </a:solidFill>
+              </a:rPr>
+              <a:t>into</a:t>
+            </a:r>
+            <a:r>
+              <a:rPr lang="en-US" dirty="0" smtClean="0"/>
+              <a:t>.</a:t>
+            </a:r>
           </a:p>
           <a:p>
             <a:pPr marL="463550" indent="-342900">
@@ -17798,29 +17557,250 @@
             </a:pPr>
             <a:r>
               <a:rPr lang="ru-RU" dirty="0" smtClean="0"/>
-              <a:t>Возвращают другую последовательность или одно значение.</a:t>
-            </a:r>
-          </a:p>
-          <a:p>
-            <a:pPr marL="463550" indent="-342900">
-              <a:buAutoNum type="arabicPeriod"/>
+              <a:t>Ключевые слова операторов запросов созвучны по написанию, но работают посредством</a:t>
+            </a:r>
+            <a:r>
+              <a:rPr lang="en-US" dirty="0" smtClean="0"/>
+              <a:t> </a:t>
+            </a:r>
+            <a:r>
+              <a:rPr lang="ru-RU" dirty="0" smtClean="0"/>
+              <a:t>обобщенных делегатов: </a:t>
+            </a:r>
+            <a:r>
+              <a:rPr lang="en-US" dirty="0" smtClean="0"/>
+              <a:t>Action, Predicate, </a:t>
+            </a:r>
+            <a:r>
+              <a:rPr lang="en-US" dirty="0" err="1" smtClean="0"/>
+              <a:t>Func</a:t>
+            </a:r>
+            <a:r>
+              <a:rPr lang="ru-RU" dirty="0" smtClean="0"/>
+              <a:t>.</a:t>
+            </a:r>
+          </a:p>
+          <a:p>
+            <a:pPr marL="120650" indent="0">
+              <a:buNone/>
             </a:pPr>
+            <a:endParaRPr lang="ru-RU" dirty="0" smtClean="0"/>
+          </a:p>
+          <a:p>
+            <a:pPr marL="120650" indent="0">
+              <a:buNone/>
+            </a:pPr>
             <a:r>
               <a:rPr lang="ru-RU" dirty="0" smtClean="0"/>
-              <a:t>Могут принимать еще одну коллекцию как параметр(</a:t>
-            </a:r>
-            <a:r>
-              <a:rPr lang="en-US" dirty="0" smtClean="0"/>
-              <a:t>Join</a:t>
-            </a:r>
-            <a:r>
-              <a:rPr lang="ru-RU" dirty="0" smtClean="0"/>
-              <a:t>)</a:t>
-            </a:r>
-            <a:r>
-              <a:rPr lang="en-US" dirty="0" smtClean="0"/>
+              <a:t>Пример:</a:t>
+            </a:r>
+          </a:p>
+          <a:p>
+            <a:pPr marL="120650" indent="0">
+              <a:buNone/>
+            </a:pPr>
+            <a:r>
+              <a:rPr lang="en-US" sz="1800" dirty="0" err="1">
+                <a:solidFill>
+                  <a:schemeClr val="accent1">
+                    <a:lumMod val="75000"/>
+                  </a:schemeClr>
+                </a:solidFill>
+                <a:latin typeface="Cascadia Mono" panose="020B0609020000020004" pitchFamily="49" charset="0"/>
+              </a:rPr>
+              <a:t>var</a:t>
+            </a:r>
+            <a:r>
+              <a:rPr lang="en-US" sz="1800" dirty="0">
+                <a:solidFill>
+                  <a:schemeClr val="accent1">
+                    <a:lumMod val="75000"/>
+                  </a:schemeClr>
+                </a:solidFill>
+                <a:latin typeface="Cascadia Mono" panose="020B0609020000020004" pitchFamily="49" charset="0"/>
+              </a:rPr>
+              <a:t> </a:t>
+            </a:r>
+            <a:r>
+              <a:rPr lang="en-US" sz="1800" dirty="0">
+                <a:solidFill>
+                  <a:schemeClr val="accent1">
+                    <a:lumMod val="50000"/>
+                  </a:schemeClr>
+                </a:solidFill>
+                <a:latin typeface="Cascadia Mono" panose="020B0609020000020004" pitchFamily="49" charset="0"/>
+              </a:rPr>
+              <a:t>query</a:t>
+            </a:r>
+            <a:r>
+              <a:rPr lang="en-US" sz="1800" dirty="0">
+                <a:solidFill>
+                  <a:srgbClr val="000000"/>
+                </a:solidFill>
+                <a:latin typeface="Cascadia Mono" panose="020B0609020000020004" pitchFamily="49" charset="0"/>
+              </a:rPr>
+              <a:t> =</a:t>
+            </a:r>
+            <a:r>
+              <a:rPr lang="en-US" sz="1800" dirty="0" smtClean="0">
+                <a:solidFill>
+                  <a:srgbClr val="000000"/>
+                </a:solidFill>
+                <a:latin typeface="Cascadia Mono" panose="020B0609020000020004" pitchFamily="49" charset="0"/>
+              </a:rPr>
+              <a:t> </a:t>
+            </a:r>
+            <a:r>
+              <a:rPr lang="en-US" sz="1800" dirty="0" err="1">
+                <a:solidFill>
+                  <a:schemeClr val="accent1">
+                    <a:lumMod val="50000"/>
+                  </a:schemeClr>
+                </a:solidFill>
+                <a:latin typeface="Cascadia Mono" panose="020B0609020000020004" pitchFamily="49" charset="0"/>
+              </a:rPr>
+              <a:t>source</a:t>
+            </a:r>
+            <a:r>
+              <a:rPr lang="en-US" sz="1800" dirty="0" err="1">
+                <a:solidFill>
+                  <a:srgbClr val="000000"/>
+                </a:solidFill>
+                <a:latin typeface="Cascadia Mono" panose="020B0609020000020004" pitchFamily="49" charset="0"/>
+              </a:rPr>
               <a:t>.</a:t>
             </a:r>
+            <a:r>
+              <a:rPr lang="en-US" sz="1800" dirty="0" err="1">
+                <a:solidFill>
+                  <a:srgbClr val="669900"/>
+                </a:solidFill>
+                <a:latin typeface="Cascadia Mono" panose="020B0609020000020004" pitchFamily="49" charset="0"/>
+              </a:rPr>
+              <a:t>Where</a:t>
+            </a:r>
+            <a:r>
+              <a:rPr lang="en-US" sz="1800" dirty="0">
+                <a:solidFill>
+                  <a:srgbClr val="000000"/>
+                </a:solidFill>
+                <a:latin typeface="Cascadia Mono" panose="020B0609020000020004" pitchFamily="49" charset="0"/>
+              </a:rPr>
+              <a:t>(</a:t>
+            </a:r>
+            <a:r>
+              <a:rPr lang="en-US" sz="1800" dirty="0">
+                <a:solidFill>
+                  <a:schemeClr val="accent1">
+                    <a:lumMod val="50000"/>
+                  </a:schemeClr>
+                </a:solidFill>
+                <a:latin typeface="Cascadia Mono" panose="020B0609020000020004" pitchFamily="49" charset="0"/>
+              </a:rPr>
+              <a:t>item</a:t>
+            </a:r>
+            <a:r>
+              <a:rPr lang="en-US" sz="1800" dirty="0">
+                <a:solidFill>
+                  <a:srgbClr val="000000"/>
+                </a:solidFill>
+                <a:latin typeface="Cascadia Mono" panose="020B0609020000020004" pitchFamily="49" charset="0"/>
+              </a:rPr>
+              <a:t> =&gt; </a:t>
+            </a:r>
+            <a:r>
+              <a:rPr lang="en-US" sz="1800" dirty="0" err="1">
+                <a:solidFill>
+                  <a:schemeClr val="accent1">
+                    <a:lumMod val="50000"/>
+                  </a:schemeClr>
+                </a:solidFill>
+                <a:latin typeface="Cascadia Mono" panose="020B0609020000020004" pitchFamily="49" charset="0"/>
+              </a:rPr>
+              <a:t>item</a:t>
+            </a:r>
+            <a:r>
+              <a:rPr lang="en-US" sz="1800" dirty="0" err="1">
+                <a:solidFill>
+                  <a:srgbClr val="000000"/>
+                </a:solidFill>
+                <a:latin typeface="Cascadia Mono" panose="020B0609020000020004" pitchFamily="49" charset="0"/>
+              </a:rPr>
+              <a:t>.Id</a:t>
+            </a:r>
+            <a:r>
+              <a:rPr lang="en-US" sz="1800" dirty="0">
+                <a:solidFill>
+                  <a:srgbClr val="000000"/>
+                </a:solidFill>
+                <a:latin typeface="Cascadia Mono" panose="020B0609020000020004" pitchFamily="49" charset="0"/>
+              </a:rPr>
+              <a:t> &gt; 1).</a:t>
+            </a:r>
+            <a:r>
+              <a:rPr lang="en-US" sz="1800" dirty="0">
+                <a:solidFill>
+                  <a:srgbClr val="669900"/>
+                </a:solidFill>
+                <a:latin typeface="Cascadia Mono" panose="020B0609020000020004" pitchFamily="49" charset="0"/>
+              </a:rPr>
+              <a:t>Select</a:t>
+            </a:r>
+            <a:r>
+              <a:rPr lang="en-US" sz="1800" dirty="0">
+                <a:solidFill>
+                  <a:srgbClr val="000000"/>
+                </a:solidFill>
+                <a:latin typeface="Cascadia Mono" panose="020B0609020000020004" pitchFamily="49" charset="0"/>
+              </a:rPr>
+              <a:t>(</a:t>
+            </a:r>
+            <a:r>
+              <a:rPr lang="en-US" sz="1800" dirty="0">
+                <a:solidFill>
+                  <a:schemeClr val="accent1">
+                    <a:lumMod val="50000"/>
+                  </a:schemeClr>
+                </a:solidFill>
+                <a:latin typeface="Cascadia Mono" panose="020B0609020000020004" pitchFamily="49" charset="0"/>
+              </a:rPr>
+              <a:t>item</a:t>
+            </a:r>
+            <a:r>
+              <a:rPr lang="en-US" sz="1800" dirty="0">
+                <a:solidFill>
+                  <a:srgbClr val="000000"/>
+                </a:solidFill>
+                <a:latin typeface="Cascadia Mono" panose="020B0609020000020004" pitchFamily="49" charset="0"/>
+              </a:rPr>
+              <a:t> =&gt; </a:t>
+            </a:r>
+            <a:r>
+              <a:rPr lang="en-US" sz="1800" dirty="0">
+                <a:solidFill>
+                  <a:schemeClr val="accent1">
+                    <a:lumMod val="50000"/>
+                  </a:schemeClr>
+                </a:solidFill>
+                <a:latin typeface="Cascadia Mono" panose="020B0609020000020004" pitchFamily="49" charset="0"/>
+              </a:rPr>
+              <a:t>item</a:t>
+            </a:r>
+            <a:r>
+              <a:rPr lang="en-US" sz="1800" dirty="0" smtClean="0">
+                <a:solidFill>
+                  <a:srgbClr val="000000"/>
+                </a:solidFill>
+                <a:latin typeface="Cascadia Mono" panose="020B0609020000020004" pitchFamily="49" charset="0"/>
+              </a:rPr>
+              <a:t>);</a:t>
+            </a:r>
+            <a:endParaRPr lang="ru-RU" dirty="0" smtClean="0"/>
+          </a:p>
+          <a:p>
+            <a:pPr marL="120650" indent="0">
+              <a:buNone/>
+            </a:pPr>
             <a:endParaRPr lang="ru-RU" dirty="0" smtClean="0"/>
           </a:p>
         </p:txBody>
@@ -17828,463 +17808,7 @@
     </p:spTree>
     <p:extLst>
       <p:ext uri="{BB962C8B-B14F-4D97-AF65-F5344CB8AC3E}">
-        <p14:creationId xmlns:p14="http://schemas.microsoft.com/office/powerpoint/2010/main" val="4000945297"/>
-      </p:ext>
-    </p:extLst>
-  </p:cSld>
-  <p:clrMapOvr>
-    <a:masterClrMapping/>
-  </p:clrMapOvr>
-  <p:transition spd="slow"/>
-  <p:timing>
-    <p:tnLst>
-      <p:par>
-        <p:cTn id="1" dur="indefinite" restart="never" nodeType="tmRoot"/>
-      </p:par>
-    </p:tnLst>
-  </p:timing>
-</p:sld>
-</file>
-
-<file path=ppt/slides/slide29.xml><?xml version="1.0" encoding="utf-8"?>
-<p:sld xmlns:a="http://schemas.openxmlformats.org/drawingml/2006/main" xmlns:r="http://schemas.openxmlformats.org/officeDocument/2006/relationships" xmlns:p="http://schemas.openxmlformats.org/presentationml/2006/main">
-  <p:cSld>
-    <p:spTree>
-      <p:nvGrpSpPr>
-        <p:cNvPr id="1" name="Shape 252"/>
-        <p:cNvGrpSpPr/>
-        <p:nvPr/>
-      </p:nvGrpSpPr>
-      <p:grpSpPr>
-        <a:xfrm>
-          <a:off x="0" y="0"/>
-          <a:ext cx="0" cy="0"/>
-          <a:chOff x="0" y="0"/>
-          <a:chExt cx="0" cy="0"/>
-        </a:xfrm>
-      </p:grpSpPr>
-      <p:sp>
-        <p:nvSpPr>
-          <p:cNvPr id="253" name="Google Shape;253;p45"/>
-          <p:cNvSpPr txBox="1">
-            <a:spLocks noGrp="1"/>
-          </p:cNvSpPr>
-          <p:nvPr>
-            <p:ph type="title"/>
-          </p:nvPr>
-        </p:nvSpPr>
-        <p:spPr>
-          <a:xfrm>
-            <a:off x="500550" y="330736"/>
-            <a:ext cx="8520600" cy="979800"/>
-          </a:xfrm>
-          <a:prstGeom prst="rect">
-            <a:avLst/>
-          </a:prstGeom>
-        </p:spPr>
-        <p:txBody>
-          <a:bodyPr spcFirstLastPara="1" wrap="square" lIns="91425" tIns="91425" rIns="91425" bIns="91425" anchor="t" anchorCtr="0">
-            <a:noAutofit/>
-          </a:bodyPr>
-          <a:lstStyle/>
-          <a:p>
-            <a:pPr marL="0" lvl="0" indent="0" algn="l" rtl="0">
-              <a:spcBef>
-                <a:spcPts val="0"/>
-              </a:spcBef>
-              <a:spcAft>
-                <a:spcPts val="0"/>
-              </a:spcAft>
-              <a:buNone/>
-            </a:pPr>
-            <a:r>
-              <a:rPr lang="ru-RU" dirty="0" smtClean="0"/>
-              <a:t>Методы расширения </a:t>
-            </a:r>
-            <a:r>
-              <a:rPr lang="en-US" dirty="0" err="1" smtClean="0">
-                <a:solidFill>
-                  <a:srgbClr val="669900"/>
-                </a:solidFill>
-              </a:rPr>
-              <a:t>IEnumerable</a:t>
-            </a:r>
-            <a:r>
-              <a:rPr lang="en-US" dirty="0" smtClean="0"/>
-              <a:t>&lt;</a:t>
-            </a:r>
-            <a:r>
-              <a:rPr lang="en-US" dirty="0" smtClean="0">
-                <a:solidFill>
-                  <a:srgbClr val="669900"/>
-                </a:solidFill>
-              </a:rPr>
-              <a:t>T</a:t>
-            </a:r>
-            <a:r>
-              <a:rPr lang="en-US" dirty="0" smtClean="0"/>
-              <a:t>&gt;</a:t>
-            </a:r>
-            <a:endParaRPr dirty="0"/>
-          </a:p>
-        </p:txBody>
-      </p:sp>
-      <p:sp>
-        <p:nvSpPr>
-          <p:cNvPr id="254" name="Google Shape;254;p45"/>
-          <p:cNvSpPr txBox="1">
-            <a:spLocks noGrp="1"/>
-          </p:cNvSpPr>
-          <p:nvPr>
-            <p:ph type="body" idx="1"/>
-          </p:nvPr>
-        </p:nvSpPr>
-        <p:spPr>
-          <a:xfrm>
-            <a:off x="500550" y="1073427"/>
-            <a:ext cx="7947711" cy="3425686"/>
-          </a:xfrm>
-          <a:prstGeom prst="rect">
-            <a:avLst/>
-          </a:prstGeom>
-        </p:spPr>
-        <p:txBody>
-          <a:bodyPr spcFirstLastPara="1" wrap="square" lIns="91425" tIns="91425" rIns="91425" bIns="91425" anchor="t" anchorCtr="0">
-            <a:normAutofit/>
-          </a:bodyPr>
-          <a:lstStyle/>
-          <a:p>
-            <a:pPr marL="120650" indent="0">
-              <a:buNone/>
-            </a:pPr>
-            <a:r>
-              <a:rPr lang="ru-RU" dirty="0" smtClean="0"/>
-              <a:t>Функционал метод-синтаксиса идентичен функционалу декларативного синтаксиса с той разницей, что:</a:t>
-            </a:r>
-          </a:p>
-          <a:p>
-            <a:pPr marL="463550" indent="-342900">
-              <a:buAutoNum type="arabicPeriod"/>
-            </a:pPr>
-            <a:r>
-              <a:rPr lang="ru-RU" dirty="0" smtClean="0"/>
-              <a:t>Нет ключевых слов: </a:t>
-            </a:r>
-            <a:r>
-              <a:rPr lang="en-US" dirty="0" smtClean="0">
-                <a:solidFill>
-                  <a:schemeClr val="accent1">
-                    <a:lumMod val="75000"/>
-                  </a:schemeClr>
-                </a:solidFill>
-              </a:rPr>
-              <a:t>from</a:t>
-            </a:r>
-            <a:r>
-              <a:rPr lang="en-US" dirty="0" smtClean="0"/>
-              <a:t>, </a:t>
-            </a:r>
-            <a:r>
-              <a:rPr lang="en-US" dirty="0" smtClean="0">
-                <a:solidFill>
-                  <a:schemeClr val="accent1">
-                    <a:lumMod val="75000"/>
-                  </a:schemeClr>
-                </a:solidFill>
-              </a:rPr>
-              <a:t>in</a:t>
-            </a:r>
-            <a:r>
-              <a:rPr lang="en-US" dirty="0" smtClean="0"/>
-              <a:t>, </a:t>
-            </a:r>
-            <a:r>
-              <a:rPr lang="en-US" dirty="0" smtClean="0">
-                <a:solidFill>
-                  <a:schemeClr val="accent1">
-                    <a:lumMod val="75000"/>
-                  </a:schemeClr>
-                </a:solidFill>
-              </a:rPr>
-              <a:t>let</a:t>
-            </a:r>
-            <a:r>
-              <a:rPr lang="en-US" dirty="0" smtClean="0"/>
-              <a:t>, </a:t>
-            </a:r>
-            <a:r>
-              <a:rPr lang="en-US" dirty="0" smtClean="0">
-                <a:solidFill>
-                  <a:schemeClr val="accent1">
-                    <a:lumMod val="75000"/>
-                  </a:schemeClr>
-                </a:solidFill>
-              </a:rPr>
-              <a:t>into</a:t>
-            </a:r>
-            <a:r>
-              <a:rPr lang="en-US" dirty="0" smtClean="0"/>
-              <a:t>.</a:t>
-            </a:r>
-          </a:p>
-          <a:p>
-            <a:pPr marL="463550" indent="-342900">
-              <a:buAutoNum type="arabicPeriod"/>
-            </a:pPr>
-            <a:r>
-              <a:rPr lang="ru-RU" dirty="0" smtClean="0"/>
-              <a:t>Ключевые слова операторов запросов созвучны по написанию, но работают посредством</a:t>
-            </a:r>
-            <a:r>
-              <a:rPr lang="en-US" dirty="0" smtClean="0"/>
-              <a:t> </a:t>
-            </a:r>
-            <a:r>
-              <a:rPr lang="ru-RU" dirty="0" smtClean="0"/>
-              <a:t>обобщенных делегатов: </a:t>
-            </a:r>
-            <a:r>
-              <a:rPr lang="en-US" dirty="0" smtClean="0"/>
-              <a:t>Action, Predicate, </a:t>
-            </a:r>
-            <a:r>
-              <a:rPr lang="en-US" dirty="0" err="1" smtClean="0"/>
-              <a:t>Func</a:t>
-            </a:r>
-            <a:r>
-              <a:rPr lang="ru-RU" dirty="0" smtClean="0"/>
-              <a:t>.</a:t>
-            </a:r>
-          </a:p>
-          <a:p>
-            <a:pPr marL="120650" indent="0">
-              <a:buNone/>
-            </a:pPr>
-            <a:endParaRPr lang="ru-RU" dirty="0" smtClean="0"/>
-          </a:p>
-          <a:p>
-            <a:pPr marL="120650" indent="0">
-              <a:buNone/>
-            </a:pPr>
-            <a:r>
-              <a:rPr lang="ru-RU" dirty="0" smtClean="0"/>
-              <a:t>Пример:</a:t>
-            </a:r>
-          </a:p>
-          <a:p>
-            <a:pPr marL="120650" indent="0">
-              <a:buNone/>
-            </a:pPr>
-            <a:r>
-              <a:rPr lang="en-US" sz="1800" dirty="0" err="1">
-                <a:solidFill>
-                  <a:schemeClr val="accent1">
-                    <a:lumMod val="75000"/>
-                  </a:schemeClr>
-                </a:solidFill>
-                <a:latin typeface="Cascadia Mono" panose="020B0609020000020004" pitchFamily="49" charset="0"/>
-              </a:rPr>
-              <a:t>var</a:t>
-            </a:r>
-            <a:r>
-              <a:rPr lang="en-US" sz="1800" dirty="0">
-                <a:solidFill>
-                  <a:schemeClr val="accent1">
-                    <a:lumMod val="75000"/>
-                  </a:schemeClr>
-                </a:solidFill>
-                <a:latin typeface="Cascadia Mono" panose="020B0609020000020004" pitchFamily="49" charset="0"/>
-              </a:rPr>
-              <a:t> </a:t>
-            </a:r>
-            <a:r>
-              <a:rPr lang="en-US" sz="1800" dirty="0">
-                <a:solidFill>
-                  <a:schemeClr val="accent1">
-                    <a:lumMod val="50000"/>
-                  </a:schemeClr>
-                </a:solidFill>
-                <a:latin typeface="Cascadia Mono" panose="020B0609020000020004" pitchFamily="49" charset="0"/>
-              </a:rPr>
-              <a:t>query</a:t>
-            </a:r>
-            <a:r>
-              <a:rPr lang="en-US" sz="1800" dirty="0">
-                <a:solidFill>
-                  <a:srgbClr val="000000"/>
-                </a:solidFill>
-                <a:latin typeface="Cascadia Mono" panose="020B0609020000020004" pitchFamily="49" charset="0"/>
-              </a:rPr>
-              <a:t> =</a:t>
-            </a:r>
-            <a:r>
-              <a:rPr lang="en-US" sz="1800" dirty="0" smtClean="0">
-                <a:solidFill>
-                  <a:srgbClr val="000000"/>
-                </a:solidFill>
-                <a:latin typeface="Cascadia Mono" panose="020B0609020000020004" pitchFamily="49" charset="0"/>
-              </a:rPr>
-              <a:t> </a:t>
-            </a:r>
-            <a:r>
-              <a:rPr lang="en-US" sz="1800" dirty="0" err="1">
-                <a:solidFill>
-                  <a:schemeClr val="accent1">
-                    <a:lumMod val="50000"/>
-                  </a:schemeClr>
-                </a:solidFill>
-                <a:latin typeface="Cascadia Mono" panose="020B0609020000020004" pitchFamily="49" charset="0"/>
-              </a:rPr>
-              <a:t>source</a:t>
-            </a:r>
-            <a:r>
-              <a:rPr lang="en-US" sz="1800" dirty="0" err="1">
-                <a:solidFill>
-                  <a:srgbClr val="000000"/>
-                </a:solidFill>
-                <a:latin typeface="Cascadia Mono" panose="020B0609020000020004" pitchFamily="49" charset="0"/>
-              </a:rPr>
-              <a:t>.</a:t>
-            </a:r>
-            <a:r>
-              <a:rPr lang="en-US" sz="1800" dirty="0" err="1">
-                <a:solidFill>
-                  <a:srgbClr val="669900"/>
-                </a:solidFill>
-                <a:latin typeface="Cascadia Mono" panose="020B0609020000020004" pitchFamily="49" charset="0"/>
-              </a:rPr>
-              <a:t>Where</a:t>
-            </a:r>
-            <a:r>
-              <a:rPr lang="en-US" sz="1800" dirty="0">
-                <a:solidFill>
-                  <a:srgbClr val="000000"/>
-                </a:solidFill>
-                <a:latin typeface="Cascadia Mono" panose="020B0609020000020004" pitchFamily="49" charset="0"/>
-              </a:rPr>
-              <a:t>(</a:t>
-            </a:r>
-            <a:r>
-              <a:rPr lang="en-US" sz="1800" dirty="0">
-                <a:solidFill>
-                  <a:schemeClr val="accent1">
-                    <a:lumMod val="50000"/>
-                  </a:schemeClr>
-                </a:solidFill>
-                <a:latin typeface="Cascadia Mono" panose="020B0609020000020004" pitchFamily="49" charset="0"/>
-              </a:rPr>
-              <a:t>item</a:t>
-            </a:r>
-            <a:r>
-              <a:rPr lang="en-US" sz="1800" dirty="0">
-                <a:solidFill>
-                  <a:srgbClr val="000000"/>
-                </a:solidFill>
-                <a:latin typeface="Cascadia Mono" panose="020B0609020000020004" pitchFamily="49" charset="0"/>
-              </a:rPr>
-              <a:t> =&gt; </a:t>
-            </a:r>
-            <a:r>
-              <a:rPr lang="en-US" sz="1800" dirty="0" err="1">
-                <a:solidFill>
-                  <a:schemeClr val="accent1">
-                    <a:lumMod val="50000"/>
-                  </a:schemeClr>
-                </a:solidFill>
-                <a:latin typeface="Cascadia Mono" panose="020B0609020000020004" pitchFamily="49" charset="0"/>
-              </a:rPr>
-              <a:t>item</a:t>
-            </a:r>
-            <a:r>
-              <a:rPr lang="en-US" sz="1800" dirty="0" err="1">
-                <a:solidFill>
-                  <a:srgbClr val="000000"/>
-                </a:solidFill>
-                <a:latin typeface="Cascadia Mono" panose="020B0609020000020004" pitchFamily="49" charset="0"/>
-              </a:rPr>
-              <a:t>.Id</a:t>
-            </a:r>
-            <a:r>
-              <a:rPr lang="en-US" sz="1800" dirty="0">
-                <a:solidFill>
-                  <a:srgbClr val="000000"/>
-                </a:solidFill>
-                <a:latin typeface="Cascadia Mono" panose="020B0609020000020004" pitchFamily="49" charset="0"/>
-              </a:rPr>
-              <a:t> &gt; 1).</a:t>
-            </a:r>
-            <a:r>
-              <a:rPr lang="en-US" sz="1800" dirty="0">
-                <a:solidFill>
-                  <a:srgbClr val="669900"/>
-                </a:solidFill>
-                <a:latin typeface="Cascadia Mono" panose="020B0609020000020004" pitchFamily="49" charset="0"/>
-              </a:rPr>
-              <a:t>Select</a:t>
-            </a:r>
-            <a:r>
-              <a:rPr lang="en-US" sz="1800" dirty="0">
-                <a:solidFill>
-                  <a:srgbClr val="000000"/>
-                </a:solidFill>
-                <a:latin typeface="Cascadia Mono" panose="020B0609020000020004" pitchFamily="49" charset="0"/>
-              </a:rPr>
-              <a:t>(</a:t>
-            </a:r>
-            <a:r>
-              <a:rPr lang="en-US" sz="1800" dirty="0">
-                <a:solidFill>
-                  <a:schemeClr val="accent1">
-                    <a:lumMod val="50000"/>
-                  </a:schemeClr>
-                </a:solidFill>
-                <a:latin typeface="Cascadia Mono" panose="020B0609020000020004" pitchFamily="49" charset="0"/>
-              </a:rPr>
-              <a:t>item</a:t>
-            </a:r>
-            <a:r>
-              <a:rPr lang="en-US" sz="1800" dirty="0">
-                <a:solidFill>
-                  <a:srgbClr val="000000"/>
-                </a:solidFill>
-                <a:latin typeface="Cascadia Mono" panose="020B0609020000020004" pitchFamily="49" charset="0"/>
-              </a:rPr>
-              <a:t> =&gt; </a:t>
-            </a:r>
-            <a:r>
-              <a:rPr lang="en-US" sz="1800" dirty="0">
-                <a:solidFill>
-                  <a:schemeClr val="accent1">
-                    <a:lumMod val="50000"/>
-                  </a:schemeClr>
-                </a:solidFill>
-                <a:latin typeface="Cascadia Mono" panose="020B0609020000020004" pitchFamily="49" charset="0"/>
-              </a:rPr>
-              <a:t>item</a:t>
-            </a:r>
-            <a:r>
-              <a:rPr lang="en-US" sz="1800" dirty="0" smtClean="0">
-                <a:solidFill>
-                  <a:srgbClr val="000000"/>
-                </a:solidFill>
-                <a:latin typeface="Cascadia Mono" panose="020B0609020000020004" pitchFamily="49" charset="0"/>
-              </a:rPr>
-              <a:t>);</a:t>
-            </a:r>
-            <a:endParaRPr lang="ru-RU" dirty="0" smtClean="0"/>
-          </a:p>
-          <a:p>
-            <a:pPr marL="120650" indent="0">
-              <a:buNone/>
-            </a:pPr>
-            <a:endParaRPr lang="ru-RU" dirty="0" smtClean="0"/>
-          </a:p>
-        </p:txBody>
-      </p:sp>
-    </p:spTree>
-    <p:extLst>
-      <p:ext uri="{BB962C8B-B14F-4D97-AF65-F5344CB8AC3E}">
-        <p14:creationId xmlns:p14="http://schemas.microsoft.com/office/powerpoint/2010/main" val="2265735549"/>
+        <p14:creationId xmlns:p14="http://schemas.microsoft.com/office/powerpoint/2010/main" xmlns="" val="2265735549"/>
       </p:ext>
     </p:extLst>
   </p:cSld>
@@ -18301,564 +17825,7 @@
 </p:sld>
 </file>
 
-<file path=ppt/slides/slide3.xml><?xml version="1.0" encoding="utf-8"?>
-<p:sld xmlns:a="http://schemas.openxmlformats.org/drawingml/2006/main" xmlns:r="http://schemas.openxmlformats.org/officeDocument/2006/relationships" xmlns:p="http://schemas.openxmlformats.org/presentationml/2006/main">
-  <p:cSld>
-    <p:spTree>
-      <p:nvGrpSpPr>
-        <p:cNvPr id="1" name="Shape 151"/>
-        <p:cNvGrpSpPr/>
-        <p:nvPr/>
-      </p:nvGrpSpPr>
-      <p:grpSpPr>
-        <a:xfrm>
-          <a:off x="0" y="0"/>
-          <a:ext cx="0" cy="0"/>
-          <a:chOff x="0" y="0"/>
-          <a:chExt cx="0" cy="0"/>
-        </a:xfrm>
-      </p:grpSpPr>
-      <p:sp>
-        <p:nvSpPr>
-          <p:cNvPr id="152" name="Google Shape;152;p34"/>
-          <p:cNvSpPr/>
-          <p:nvPr/>
-        </p:nvSpPr>
-        <p:spPr>
-          <a:xfrm>
-            <a:off x="624575" y="2652575"/>
-            <a:ext cx="1499100" cy="1815000"/>
-          </a:xfrm>
-          <a:prstGeom prst="roundRect">
-            <a:avLst>
-              <a:gd name="adj" fmla="val 16667"/>
-            </a:avLst>
-          </a:prstGeom>
-          <a:solidFill>
-            <a:srgbClr val="FFD966"/>
-          </a:solidFill>
-          <a:ln>
-            <a:noFill/>
-          </a:ln>
-        </p:spPr>
-        <p:txBody>
-          <a:bodyPr spcFirstLastPara="1" wrap="square" lIns="91425" tIns="91425" rIns="91425" bIns="91425" anchor="ctr" anchorCtr="0">
-            <a:noAutofit/>
-          </a:bodyPr>
-          <a:lstStyle/>
-          <a:p>
-            <a:pPr marL="0" lvl="0" indent="0" algn="ctr" rtl="0">
-              <a:spcBef>
-                <a:spcPts val="0"/>
-              </a:spcBef>
-              <a:spcAft>
-                <a:spcPts val="0"/>
-              </a:spcAft>
-              <a:buNone/>
-            </a:pPr>
-            <a:endParaRPr>
-              <a:latin typeface="Roboto"/>
-              <a:ea typeface="Roboto"/>
-              <a:cs typeface="Roboto"/>
-              <a:sym typeface="Roboto"/>
-            </a:endParaRPr>
-          </a:p>
-        </p:txBody>
-      </p:sp>
-      <p:sp>
-        <p:nvSpPr>
-          <p:cNvPr id="153" name="Google Shape;153;p34"/>
-          <p:cNvSpPr txBox="1">
-            <a:spLocks noGrp="1"/>
-          </p:cNvSpPr>
-          <p:nvPr>
-            <p:ph type="title"/>
-          </p:nvPr>
-        </p:nvSpPr>
-        <p:spPr>
-          <a:xfrm>
-            <a:off x="500550" y="821213"/>
-            <a:ext cx="8520600" cy="587400"/>
-          </a:xfrm>
-          <a:prstGeom prst="rect">
-            <a:avLst/>
-          </a:prstGeom>
-        </p:spPr>
-        <p:txBody>
-          <a:bodyPr spcFirstLastPara="1" wrap="square" lIns="91425" tIns="91425" rIns="91425" bIns="91425" anchor="t" anchorCtr="0">
-            <a:noAutofit/>
-          </a:bodyPr>
-          <a:lstStyle/>
-          <a:p>
-            <a:pPr marL="0" lvl="0" indent="0" algn="l" rtl="0">
-              <a:spcBef>
-                <a:spcPts val="0"/>
-              </a:spcBef>
-              <a:spcAft>
-                <a:spcPts val="0"/>
-              </a:spcAft>
-              <a:buClr>
-                <a:schemeClr val="dk1"/>
-              </a:buClr>
-              <a:buSzPts val="1100"/>
-              <a:buFont typeface="Arial"/>
-              <a:buNone/>
-            </a:pPr>
-            <a:r>
-              <a:rPr lang="en-US" dirty="0" err="1" smtClean="0"/>
-              <a:t>Linq</a:t>
-            </a:r>
-            <a:r>
-              <a:rPr lang="en-US" dirty="0" smtClean="0"/>
-              <a:t>-</a:t>
-            </a:r>
-            <a:r>
-              <a:rPr lang="ru-RU" dirty="0" smtClean="0"/>
-              <a:t>запросы</a:t>
-            </a:r>
-            <a:endParaRPr dirty="0" smtClean="0"/>
-          </a:p>
-          <a:p>
-            <a:pPr marL="0" lvl="0" indent="0" algn="l" rtl="0">
-              <a:spcBef>
-                <a:spcPts val="0"/>
-              </a:spcBef>
-              <a:spcAft>
-                <a:spcPts val="0"/>
-              </a:spcAft>
-              <a:buClr>
-                <a:schemeClr val="dk1"/>
-              </a:buClr>
-              <a:buSzPts val="1100"/>
-              <a:buFont typeface="Arial"/>
-              <a:buNone/>
-            </a:pPr>
-            <a:endParaRPr i="1" dirty="0"/>
-          </a:p>
-        </p:txBody>
-      </p:sp>
-      <p:sp>
-        <p:nvSpPr>
-          <p:cNvPr id="154" name="Google Shape;154;p34"/>
-          <p:cNvSpPr txBox="1">
-            <a:spLocks noGrp="1"/>
-          </p:cNvSpPr>
-          <p:nvPr>
-            <p:ph type="subTitle" idx="2"/>
-          </p:nvPr>
-        </p:nvSpPr>
-        <p:spPr>
-          <a:xfrm>
-            <a:off x="3164850" y="2587356"/>
-            <a:ext cx="5856300" cy="587400"/>
-          </a:xfrm>
-          <a:prstGeom prst="rect">
-            <a:avLst/>
-          </a:prstGeom>
-        </p:spPr>
-        <p:txBody>
-          <a:bodyPr spcFirstLastPara="1" wrap="square" lIns="91425" tIns="91425" rIns="91425" bIns="91425" anchor="t" anchorCtr="0">
-            <a:normAutofit/>
-          </a:bodyPr>
-          <a:lstStyle/>
-          <a:p>
-            <a:pPr marL="0" lvl="0" indent="0" algn="l" rtl="0">
-              <a:spcBef>
-                <a:spcPts val="0"/>
-              </a:spcBef>
-              <a:spcAft>
-                <a:spcPts val="0"/>
-              </a:spcAft>
-              <a:buNone/>
-            </a:pPr>
-            <a:r>
-              <a:rPr lang="ru" i="1">
-                <a:solidFill>
-                  <a:schemeClr val="dk1"/>
-                </a:solidFill>
-              </a:rPr>
-              <a:t>Нилов Павел</a:t>
-            </a:r>
-            <a:endParaRPr i="1">
-              <a:solidFill>
-                <a:schemeClr val="dk1"/>
-              </a:solidFill>
-            </a:endParaRPr>
-          </a:p>
-        </p:txBody>
-      </p:sp>
-      <p:pic>
-        <p:nvPicPr>
-          <p:cNvPr id="155" name="Google Shape;155;p34"/>
-          <p:cNvPicPr preferRelativeResize="0"/>
-          <p:nvPr/>
-        </p:nvPicPr>
-        <p:blipFill rotWithShape="1">
-          <a:blip r:embed="rId3">
-            <a:alphaModFix/>
-          </a:blip>
-          <a:srcRect t="941" b="941"/>
-          <a:stretch/>
-        </p:blipFill>
-        <p:spPr>
-          <a:xfrm>
-            <a:off x="1033167" y="2867584"/>
-            <a:ext cx="1383000" cy="1365000"/>
-          </a:xfrm>
-          <a:prstGeom prst="ellipse">
-            <a:avLst/>
-          </a:prstGeom>
-          <a:noFill/>
-          <a:ln>
-            <a:noFill/>
-          </a:ln>
-        </p:spPr>
-      </p:pic>
-      <p:sp>
-        <p:nvSpPr>
-          <p:cNvPr id="156" name="Google Shape;156;p34"/>
-          <p:cNvSpPr txBox="1"/>
-          <p:nvPr/>
-        </p:nvSpPr>
-        <p:spPr>
-          <a:xfrm>
-            <a:off x="500550" y="503025"/>
-            <a:ext cx="7796700" cy="475500"/>
-          </a:xfrm>
-          <a:prstGeom prst="rect">
-            <a:avLst/>
-          </a:prstGeom>
-          <a:noFill/>
-          <a:ln>
-            <a:noFill/>
-          </a:ln>
-        </p:spPr>
-        <p:txBody>
-          <a:bodyPr spcFirstLastPara="1" wrap="square" lIns="91425" tIns="91425" rIns="91425" bIns="91425" anchor="t" anchorCtr="0">
-            <a:normAutofit/>
-          </a:bodyPr>
-          <a:lstStyle/>
-          <a:p>
-            <a:pPr marL="0" lvl="0" indent="0" algn="l" rtl="0">
-              <a:spcBef>
-                <a:spcPts val="0"/>
-              </a:spcBef>
-              <a:spcAft>
-                <a:spcPts val="0"/>
-              </a:spcAft>
-              <a:buNone/>
-            </a:pPr>
-            <a:r>
-              <a:rPr lang="ru" sz="1700">
-                <a:solidFill>
-                  <a:srgbClr val="FF7700"/>
-                </a:solidFill>
-                <a:latin typeface="Roboto"/>
-                <a:ea typeface="Roboto"/>
-                <a:cs typeface="Roboto"/>
-                <a:sym typeface="Roboto"/>
-              </a:rPr>
-              <a:t>Тема открытого урока</a:t>
-            </a:r>
-            <a:endParaRPr sz="1700">
-              <a:solidFill>
-                <a:srgbClr val="FF7700"/>
-              </a:solidFill>
-              <a:latin typeface="Roboto"/>
-              <a:ea typeface="Roboto"/>
-              <a:cs typeface="Roboto"/>
-              <a:sym typeface="Roboto"/>
-            </a:endParaRPr>
-          </a:p>
-        </p:txBody>
-      </p:sp>
-      <p:sp>
-        <p:nvSpPr>
-          <p:cNvPr id="157" name="Google Shape;157;p34"/>
-          <p:cNvSpPr txBox="1"/>
-          <p:nvPr/>
-        </p:nvSpPr>
-        <p:spPr>
-          <a:xfrm>
-            <a:off x="3248850" y="2988500"/>
-            <a:ext cx="5125800" cy="1965900"/>
-          </a:xfrm>
-          <a:prstGeom prst="rect">
-            <a:avLst/>
-          </a:prstGeom>
-          <a:noFill/>
-          <a:ln>
-            <a:noFill/>
-          </a:ln>
-        </p:spPr>
-        <p:txBody>
-          <a:bodyPr spcFirstLastPara="1" wrap="square" lIns="91425" tIns="91425" rIns="91425" bIns="91425" anchor="t" anchorCtr="0">
-            <a:normAutofit/>
-          </a:bodyPr>
-          <a:lstStyle/>
-          <a:p>
-            <a:pPr marL="0" lvl="0" indent="0" algn="l" rtl="0">
-              <a:spcBef>
-                <a:spcPts val="0"/>
-              </a:spcBef>
-              <a:spcAft>
-                <a:spcPts val="0"/>
-              </a:spcAft>
-              <a:buNone/>
-            </a:pPr>
-            <a:r>
-              <a:rPr lang="ru" sz="1300" i="1" dirty="0">
-                <a:solidFill>
-                  <a:schemeClr val="dk1"/>
-                </a:solidFill>
-                <a:latin typeface="Roboto"/>
-                <a:ea typeface="Roboto"/>
-                <a:cs typeface="Roboto"/>
-                <a:sym typeface="Roboto"/>
-              </a:rPr>
-              <a:t>Fullstack разработчик компании Волховец</a:t>
-            </a:r>
-            <a:endParaRPr sz="1300" i="1" dirty="0">
-              <a:solidFill>
-                <a:schemeClr val="dk1"/>
-              </a:solidFill>
-              <a:latin typeface="Roboto"/>
-              <a:ea typeface="Roboto"/>
-              <a:cs typeface="Roboto"/>
-              <a:sym typeface="Roboto"/>
-            </a:endParaRPr>
-          </a:p>
-          <a:p>
-            <a:pPr marL="0" lvl="0" indent="0" algn="l" rtl="0">
-              <a:spcBef>
-                <a:spcPts val="0"/>
-              </a:spcBef>
-              <a:spcAft>
-                <a:spcPts val="0"/>
-              </a:spcAft>
-              <a:buNone/>
-            </a:pPr>
-            <a:endParaRPr sz="1300" i="1" dirty="0">
-              <a:solidFill>
-                <a:schemeClr val="dk1"/>
-              </a:solidFill>
-              <a:latin typeface="Roboto"/>
-              <a:ea typeface="Roboto"/>
-              <a:cs typeface="Roboto"/>
-              <a:sym typeface="Roboto"/>
-            </a:endParaRPr>
-          </a:p>
-          <a:p>
-            <a:pPr marL="0" lvl="0" indent="0" algn="l" rtl="0">
-              <a:lnSpc>
-                <a:spcPct val="115000"/>
-              </a:lnSpc>
-              <a:spcBef>
-                <a:spcPts val="0"/>
-              </a:spcBef>
-              <a:spcAft>
-                <a:spcPts val="0"/>
-              </a:spcAft>
-              <a:buClr>
-                <a:schemeClr val="dk1"/>
-              </a:buClr>
-              <a:buSzPct val="184615"/>
-              <a:buFont typeface="Arial"/>
-              <a:buNone/>
-            </a:pPr>
-            <a:endParaRPr sz="1300" i="1" dirty="0">
-              <a:solidFill>
-                <a:schemeClr val="dk1"/>
-              </a:solidFill>
-              <a:latin typeface="Roboto"/>
-              <a:ea typeface="Roboto"/>
-              <a:cs typeface="Roboto"/>
-              <a:sym typeface="Roboto"/>
-            </a:endParaRPr>
-          </a:p>
-          <a:p>
-            <a:pPr marL="0" lvl="0" indent="0" algn="l" rtl="0">
-              <a:spcBef>
-                <a:spcPts val="0"/>
-              </a:spcBef>
-              <a:spcAft>
-                <a:spcPts val="0"/>
-              </a:spcAft>
-              <a:buClr>
-                <a:schemeClr val="dk1"/>
-              </a:buClr>
-              <a:buSzPct val="84615"/>
-              <a:buFont typeface="Arial"/>
-              <a:buNone/>
-            </a:pPr>
-            <a:r>
-              <a:rPr lang="ru" sz="1300" i="1" dirty="0">
-                <a:solidFill>
-                  <a:schemeClr val="dk1"/>
-                </a:solidFill>
-                <a:latin typeface="Roboto"/>
-                <a:ea typeface="Roboto"/>
-                <a:cs typeface="Roboto"/>
-                <a:sym typeface="Roboto"/>
-              </a:rPr>
-              <a:t>Преподаватель курса C# </a:t>
-            </a:r>
-            <a:r>
-              <a:rPr lang="en-US" sz="1300" i="1" dirty="0" smtClean="0">
-                <a:solidFill>
-                  <a:schemeClr val="dk1"/>
-                </a:solidFill>
-                <a:latin typeface="Roboto"/>
-                <a:ea typeface="Roboto"/>
-                <a:cs typeface="Roboto"/>
-                <a:sym typeface="Roboto"/>
-              </a:rPr>
-              <a:t>Basic, C# Professional</a:t>
-            </a:r>
-            <a:endParaRPr sz="1300" i="1" dirty="0">
-              <a:solidFill>
-                <a:schemeClr val="dk1"/>
-              </a:solidFill>
-              <a:latin typeface="Roboto"/>
-              <a:ea typeface="Roboto"/>
-              <a:cs typeface="Roboto"/>
-              <a:sym typeface="Roboto"/>
-            </a:endParaRPr>
-          </a:p>
-          <a:p>
-            <a:pPr marL="0" lvl="0" indent="0" algn="l" rtl="0">
-              <a:spcBef>
-                <a:spcPts val="0"/>
-              </a:spcBef>
-              <a:spcAft>
-                <a:spcPts val="0"/>
-              </a:spcAft>
-              <a:buNone/>
-            </a:pPr>
-            <a:endParaRPr sz="1300" i="1" dirty="0">
-              <a:solidFill>
-                <a:schemeClr val="dk1"/>
-              </a:solidFill>
-              <a:latin typeface="Roboto"/>
-              <a:ea typeface="Roboto"/>
-              <a:cs typeface="Roboto"/>
-              <a:sym typeface="Roboto"/>
-            </a:endParaRPr>
-          </a:p>
-          <a:p>
-            <a:pPr marL="0" lvl="0" indent="0" algn="l" rtl="0">
-              <a:spcBef>
-                <a:spcPts val="0"/>
-              </a:spcBef>
-              <a:spcAft>
-                <a:spcPts val="0"/>
-              </a:spcAft>
-              <a:buNone/>
-            </a:pPr>
-            <a:endParaRPr sz="1300" i="1" dirty="0">
-              <a:solidFill>
-                <a:schemeClr val="dk1"/>
-              </a:solidFill>
-              <a:latin typeface="Roboto"/>
-              <a:ea typeface="Roboto"/>
-              <a:cs typeface="Roboto"/>
-              <a:sym typeface="Roboto"/>
-            </a:endParaRPr>
-          </a:p>
-          <a:p>
-            <a:pPr marL="0" lvl="0" indent="0" algn="l" rtl="0">
-              <a:spcBef>
-                <a:spcPts val="0"/>
-              </a:spcBef>
-              <a:spcAft>
-                <a:spcPts val="0"/>
-              </a:spcAft>
-              <a:buNone/>
-            </a:pPr>
-            <a:r>
-              <a:rPr lang="ru" sz="1300" i="1" dirty="0">
-                <a:solidFill>
-                  <a:schemeClr val="dk1"/>
-                </a:solidFill>
-                <a:latin typeface="Roboto"/>
-                <a:ea typeface="Roboto"/>
-                <a:cs typeface="Roboto"/>
-                <a:sym typeface="Roboto"/>
-              </a:rPr>
-              <a:t>Контакты:t.me/@</a:t>
-            </a:r>
-            <a:r>
-              <a:rPr lang="ru" sz="1300" i="1" dirty="0" smtClean="0">
-                <a:solidFill>
-                  <a:schemeClr val="dk1"/>
-                </a:solidFill>
-                <a:latin typeface="Roboto"/>
-                <a:ea typeface="Roboto"/>
-                <a:cs typeface="Roboto"/>
-                <a:sym typeface="Roboto"/>
-              </a:rPr>
-              <a:t>NilovPavel</a:t>
-            </a:r>
-            <a:endParaRPr sz="1300" i="1" dirty="0">
-              <a:solidFill>
-                <a:schemeClr val="dk1"/>
-              </a:solidFill>
-              <a:latin typeface="Roboto"/>
-              <a:ea typeface="Roboto"/>
-              <a:cs typeface="Roboto"/>
-              <a:sym typeface="Roboto"/>
-            </a:endParaRPr>
-          </a:p>
-        </p:txBody>
-      </p:sp>
-      <p:pic>
-        <p:nvPicPr>
-          <p:cNvPr id="158" name="Google Shape;158;p34"/>
-          <p:cNvPicPr preferRelativeResize="0"/>
-          <p:nvPr/>
-        </p:nvPicPr>
-        <p:blipFill rotWithShape="1">
-          <a:blip r:embed="rId4">
-            <a:alphaModFix/>
-          </a:blip>
-          <a:srcRect/>
-          <a:stretch/>
-        </p:blipFill>
-        <p:spPr>
-          <a:xfrm>
-            <a:off x="8077621" y="258179"/>
-            <a:ext cx="652375" cy="652375"/>
-          </a:xfrm>
-          <a:prstGeom prst="rect">
-            <a:avLst/>
-          </a:prstGeom>
-          <a:noFill/>
-          <a:ln>
-            <a:noFill/>
-          </a:ln>
-        </p:spPr>
-      </p:pic>
-    </p:spTree>
-    <p:extLst>
-      <p:ext uri="{BB962C8B-B14F-4D97-AF65-F5344CB8AC3E}">
-        <p14:creationId xmlns:p14="http://schemas.microsoft.com/office/powerpoint/2010/main" val="1849832399"/>
-      </p:ext>
-    </p:extLst>
-  </p:cSld>
-  <p:clrMapOvr>
-    <a:masterClrMapping/>
-  </p:clrMapOvr>
-  <p:timing>
-    <p:tnLst>
-      <p:par>
-        <p:cTn id="1" dur="indefinite" restart="never" nodeType="tmRoot"/>
-      </p:par>
-    </p:tnLst>
-  </p:timing>
-</p:sld>
-</file>
-
-<file path=ppt/slides/slide30.xml><?xml version="1.0" encoding="utf-8"?>
+<file path=ppt/slides/slide28.xml><?xml version="1.0" encoding="utf-8"?>
 <p:sld xmlns:a="http://schemas.openxmlformats.org/drawingml/2006/main" xmlns:r="http://schemas.openxmlformats.org/officeDocument/2006/relationships" xmlns:p="http://schemas.openxmlformats.org/presentationml/2006/main">
   <p:cSld>
     <p:spTree>
@@ -19052,7 +18019,7 @@
     </p:spTree>
     <p:extLst>
       <p:ext uri="{BB962C8B-B14F-4D97-AF65-F5344CB8AC3E}">
-        <p14:creationId xmlns:p14="http://schemas.microsoft.com/office/powerpoint/2010/main" val="2265735549"/>
+        <p14:creationId xmlns:p14="http://schemas.microsoft.com/office/powerpoint/2010/main" xmlns="" val="2265735549"/>
       </p:ext>
     </p:extLst>
   </p:cSld>
@@ -19069,7 +18036,7 @@
 </p:sld>
 </file>
 
-<file path=ppt/slides/slide31.xml><?xml version="1.0" encoding="utf-8"?>
+<file path=ppt/slides/slide29.xml><?xml version="1.0" encoding="utf-8"?>
 <p:sld xmlns:a="http://schemas.openxmlformats.org/drawingml/2006/main" xmlns:r="http://schemas.openxmlformats.org/officeDocument/2006/relationships" xmlns:p="http://schemas.openxmlformats.org/presentationml/2006/main">
   <p:cSld>
     <p:spTree>
@@ -19151,7 +18118,576 @@
 </p:sld>
 </file>
 
-<file path=ppt/slides/slide32.xml><?xml version="1.0" encoding="utf-8"?>
+<file path=ppt/slides/slide3.xml><?xml version="1.0" encoding="utf-8"?>
+<p:sld xmlns:a="http://schemas.openxmlformats.org/drawingml/2006/main" xmlns:r="http://schemas.openxmlformats.org/officeDocument/2006/relationships" xmlns:p="http://schemas.openxmlformats.org/presentationml/2006/main">
+  <p:cSld>
+    <p:spTree>
+      <p:nvGrpSpPr>
+        <p:cNvPr id="1" name="Shape 151"/>
+        <p:cNvGrpSpPr/>
+        <p:nvPr/>
+      </p:nvGrpSpPr>
+      <p:grpSpPr>
+        <a:xfrm>
+          <a:off x="0" y="0"/>
+          <a:ext cx="0" cy="0"/>
+          <a:chOff x="0" y="0"/>
+          <a:chExt cx="0" cy="0"/>
+        </a:xfrm>
+      </p:grpSpPr>
+      <p:sp>
+        <p:nvSpPr>
+          <p:cNvPr id="152" name="Google Shape;152;p34"/>
+          <p:cNvSpPr/>
+          <p:nvPr/>
+        </p:nvSpPr>
+        <p:spPr>
+          <a:xfrm>
+            <a:off x="624575" y="2652575"/>
+            <a:ext cx="1499100" cy="1815000"/>
+          </a:xfrm>
+          <a:prstGeom prst="roundRect">
+            <a:avLst>
+              <a:gd name="adj" fmla="val 16667"/>
+            </a:avLst>
+          </a:prstGeom>
+          <a:solidFill>
+            <a:srgbClr val="FFD966"/>
+          </a:solidFill>
+          <a:ln>
+            <a:noFill/>
+          </a:ln>
+        </p:spPr>
+        <p:txBody>
+          <a:bodyPr spcFirstLastPara="1" wrap="square" lIns="91425" tIns="91425" rIns="91425" bIns="91425" anchor="ctr" anchorCtr="0">
+            <a:noAutofit/>
+          </a:bodyPr>
+          <a:lstStyle/>
+          <a:p>
+            <a:pPr marL="0" lvl="0" indent="0" algn="ctr" rtl="0">
+              <a:spcBef>
+                <a:spcPts val="0"/>
+              </a:spcBef>
+              <a:spcAft>
+                <a:spcPts val="0"/>
+              </a:spcAft>
+              <a:buNone/>
+            </a:pPr>
+            <a:endParaRPr>
+              <a:latin typeface="Roboto"/>
+              <a:ea typeface="Roboto"/>
+              <a:cs typeface="Roboto"/>
+              <a:sym typeface="Roboto"/>
+            </a:endParaRPr>
+          </a:p>
+        </p:txBody>
+      </p:sp>
+      <p:sp>
+        <p:nvSpPr>
+          <p:cNvPr id="153" name="Google Shape;153;p34"/>
+          <p:cNvSpPr txBox="1">
+            <a:spLocks noGrp="1"/>
+          </p:cNvSpPr>
+          <p:nvPr>
+            <p:ph type="title"/>
+          </p:nvPr>
+        </p:nvSpPr>
+        <p:spPr>
+          <a:xfrm>
+            <a:off x="500550" y="821213"/>
+            <a:ext cx="8520600" cy="587400"/>
+          </a:xfrm>
+          <a:prstGeom prst="rect">
+            <a:avLst/>
+          </a:prstGeom>
+        </p:spPr>
+        <p:txBody>
+          <a:bodyPr spcFirstLastPara="1" wrap="square" lIns="91425" tIns="91425" rIns="91425" bIns="91425" anchor="t" anchorCtr="0">
+            <a:noAutofit/>
+          </a:bodyPr>
+          <a:lstStyle/>
+          <a:p>
+            <a:pPr marL="0" lvl="0" indent="0" algn="l" rtl="0">
+              <a:spcBef>
+                <a:spcPts val="0"/>
+              </a:spcBef>
+              <a:spcAft>
+                <a:spcPts val="0"/>
+              </a:spcAft>
+              <a:buClr>
+                <a:schemeClr val="dk1"/>
+              </a:buClr>
+              <a:buSzPts val="1100"/>
+              <a:buFont typeface="Arial"/>
+              <a:buNone/>
+            </a:pPr>
+            <a:r>
+              <a:rPr lang="en-US" dirty="0" err="1" smtClean="0"/>
+              <a:t>Linq</a:t>
+            </a:r>
+            <a:r>
+              <a:rPr lang="en-US" dirty="0" smtClean="0"/>
+              <a:t>-</a:t>
+            </a:r>
+            <a:r>
+              <a:rPr lang="ru-RU" dirty="0" smtClean="0"/>
+              <a:t>запросы</a:t>
+            </a:r>
+            <a:endParaRPr dirty="0" smtClean="0"/>
+          </a:p>
+          <a:p>
+            <a:pPr marL="0" lvl="0" indent="0" algn="l" rtl="0">
+              <a:spcBef>
+                <a:spcPts val="0"/>
+              </a:spcBef>
+              <a:spcAft>
+                <a:spcPts val="0"/>
+              </a:spcAft>
+              <a:buClr>
+                <a:schemeClr val="dk1"/>
+              </a:buClr>
+              <a:buSzPts val="1100"/>
+              <a:buFont typeface="Arial"/>
+              <a:buNone/>
+            </a:pPr>
+            <a:endParaRPr i="1" dirty="0"/>
+          </a:p>
+        </p:txBody>
+      </p:sp>
+      <p:sp>
+        <p:nvSpPr>
+          <p:cNvPr id="154" name="Google Shape;154;p34"/>
+          <p:cNvSpPr txBox="1">
+            <a:spLocks noGrp="1"/>
+          </p:cNvSpPr>
+          <p:nvPr>
+            <p:ph type="subTitle" idx="2"/>
+          </p:nvPr>
+        </p:nvSpPr>
+        <p:spPr>
+          <a:xfrm>
+            <a:off x="3164850" y="2587356"/>
+            <a:ext cx="5856300" cy="587400"/>
+          </a:xfrm>
+          <a:prstGeom prst="rect">
+            <a:avLst/>
+          </a:prstGeom>
+        </p:spPr>
+        <p:txBody>
+          <a:bodyPr spcFirstLastPara="1" wrap="square" lIns="91425" tIns="91425" rIns="91425" bIns="91425" anchor="t" anchorCtr="0">
+            <a:normAutofit/>
+          </a:bodyPr>
+          <a:lstStyle/>
+          <a:p>
+            <a:pPr marL="0" lvl="0" indent="0" algn="l" rtl="0">
+              <a:spcBef>
+                <a:spcPts val="0"/>
+              </a:spcBef>
+              <a:spcAft>
+                <a:spcPts val="0"/>
+              </a:spcAft>
+              <a:buNone/>
+            </a:pPr>
+            <a:r>
+              <a:rPr lang="ru" i="1">
+                <a:solidFill>
+                  <a:schemeClr val="dk1"/>
+                </a:solidFill>
+              </a:rPr>
+              <a:t>Нилов Павел</a:t>
+            </a:r>
+            <a:endParaRPr i="1">
+              <a:solidFill>
+                <a:schemeClr val="dk1"/>
+              </a:solidFill>
+            </a:endParaRPr>
+          </a:p>
+        </p:txBody>
+      </p:sp>
+      <p:pic>
+        <p:nvPicPr>
+          <p:cNvPr id="155" name="Google Shape;155;p34"/>
+          <p:cNvPicPr preferRelativeResize="0"/>
+          <p:nvPr/>
+        </p:nvPicPr>
+        <p:blipFill rotWithShape="1">
+          <a:blip r:embed="rId3">
+            <a:alphaModFix/>
+          </a:blip>
+          <a:srcRect t="941" b="941"/>
+          <a:stretch/>
+        </p:blipFill>
+        <p:spPr>
+          <a:xfrm>
+            <a:off x="1033167" y="2867584"/>
+            <a:ext cx="1383000" cy="1365000"/>
+          </a:xfrm>
+          <a:prstGeom prst="ellipse">
+            <a:avLst/>
+          </a:prstGeom>
+          <a:noFill/>
+          <a:ln>
+            <a:noFill/>
+          </a:ln>
+        </p:spPr>
+      </p:pic>
+      <p:sp>
+        <p:nvSpPr>
+          <p:cNvPr id="156" name="Google Shape;156;p34"/>
+          <p:cNvSpPr txBox="1"/>
+          <p:nvPr/>
+        </p:nvSpPr>
+        <p:spPr>
+          <a:xfrm>
+            <a:off x="500550" y="503025"/>
+            <a:ext cx="7796700" cy="475500"/>
+          </a:xfrm>
+          <a:prstGeom prst="rect">
+            <a:avLst/>
+          </a:prstGeom>
+          <a:noFill/>
+          <a:ln>
+            <a:noFill/>
+          </a:ln>
+        </p:spPr>
+        <p:txBody>
+          <a:bodyPr spcFirstLastPara="1" wrap="square" lIns="91425" tIns="91425" rIns="91425" bIns="91425" anchor="t" anchorCtr="0">
+            <a:normAutofit/>
+          </a:bodyPr>
+          <a:lstStyle/>
+          <a:p>
+            <a:pPr marL="0" lvl="0" indent="0" algn="l" rtl="0">
+              <a:spcBef>
+                <a:spcPts val="0"/>
+              </a:spcBef>
+              <a:spcAft>
+                <a:spcPts val="0"/>
+              </a:spcAft>
+              <a:buNone/>
+            </a:pPr>
+            <a:r>
+              <a:rPr lang="ru" sz="1700">
+                <a:solidFill>
+                  <a:srgbClr val="FF7700"/>
+                </a:solidFill>
+                <a:latin typeface="Roboto"/>
+                <a:ea typeface="Roboto"/>
+                <a:cs typeface="Roboto"/>
+                <a:sym typeface="Roboto"/>
+              </a:rPr>
+              <a:t>Тема </a:t>
+            </a:r>
+            <a:r>
+              <a:rPr lang="ru" sz="1700" smtClean="0">
+                <a:solidFill>
+                  <a:srgbClr val="FF7700"/>
+                </a:solidFill>
+                <a:latin typeface="Roboto"/>
+                <a:ea typeface="Roboto"/>
+                <a:cs typeface="Roboto"/>
+                <a:sym typeface="Roboto"/>
+              </a:rPr>
+              <a:t>урока</a:t>
+            </a:r>
+            <a:endParaRPr sz="1700">
+              <a:solidFill>
+                <a:srgbClr val="FF7700"/>
+              </a:solidFill>
+              <a:latin typeface="Roboto"/>
+              <a:ea typeface="Roboto"/>
+              <a:cs typeface="Roboto"/>
+              <a:sym typeface="Roboto"/>
+            </a:endParaRPr>
+          </a:p>
+        </p:txBody>
+      </p:sp>
+      <p:sp>
+        <p:nvSpPr>
+          <p:cNvPr id="157" name="Google Shape;157;p34"/>
+          <p:cNvSpPr txBox="1"/>
+          <p:nvPr/>
+        </p:nvSpPr>
+        <p:spPr>
+          <a:xfrm>
+            <a:off x="3248850" y="2988500"/>
+            <a:ext cx="5125800" cy="1965900"/>
+          </a:xfrm>
+          <a:prstGeom prst="rect">
+            <a:avLst/>
+          </a:prstGeom>
+          <a:noFill/>
+          <a:ln>
+            <a:noFill/>
+          </a:ln>
+        </p:spPr>
+        <p:txBody>
+          <a:bodyPr spcFirstLastPara="1" wrap="square" lIns="91425" tIns="91425" rIns="91425" bIns="91425" anchor="t" anchorCtr="0">
+            <a:normAutofit/>
+          </a:bodyPr>
+          <a:lstStyle/>
+          <a:p>
+            <a:pPr marL="0" lvl="0" indent="0" algn="l" rtl="0">
+              <a:spcBef>
+                <a:spcPts val="0"/>
+              </a:spcBef>
+              <a:spcAft>
+                <a:spcPts val="0"/>
+              </a:spcAft>
+              <a:buNone/>
+            </a:pPr>
+            <a:r>
+              <a:rPr lang="ru" sz="1300" i="1" dirty="0">
+                <a:solidFill>
+                  <a:schemeClr val="dk1"/>
+                </a:solidFill>
+                <a:latin typeface="Roboto"/>
+                <a:ea typeface="Roboto"/>
+                <a:cs typeface="Roboto"/>
+                <a:sym typeface="Roboto"/>
+              </a:rPr>
+              <a:t>Fullstack разработчик компании Волховец</a:t>
+            </a:r>
+            <a:endParaRPr sz="1300" i="1" dirty="0">
+              <a:solidFill>
+                <a:schemeClr val="dk1"/>
+              </a:solidFill>
+              <a:latin typeface="Roboto"/>
+              <a:ea typeface="Roboto"/>
+              <a:cs typeface="Roboto"/>
+              <a:sym typeface="Roboto"/>
+            </a:endParaRPr>
+          </a:p>
+          <a:p>
+            <a:pPr marL="0" lvl="0" indent="0" algn="l" rtl="0">
+              <a:spcBef>
+                <a:spcPts val="0"/>
+              </a:spcBef>
+              <a:spcAft>
+                <a:spcPts val="0"/>
+              </a:spcAft>
+              <a:buNone/>
+            </a:pPr>
+            <a:endParaRPr sz="1300" i="1" dirty="0">
+              <a:solidFill>
+                <a:schemeClr val="dk1"/>
+              </a:solidFill>
+              <a:latin typeface="Roboto"/>
+              <a:ea typeface="Roboto"/>
+              <a:cs typeface="Roboto"/>
+              <a:sym typeface="Roboto"/>
+            </a:endParaRPr>
+          </a:p>
+          <a:p>
+            <a:pPr marL="0" lvl="0" indent="0" algn="l" rtl="0">
+              <a:lnSpc>
+                <a:spcPct val="115000"/>
+              </a:lnSpc>
+              <a:spcBef>
+                <a:spcPts val="0"/>
+              </a:spcBef>
+              <a:spcAft>
+                <a:spcPts val="0"/>
+              </a:spcAft>
+              <a:buClr>
+                <a:schemeClr val="dk1"/>
+              </a:buClr>
+              <a:buSzPct val="184615"/>
+              <a:buFont typeface="Arial"/>
+              <a:buNone/>
+            </a:pPr>
+            <a:endParaRPr sz="1300" i="1" dirty="0">
+              <a:solidFill>
+                <a:schemeClr val="dk1"/>
+              </a:solidFill>
+              <a:latin typeface="Roboto"/>
+              <a:ea typeface="Roboto"/>
+              <a:cs typeface="Roboto"/>
+              <a:sym typeface="Roboto"/>
+            </a:endParaRPr>
+          </a:p>
+          <a:p>
+            <a:pPr marL="0" lvl="0" indent="0" algn="l" rtl="0">
+              <a:spcBef>
+                <a:spcPts val="0"/>
+              </a:spcBef>
+              <a:spcAft>
+                <a:spcPts val="0"/>
+              </a:spcAft>
+              <a:buClr>
+                <a:schemeClr val="dk1"/>
+              </a:buClr>
+              <a:buSzPct val="84615"/>
+              <a:buFont typeface="Arial"/>
+              <a:buNone/>
+            </a:pPr>
+            <a:r>
+              <a:rPr lang="ru" sz="1300" i="1" dirty="0">
+                <a:solidFill>
+                  <a:schemeClr val="dk1"/>
+                </a:solidFill>
+                <a:latin typeface="Roboto"/>
+                <a:ea typeface="Roboto"/>
+                <a:cs typeface="Roboto"/>
+                <a:sym typeface="Roboto"/>
+              </a:rPr>
+              <a:t>Преподаватель курса C# </a:t>
+            </a:r>
+            <a:r>
+              <a:rPr lang="en-US" sz="1300" i="1" dirty="0" smtClean="0">
+                <a:solidFill>
+                  <a:schemeClr val="dk1"/>
+                </a:solidFill>
+                <a:latin typeface="Roboto"/>
+                <a:ea typeface="Roboto"/>
+                <a:cs typeface="Roboto"/>
+                <a:sym typeface="Roboto"/>
+              </a:rPr>
+              <a:t>Basic, C# Professional</a:t>
+            </a:r>
+            <a:endParaRPr sz="1300" i="1" dirty="0">
+              <a:solidFill>
+                <a:schemeClr val="dk1"/>
+              </a:solidFill>
+              <a:latin typeface="Roboto"/>
+              <a:ea typeface="Roboto"/>
+              <a:cs typeface="Roboto"/>
+              <a:sym typeface="Roboto"/>
+            </a:endParaRPr>
+          </a:p>
+          <a:p>
+            <a:pPr marL="0" lvl="0" indent="0" algn="l" rtl="0">
+              <a:spcBef>
+                <a:spcPts val="0"/>
+              </a:spcBef>
+              <a:spcAft>
+                <a:spcPts val="0"/>
+              </a:spcAft>
+              <a:buNone/>
+            </a:pPr>
+            <a:endParaRPr sz="1300" i="1" dirty="0">
+              <a:solidFill>
+                <a:schemeClr val="dk1"/>
+              </a:solidFill>
+              <a:latin typeface="Roboto"/>
+              <a:ea typeface="Roboto"/>
+              <a:cs typeface="Roboto"/>
+              <a:sym typeface="Roboto"/>
+            </a:endParaRPr>
+          </a:p>
+          <a:p>
+            <a:pPr marL="0" lvl="0" indent="0" algn="l" rtl="0">
+              <a:spcBef>
+                <a:spcPts val="0"/>
+              </a:spcBef>
+              <a:spcAft>
+                <a:spcPts val="0"/>
+              </a:spcAft>
+              <a:buNone/>
+            </a:pPr>
+            <a:endParaRPr sz="1300" i="1" dirty="0">
+              <a:solidFill>
+                <a:schemeClr val="dk1"/>
+              </a:solidFill>
+              <a:latin typeface="Roboto"/>
+              <a:ea typeface="Roboto"/>
+              <a:cs typeface="Roboto"/>
+              <a:sym typeface="Roboto"/>
+            </a:endParaRPr>
+          </a:p>
+          <a:p>
+            <a:pPr marL="0" lvl="0" indent="0" algn="l" rtl="0">
+              <a:spcBef>
+                <a:spcPts val="0"/>
+              </a:spcBef>
+              <a:spcAft>
+                <a:spcPts val="0"/>
+              </a:spcAft>
+              <a:buNone/>
+            </a:pPr>
+            <a:r>
+              <a:rPr lang="ru" sz="1300" i="1" dirty="0">
+                <a:solidFill>
+                  <a:schemeClr val="dk1"/>
+                </a:solidFill>
+                <a:latin typeface="Roboto"/>
+                <a:ea typeface="Roboto"/>
+                <a:cs typeface="Roboto"/>
+                <a:sym typeface="Roboto"/>
+              </a:rPr>
+              <a:t>Контакты:t.me/@</a:t>
+            </a:r>
+            <a:r>
+              <a:rPr lang="ru" sz="1300" i="1" dirty="0" smtClean="0">
+                <a:solidFill>
+                  <a:schemeClr val="dk1"/>
+                </a:solidFill>
+                <a:latin typeface="Roboto"/>
+                <a:ea typeface="Roboto"/>
+                <a:cs typeface="Roboto"/>
+                <a:sym typeface="Roboto"/>
+              </a:rPr>
+              <a:t>NilovPavel</a:t>
+            </a:r>
+            <a:endParaRPr sz="1300" i="1" dirty="0">
+              <a:solidFill>
+                <a:schemeClr val="dk1"/>
+              </a:solidFill>
+              <a:latin typeface="Roboto"/>
+              <a:ea typeface="Roboto"/>
+              <a:cs typeface="Roboto"/>
+              <a:sym typeface="Roboto"/>
+            </a:endParaRPr>
+          </a:p>
+        </p:txBody>
+      </p:sp>
+      <p:pic>
+        <p:nvPicPr>
+          <p:cNvPr id="158" name="Google Shape;158;p34"/>
+          <p:cNvPicPr preferRelativeResize="0"/>
+          <p:nvPr/>
+        </p:nvPicPr>
+        <p:blipFill rotWithShape="1">
+          <a:blip r:embed="rId4">
+            <a:alphaModFix/>
+          </a:blip>
+          <a:srcRect/>
+          <a:stretch/>
+        </p:blipFill>
+        <p:spPr>
+          <a:xfrm>
+            <a:off x="8077621" y="258179"/>
+            <a:ext cx="652375" cy="652375"/>
+          </a:xfrm>
+          <a:prstGeom prst="rect">
+            <a:avLst/>
+          </a:prstGeom>
+          <a:noFill/>
+          <a:ln>
+            <a:noFill/>
+          </a:ln>
+        </p:spPr>
+      </p:pic>
+    </p:spTree>
+    <p:extLst>
+      <p:ext uri="{BB962C8B-B14F-4D97-AF65-F5344CB8AC3E}">
+        <p14:creationId xmlns:p14="http://schemas.microsoft.com/office/powerpoint/2010/main" xmlns="" val="1849832399"/>
+      </p:ext>
+    </p:extLst>
+  </p:cSld>
+  <p:clrMapOvr>
+    <a:masterClrMapping/>
+  </p:clrMapOvr>
+  <p:timing>
+    <p:tnLst>
+      <p:par>
+        <p:cTn id="1" dur="indefinite" restart="never" nodeType="tmRoot"/>
+      </p:par>
+    </p:tnLst>
+  </p:timing>
+</p:sld>
+</file>
+
+<file path=ppt/slides/slide30.xml><?xml version="1.0" encoding="utf-8"?>
 <p:sld xmlns:a="http://schemas.openxmlformats.org/drawingml/2006/main" xmlns:r="http://schemas.openxmlformats.org/officeDocument/2006/relationships" xmlns:p="http://schemas.openxmlformats.org/presentationml/2006/main">
   <p:cSld>
     <p:spTree>
@@ -19682,7 +19218,7 @@
 </p:sld>
 </file>
 
-<file path=ppt/slides/slide33.xml><?xml version="1.0" encoding="utf-8"?>
+<file path=ppt/slides/slide31.xml><?xml version="1.0" encoding="utf-8"?>
 <p:sld xmlns:a="http://schemas.openxmlformats.org/drawingml/2006/main" xmlns:r="http://schemas.openxmlformats.org/officeDocument/2006/relationships" xmlns:p="http://schemas.openxmlformats.org/presentationml/2006/main">
   <p:cSld>
     <p:spTree>
@@ -19759,7 +19295,7 @@
 </p:sld>
 </file>
 
-<file path=ppt/slides/slide34.xml><?xml version="1.0" encoding="utf-8"?>
+<file path=ppt/slides/slide32.xml><?xml version="1.0" encoding="utf-8"?>
 <p:sld xmlns:a="http://schemas.openxmlformats.org/drawingml/2006/main" xmlns:r="http://schemas.openxmlformats.org/officeDocument/2006/relationships" xmlns:p="http://schemas.openxmlformats.org/presentationml/2006/main">
   <p:cSld>
     <p:spTree>
@@ -19825,7 +19361,7 @@
           <p:nvPr>
             <p:extLst>
               <p:ext uri="{D42A27DB-BD31-4B8C-83A1-F6EECF244321}">
-                <p14:modId xmlns:p14="http://schemas.microsoft.com/office/powerpoint/2010/main" val="3780615979"/>
+                <p14:modId xmlns:p14="http://schemas.microsoft.com/office/powerpoint/2010/main" xmlns="" val="3780615979"/>
               </p:ext>
             </p:extLst>
           </p:nvPr>
@@ -19845,14 +19381,14 @@
                 <a:gridCol w="489425">
                   <a:extLst>
                     <a:ext uri="{9D8B030D-6E8A-4147-A177-3AD203B41FA5}">
-                      <a16:colId xmlns:a16="http://schemas.microsoft.com/office/drawing/2014/main" val="20000"/>
+                      <a16:colId xmlns:a16="http://schemas.microsoft.com/office/drawing/2014/main" xmlns="" val="20000"/>
                     </a:ext>
                   </a:extLst>
                 </a:gridCol>
                 <a:gridCol w="6749575">
                   <a:extLst>
                     <a:ext uri="{9D8B030D-6E8A-4147-A177-3AD203B41FA5}">
-                      <a16:colId xmlns:a16="http://schemas.microsoft.com/office/drawing/2014/main" val="20001"/>
+                      <a16:colId xmlns:a16="http://schemas.microsoft.com/office/drawing/2014/main" xmlns="" val="20001"/>
                     </a:ext>
                   </a:extLst>
                 </a:gridCol>
@@ -20053,7 +19589,7 @@
                 </a:tc>
                 <a:extLst>
                   <a:ext uri="{0D108BD9-81ED-4DB2-BD59-A6C34878D82A}">
-                    <a16:rowId xmlns:a16="http://schemas.microsoft.com/office/drawing/2014/main" val="10000"/>
+                    <a16:rowId xmlns:a16="http://schemas.microsoft.com/office/drawing/2014/main" xmlns="" val="10000"/>
                   </a:ext>
                 </a:extLst>
               </a:tr>
@@ -20273,7 +19809,7 @@
                 </a:tc>
                 <a:extLst>
                   <a:ext uri="{0D108BD9-81ED-4DB2-BD59-A6C34878D82A}">
-                    <a16:rowId xmlns:a16="http://schemas.microsoft.com/office/drawing/2014/main" val="10001"/>
+                    <a16:rowId xmlns:a16="http://schemas.microsoft.com/office/drawing/2014/main" xmlns="" val="10001"/>
                   </a:ext>
                 </a:extLst>
               </a:tr>
@@ -20508,7 +20044,7 @@
                 </a:tc>
                 <a:extLst>
                   <a:ext uri="{0D108BD9-81ED-4DB2-BD59-A6C34878D82A}">
-                    <a16:rowId xmlns:a16="http://schemas.microsoft.com/office/drawing/2014/main" val="10002"/>
+                    <a16:rowId xmlns:a16="http://schemas.microsoft.com/office/drawing/2014/main" xmlns="" val="10002"/>
                   </a:ext>
                 </a:extLst>
               </a:tr>
@@ -20531,7 +20067,7 @@
 </p:sld>
 </file>
 
-<file path=ppt/slides/slide35.xml><?xml version="1.0" encoding="utf-8"?>
+<file path=ppt/slides/slide33.xml><?xml version="1.0" encoding="utf-8"?>
 <p:sld xmlns:a="http://schemas.openxmlformats.org/drawingml/2006/main" xmlns:r="http://schemas.openxmlformats.org/officeDocument/2006/relationships" xmlns:p="http://schemas.openxmlformats.org/presentationml/2006/main">
   <p:cSld>
     <p:spTree>
@@ -20813,7 +20349,7 @@
 </file>
 
 <file path=ppt/slides/slide4.xml><?xml version="1.0" encoding="utf-8"?>
-<p:sld xmlns:a="http://schemas.openxmlformats.org/drawingml/2006/main" xmlns:r="http://schemas.openxmlformats.org/officeDocument/2006/relationships" xmlns:p="http://schemas.openxmlformats.org/presentationml/2006/main" show="0">
+<p:sld xmlns:a="http://schemas.openxmlformats.org/drawingml/2006/main" xmlns:r="http://schemas.openxmlformats.org/officeDocument/2006/relationships" xmlns:p="http://schemas.openxmlformats.org/presentationml/2006/main">
   <p:cSld>
     <p:spTree>
       <p:nvGrpSpPr>
@@ -21191,14 +20727,7 @@
   <p:clrMapOvr>
     <a:masterClrMapping/>
   </p:clrMapOvr>
-  <mc:AlternateContent xmlns:mc="http://schemas.openxmlformats.org/markup-compatibility/2006" xmlns:p14="http://schemas.microsoft.com/office/powerpoint/2010/main">
-    <mc:Choice Requires="p14">
-      <p:transition spd="slow" p14:dur="2000"/>
-    </mc:Choice>
-    <mc:Fallback xmlns="">
-      <p:transition spd="slow"/>
-    </mc:Fallback>
-  </mc:AlternateContent>
+  <p:transition spd="slow"/>
   <p:timing>
     <p:tnLst>
       <p:par>
@@ -21642,6 +21171,92 @@
                 <a:sym typeface="Roboto"/>
               </a:rPr>
               <a:t>Декларативный синтаксис</a:t>
+            </a:r>
+            <a:endParaRPr sz="1200" dirty="0">
+              <a:solidFill>
+                <a:schemeClr val="dk1"/>
+              </a:solidFill>
+              <a:latin typeface="Roboto"/>
+              <a:ea typeface="Roboto"/>
+              <a:cs typeface="Roboto"/>
+              <a:sym typeface="Roboto"/>
+            </a:endParaRPr>
+          </a:p>
+        </p:txBody>
+      </p:sp>
+      <p:sp>
+        <p:nvSpPr>
+          <p:cNvPr id="8" name="Google Shape;177;p36"/>
+          <p:cNvSpPr/>
+          <p:nvPr/>
+        </p:nvSpPr>
+        <p:spPr>
+          <a:xfrm>
+            <a:off x="4780727" y="2822838"/>
+            <a:ext cx="3588019" cy="426300"/>
+          </a:xfrm>
+          <a:prstGeom prst="roundRect">
+            <a:avLst>
+              <a:gd name="adj" fmla="val 16667"/>
+            </a:avLst>
+          </a:prstGeom>
+          <a:solidFill>
+            <a:srgbClr val="FFD966"/>
+          </a:solidFill>
+          <a:ln>
+            <a:noFill/>
+          </a:ln>
+        </p:spPr>
+        <p:txBody>
+          <a:bodyPr spcFirstLastPara="1" wrap="square" lIns="270000" tIns="91425" rIns="270000" bIns="91425" anchor="ctr" anchorCtr="0">
+            <a:noAutofit/>
+          </a:bodyPr>
+          <a:lstStyle/>
+          <a:p>
+            <a:pPr marL="0" lvl="0" indent="0" algn="l" rtl="0">
+              <a:spcBef>
+                <a:spcPts val="0"/>
+              </a:spcBef>
+              <a:spcAft>
+                <a:spcPts val="0"/>
+              </a:spcAft>
+              <a:buNone/>
+            </a:pPr>
+            <a:r>
+              <a:rPr lang="en-US" dirty="0" smtClean="0">
+                <a:solidFill>
+                  <a:schemeClr val="dk1"/>
+                </a:solidFill>
+                <a:latin typeface="Roboto"/>
+                <a:ea typeface="Roboto"/>
+                <a:cs typeface="Roboto"/>
+                <a:sym typeface="Roboto"/>
+              </a:rPr>
+              <a:t>6</a:t>
+            </a:r>
+            <a:r>
+              <a:rPr lang="ru" dirty="0" smtClean="0">
+                <a:solidFill>
+                  <a:schemeClr val="dk1"/>
+                </a:solidFill>
+                <a:latin typeface="Roboto"/>
+                <a:ea typeface="Roboto"/>
+                <a:cs typeface="Roboto"/>
+                <a:sym typeface="Roboto"/>
+              </a:rPr>
+              <a:t>. </a:t>
+            </a:r>
+            <a:r>
+              <a:rPr lang="ru-RU" dirty="0" smtClean="0">
+                <a:solidFill>
+                  <a:schemeClr val="dk1"/>
+                </a:solidFill>
+                <a:latin typeface="Roboto"/>
+                <a:ea typeface="Roboto"/>
+                <a:cs typeface="Roboto"/>
+                <a:sym typeface="Roboto"/>
+              </a:rPr>
+              <a:t>Практика</a:t>
             </a:r>
             <a:endParaRPr sz="1200" dirty="0">
               <a:solidFill>
@@ -21736,7 +21351,7 @@
           <p:nvPr>
             <p:extLst>
               <p:ext uri="{D42A27DB-BD31-4B8C-83A1-F6EECF244321}">
-                <p14:modId xmlns:p14="http://schemas.microsoft.com/office/powerpoint/2010/main" val="3780615979"/>
+                <p14:modId xmlns:p14="http://schemas.microsoft.com/office/powerpoint/2010/main" xmlns="" val="3780615979"/>
               </p:ext>
             </p:extLst>
           </p:nvPr>
@@ -21756,14 +21371,14 @@
                 <a:gridCol w="489425">
                   <a:extLst>
                     <a:ext uri="{9D8B030D-6E8A-4147-A177-3AD203B41FA5}">
-                      <a16:colId xmlns:a16="http://schemas.microsoft.com/office/drawing/2014/main" val="20000"/>
+                      <a16:colId xmlns:a16="http://schemas.microsoft.com/office/drawing/2014/main" xmlns="" val="20000"/>
                     </a:ext>
                   </a:extLst>
                 </a:gridCol>
                 <a:gridCol w="6749575">
                   <a:extLst>
                     <a:ext uri="{9D8B030D-6E8A-4147-A177-3AD203B41FA5}">
-                      <a16:colId xmlns:a16="http://schemas.microsoft.com/office/drawing/2014/main" val="20001"/>
+                      <a16:colId xmlns:a16="http://schemas.microsoft.com/office/drawing/2014/main" xmlns="" val="20001"/>
                     </a:ext>
                   </a:extLst>
                 </a:gridCol>
@@ -21964,7 +21579,7 @@
                 </a:tc>
                 <a:extLst>
                   <a:ext uri="{0D108BD9-81ED-4DB2-BD59-A6C34878D82A}">
-                    <a16:rowId xmlns:a16="http://schemas.microsoft.com/office/drawing/2014/main" val="10000"/>
+                    <a16:rowId xmlns:a16="http://schemas.microsoft.com/office/drawing/2014/main" xmlns="" val="10000"/>
                   </a:ext>
                 </a:extLst>
               </a:tr>
@@ -22184,7 +21799,7 @@
                 </a:tc>
                 <a:extLst>
                   <a:ext uri="{0D108BD9-81ED-4DB2-BD59-A6C34878D82A}">
-                    <a16:rowId xmlns:a16="http://schemas.microsoft.com/office/drawing/2014/main" val="10001"/>
+                    <a16:rowId xmlns:a16="http://schemas.microsoft.com/office/drawing/2014/main" xmlns="" val="10001"/>
                   </a:ext>
                 </a:extLst>
               </a:tr>
@@ -22419,7 +22034,7 @@
                 </a:tc>
                 <a:extLst>
                   <a:ext uri="{0D108BD9-81ED-4DB2-BD59-A6C34878D82A}">
-                    <a16:rowId xmlns:a16="http://schemas.microsoft.com/office/drawing/2014/main" val="10002"/>
+                    <a16:rowId xmlns:a16="http://schemas.microsoft.com/office/drawing/2014/main" xmlns="" val="10002"/>
                   </a:ext>
                 </a:extLst>
               </a:tr>
@@ -22459,11 +22074,11 @@
   <p:clrMapOvr>
     <a:masterClrMapping/>
   </p:clrMapOvr>
-  <mc:AlternateContent xmlns:mc="http://schemas.openxmlformats.org/markup-compatibility/2006" xmlns:p14="http://schemas.microsoft.com/office/powerpoint/2010/main">
-    <mc:Choice Requires="p14">
+  <mc:AlternateContent xmlns:mc="http://schemas.openxmlformats.org/markup-compatibility/2006">
+    <mc:Choice xmlns:p14="http://schemas.microsoft.com/office/powerpoint/2010/main" xmlns="" Requires="p14">
       <p:transition spd="slow" p14:dur="2000"/>
     </mc:Choice>
-    <mc:Fallback xmlns="">
+    <mc:Fallback>
       <p:transition spd="slow"/>
     </mc:Fallback>
   </mc:AlternateContent>
@@ -22685,7 +22300,23 @@
             </a:r>
             <a:r>
               <a:rPr lang="ru-RU" dirty="0"/>
-              <a:t>-языках, спроектированный для работы с источниками данных, так как коллекции, базы данных, </a:t>
+              <a:t>-языках, спроектированный для работы с источниками данных, </a:t>
+            </a:r>
+            <a:r>
+              <a:rPr lang="ru-RU" dirty="0" smtClean="0"/>
+              <a:t>так</a:t>
+            </a:r>
+            <a:r>
+              <a:rPr lang="ru-RU" dirty="0" smtClean="0"/>
+              <a:t>их</a:t>
+            </a:r>
+            <a:r>
+              <a:rPr lang="ru-RU" dirty="0" smtClean="0"/>
+              <a:t> </a:t>
+            </a:r>
+            <a:r>
+              <a:rPr lang="ru-RU" dirty="0"/>
+              <a:t>как коллекции, базы данных, </a:t>
             </a:r>
             <a:r>
               <a:rPr lang="en-US" dirty="0"/>
@@ -23098,7 +22729,7 @@
           <a:blip r:embed="rId3">
             <a:extLst>
               <a:ext uri="{28A0092B-C50C-407E-A947-70E740481C1C}">
-                <a14:useLocalDpi xmlns:a14="http://schemas.microsoft.com/office/drawing/2010/main" val="0"/>
+                <a14:useLocalDpi xmlns:a14="http://schemas.microsoft.com/office/drawing/2010/main" xmlns="" val="0"/>
               </a:ext>
             </a:extLst>
           </a:blip>
@@ -23118,7 +22749,7 @@
           <a:noFill/>
           <a:extLst>
             <a:ext uri="{909E8E84-426E-40DD-AFC4-6F175D3DCCD1}">
-              <a14:hiddenFill xmlns:a14="http://schemas.microsoft.com/office/drawing/2010/main">
+              <a14:hiddenFill xmlns:a14="http://schemas.microsoft.com/office/drawing/2010/main" xmlns="">
                 <a:solidFill>
                   <a:srgbClr val="FFFFFF"/>
                 </a:solidFill>
@@ -23130,7 +22761,7 @@
     </p:spTree>
     <p:extLst>
       <p:ext uri="{BB962C8B-B14F-4D97-AF65-F5344CB8AC3E}">
-        <p14:creationId xmlns:p14="http://schemas.microsoft.com/office/powerpoint/2010/main" val="1265430313"/>
+        <p14:creationId xmlns:p14="http://schemas.microsoft.com/office/powerpoint/2010/main" xmlns="" val="1265430313"/>
       </p:ext>
     </p:extLst>
   </p:cSld>
